--- a/DSA.pptx
+++ b/DSA.pptx
@@ -15,6 +15,10 @@
     <p:sldId id="263" r:id="rId9"/>
     <p:sldId id="264" r:id="rId10"/>
     <p:sldId id="265" r:id="rId11"/>
+    <p:sldId id="266" r:id="rId12"/>
+    <p:sldId id="267" r:id="rId13"/>
+    <p:sldId id="268" r:id="rId14"/>
+    <p:sldId id="269" r:id="rId15"/>
   </p:sldIdLst>
   <p:sldSz cx="12192000" cy="6858000"/>
   <p:notesSz cx="6858000" cy="9144000"/>
@@ -252,7 +256,7 @@
           <a:p>
             <a:fld id="{4035D5AE-06E2-4508-A51F-C81B6FDAA234}" type="datetimeFigureOut">
               <a:rPr lang="en-US" smtClean="0"/>
-              <a:t>06-Jun-19</a:t>
+              <a:t>10/11/2019</a:t>
             </a:fld>
             <a:endParaRPr lang="en-US"/>
           </a:p>
@@ -422,7 +426,7 @@
           <a:p>
             <a:fld id="{4035D5AE-06E2-4508-A51F-C81B6FDAA234}" type="datetimeFigureOut">
               <a:rPr lang="en-US" smtClean="0"/>
-              <a:t>06-Jun-19</a:t>
+              <a:t>10/11/2019</a:t>
             </a:fld>
             <a:endParaRPr lang="en-US"/>
           </a:p>
@@ -602,7 +606,7 @@
           <a:p>
             <a:fld id="{4035D5AE-06E2-4508-A51F-C81B6FDAA234}" type="datetimeFigureOut">
               <a:rPr lang="en-US" smtClean="0"/>
-              <a:t>06-Jun-19</a:t>
+              <a:t>10/11/2019</a:t>
             </a:fld>
             <a:endParaRPr lang="en-US"/>
           </a:p>
@@ -772,7 +776,7 @@
           <a:p>
             <a:fld id="{4035D5AE-06E2-4508-A51F-C81B6FDAA234}" type="datetimeFigureOut">
               <a:rPr lang="en-US" smtClean="0"/>
-              <a:t>06-Jun-19</a:t>
+              <a:t>10/11/2019</a:t>
             </a:fld>
             <a:endParaRPr lang="en-US"/>
           </a:p>
@@ -1018,7 +1022,7 @@
           <a:p>
             <a:fld id="{4035D5AE-06E2-4508-A51F-C81B6FDAA234}" type="datetimeFigureOut">
               <a:rPr lang="en-US" smtClean="0"/>
-              <a:t>06-Jun-19</a:t>
+              <a:t>10/11/2019</a:t>
             </a:fld>
             <a:endParaRPr lang="en-US"/>
           </a:p>
@@ -1250,7 +1254,7 @@
           <a:p>
             <a:fld id="{4035D5AE-06E2-4508-A51F-C81B6FDAA234}" type="datetimeFigureOut">
               <a:rPr lang="en-US" smtClean="0"/>
-              <a:t>06-Jun-19</a:t>
+              <a:t>10/11/2019</a:t>
             </a:fld>
             <a:endParaRPr lang="en-US"/>
           </a:p>
@@ -1617,7 +1621,7 @@
           <a:p>
             <a:fld id="{4035D5AE-06E2-4508-A51F-C81B6FDAA234}" type="datetimeFigureOut">
               <a:rPr lang="en-US" smtClean="0"/>
-              <a:t>06-Jun-19</a:t>
+              <a:t>10/11/2019</a:t>
             </a:fld>
             <a:endParaRPr lang="en-US"/>
           </a:p>
@@ -1735,7 +1739,7 @@
           <a:p>
             <a:fld id="{4035D5AE-06E2-4508-A51F-C81B6FDAA234}" type="datetimeFigureOut">
               <a:rPr lang="en-US" smtClean="0"/>
-              <a:t>06-Jun-19</a:t>
+              <a:t>10/11/2019</a:t>
             </a:fld>
             <a:endParaRPr lang="en-US"/>
           </a:p>
@@ -1830,7 +1834,7 @@
           <a:p>
             <a:fld id="{4035D5AE-06E2-4508-A51F-C81B6FDAA234}" type="datetimeFigureOut">
               <a:rPr lang="en-US" smtClean="0"/>
-              <a:t>06-Jun-19</a:t>
+              <a:t>10/11/2019</a:t>
             </a:fld>
             <a:endParaRPr lang="en-US"/>
           </a:p>
@@ -2107,7 +2111,7 @@
           <a:p>
             <a:fld id="{4035D5AE-06E2-4508-A51F-C81B6FDAA234}" type="datetimeFigureOut">
               <a:rPr lang="en-US" smtClean="0"/>
-              <a:t>06-Jun-19</a:t>
+              <a:t>10/11/2019</a:t>
             </a:fld>
             <a:endParaRPr lang="en-US"/>
           </a:p>
@@ -2360,7 +2364,7 @@
           <a:p>
             <a:fld id="{4035D5AE-06E2-4508-A51F-C81B6FDAA234}" type="datetimeFigureOut">
               <a:rPr lang="en-US" smtClean="0"/>
-              <a:t>06-Jun-19</a:t>
+              <a:t>10/11/2019</a:t>
             </a:fld>
             <a:endParaRPr lang="en-US"/>
           </a:p>
@@ -2573,7 +2577,7 @@
           <a:p>
             <a:fld id="{4035D5AE-06E2-4508-A51F-C81B6FDAA234}" type="datetimeFigureOut">
               <a:rPr lang="en-US" smtClean="0"/>
-              <a:t>06-Jun-19</a:t>
+              <a:t>10/11/2019</a:t>
             </a:fld>
             <a:endParaRPr lang="en-US"/>
           </a:p>
@@ -5389,6 +5393,5891 @@
 </p:sld>
 </file>
 
+<file path=ppt/slides/slide11.xml><?xml version="1.0" encoding="utf-8"?>
+<p:sld xmlns:a="http://schemas.openxmlformats.org/drawingml/2006/main" xmlns:r="http://schemas.openxmlformats.org/officeDocument/2006/relationships" xmlns:p="http://schemas.openxmlformats.org/presentationml/2006/main">
+  <p:cSld>
+    <p:spTree>
+      <p:nvGrpSpPr>
+        <p:cNvPr id="1" name=""/>
+        <p:cNvGrpSpPr/>
+        <p:nvPr/>
+      </p:nvGrpSpPr>
+      <p:grpSpPr>
+        <a:xfrm>
+          <a:off x="0" y="0"/>
+          <a:ext cx="0" cy="0"/>
+          <a:chOff x="0" y="0"/>
+          <a:chExt cx="0" cy="0"/>
+        </a:xfrm>
+      </p:grpSpPr>
+      <p:sp>
+        <p:nvSpPr>
+          <p:cNvPr id="2" name="Title 1"/>
+          <p:cNvSpPr>
+            <a:spLocks noGrp="1"/>
+          </p:cNvSpPr>
+          <p:nvPr>
+            <p:ph type="title"/>
+          </p:nvPr>
+        </p:nvSpPr>
+        <p:spPr/>
+        <p:txBody>
+          <a:bodyPr/>
+          <a:lstStyle/>
+          <a:p>
+            <a:r>
+              <a:rPr lang="en-IN" dirty="0" smtClean="0"/>
+              <a:t>Graph</a:t>
+            </a:r>
+            <a:endParaRPr lang="en-US" dirty="0"/>
+          </a:p>
+        </p:txBody>
+      </p:sp>
+      <p:sp>
+        <p:nvSpPr>
+          <p:cNvPr id="3" name="Rectangle 2"/>
+          <p:cNvSpPr/>
+          <p:nvPr/>
+        </p:nvSpPr>
+        <p:spPr>
+          <a:xfrm>
+            <a:off x="587823" y="2295522"/>
+            <a:ext cx="1580606" cy="522514"/>
+          </a:xfrm>
+          <a:prstGeom prst="rect">
+            <a:avLst/>
+          </a:prstGeom>
+          <a:noFill/>
+          <a:ln w="19050">
+            <a:solidFill>
+              <a:schemeClr val="tx1"/>
+            </a:solidFill>
+          </a:ln>
+        </p:spPr>
+        <p:style>
+          <a:lnRef idx="2">
+            <a:schemeClr val="accent1">
+              <a:shade val="50000"/>
+            </a:schemeClr>
+          </a:lnRef>
+          <a:fillRef idx="1">
+            <a:schemeClr val="accent1"/>
+          </a:fillRef>
+          <a:effectRef idx="0">
+            <a:schemeClr val="accent1"/>
+          </a:effectRef>
+          <a:fontRef idx="minor">
+            <a:schemeClr val="lt1"/>
+          </a:fontRef>
+        </p:style>
+        <p:txBody>
+          <a:bodyPr rtlCol="0" anchor="ctr"/>
+          <a:lstStyle/>
+          <a:p>
+            <a:pPr algn="ctr"/>
+            <a:endParaRPr lang="en-US" b="1"/>
+          </a:p>
+        </p:txBody>
+      </p:sp>
+      <p:sp>
+        <p:nvSpPr>
+          <p:cNvPr id="4" name="Rectangle 3"/>
+          <p:cNvSpPr/>
+          <p:nvPr/>
+        </p:nvSpPr>
+        <p:spPr>
+          <a:xfrm>
+            <a:off x="257577" y="2295522"/>
+            <a:ext cx="334465" cy="522514"/>
+          </a:xfrm>
+          <a:prstGeom prst="rect">
+            <a:avLst/>
+          </a:prstGeom>
+          <a:noFill/>
+          <a:ln w="19050">
+            <a:solidFill>
+              <a:schemeClr val="tx1"/>
+            </a:solidFill>
+          </a:ln>
+        </p:spPr>
+        <p:style>
+          <a:lnRef idx="2">
+            <a:schemeClr val="accent1">
+              <a:shade val="50000"/>
+            </a:schemeClr>
+          </a:lnRef>
+          <a:fillRef idx="1">
+            <a:schemeClr val="accent1"/>
+          </a:fillRef>
+          <a:effectRef idx="0">
+            <a:schemeClr val="accent1"/>
+          </a:effectRef>
+          <a:fontRef idx="minor">
+            <a:schemeClr val="lt1"/>
+          </a:fontRef>
+        </p:style>
+        <p:txBody>
+          <a:bodyPr rtlCol="0" anchor="ctr"/>
+          <a:lstStyle/>
+          <a:p>
+            <a:pPr algn="ctr"/>
+            <a:r>
+              <a:rPr lang="en-IN" b="1" dirty="0" smtClean="0">
+                <a:solidFill>
+                  <a:schemeClr val="tx1"/>
+                </a:solidFill>
+              </a:rPr>
+              <a:t>0</a:t>
+            </a:r>
+            <a:endParaRPr lang="en-US" b="1" dirty="0">
+              <a:solidFill>
+                <a:schemeClr val="tx1"/>
+              </a:solidFill>
+            </a:endParaRPr>
+          </a:p>
+        </p:txBody>
+      </p:sp>
+      <p:sp>
+        <p:nvSpPr>
+          <p:cNvPr id="6" name="Rectangle 5"/>
+          <p:cNvSpPr/>
+          <p:nvPr/>
+        </p:nvSpPr>
+        <p:spPr>
+          <a:xfrm>
+            <a:off x="6398081" y="2290758"/>
+            <a:ext cx="1580606" cy="522514"/>
+          </a:xfrm>
+          <a:prstGeom prst="rect">
+            <a:avLst/>
+          </a:prstGeom>
+          <a:noFill/>
+          <a:ln w="19050">
+            <a:solidFill>
+              <a:schemeClr val="tx1"/>
+            </a:solidFill>
+          </a:ln>
+        </p:spPr>
+        <p:style>
+          <a:lnRef idx="2">
+            <a:schemeClr val="accent1">
+              <a:shade val="50000"/>
+            </a:schemeClr>
+          </a:lnRef>
+          <a:fillRef idx="1">
+            <a:schemeClr val="accent1"/>
+          </a:fillRef>
+          <a:effectRef idx="0">
+            <a:schemeClr val="accent1"/>
+          </a:effectRef>
+          <a:fontRef idx="minor">
+            <a:schemeClr val="lt1"/>
+          </a:fontRef>
+        </p:style>
+        <p:txBody>
+          <a:bodyPr rtlCol="0" anchor="ctr"/>
+          <a:lstStyle/>
+          <a:p>
+            <a:pPr algn="ctr"/>
+            <a:endParaRPr lang="en-US"/>
+          </a:p>
+        </p:txBody>
+      </p:sp>
+      <p:sp>
+        <p:nvSpPr>
+          <p:cNvPr id="7" name="Rectangle 6"/>
+          <p:cNvSpPr/>
+          <p:nvPr/>
+        </p:nvSpPr>
+        <p:spPr>
+          <a:xfrm>
+            <a:off x="6067835" y="2290758"/>
+            <a:ext cx="334465" cy="522514"/>
+          </a:xfrm>
+          <a:prstGeom prst="rect">
+            <a:avLst/>
+          </a:prstGeom>
+          <a:noFill/>
+          <a:ln w="19050">
+            <a:solidFill>
+              <a:schemeClr val="tx1"/>
+            </a:solidFill>
+          </a:ln>
+        </p:spPr>
+        <p:style>
+          <a:lnRef idx="2">
+            <a:schemeClr val="accent1">
+              <a:shade val="50000"/>
+            </a:schemeClr>
+          </a:lnRef>
+          <a:fillRef idx="1">
+            <a:schemeClr val="accent1"/>
+          </a:fillRef>
+          <a:effectRef idx="0">
+            <a:schemeClr val="accent1"/>
+          </a:effectRef>
+          <a:fontRef idx="minor">
+            <a:schemeClr val="lt1"/>
+          </a:fontRef>
+        </p:style>
+        <p:txBody>
+          <a:bodyPr rtlCol="0" anchor="ctr"/>
+          <a:lstStyle/>
+          <a:p>
+            <a:pPr algn="ctr"/>
+            <a:r>
+              <a:rPr lang="en-IN" b="1" dirty="0" smtClean="0">
+                <a:solidFill>
+                  <a:schemeClr val="tx1"/>
+                </a:solidFill>
+              </a:rPr>
+              <a:t>1</a:t>
+            </a:r>
+            <a:endParaRPr lang="en-US" b="1" dirty="0">
+              <a:solidFill>
+                <a:schemeClr val="tx1"/>
+              </a:solidFill>
+            </a:endParaRPr>
+          </a:p>
+        </p:txBody>
+      </p:sp>
+      <p:sp>
+        <p:nvSpPr>
+          <p:cNvPr id="8" name="Rectangle 7"/>
+          <p:cNvSpPr/>
+          <p:nvPr/>
+        </p:nvSpPr>
+        <p:spPr>
+          <a:xfrm>
+            <a:off x="740223" y="4733937"/>
+            <a:ext cx="1580606" cy="517750"/>
+          </a:xfrm>
+          <a:prstGeom prst="rect">
+            <a:avLst/>
+          </a:prstGeom>
+          <a:noFill/>
+          <a:ln w="19050">
+            <a:solidFill>
+              <a:schemeClr val="tx1"/>
+            </a:solidFill>
+          </a:ln>
+        </p:spPr>
+        <p:style>
+          <a:lnRef idx="2">
+            <a:schemeClr val="accent1">
+              <a:shade val="50000"/>
+            </a:schemeClr>
+          </a:lnRef>
+          <a:fillRef idx="1">
+            <a:schemeClr val="accent1"/>
+          </a:fillRef>
+          <a:effectRef idx="0">
+            <a:schemeClr val="accent1"/>
+          </a:effectRef>
+          <a:fontRef idx="minor">
+            <a:schemeClr val="lt1"/>
+          </a:fontRef>
+        </p:style>
+        <p:txBody>
+          <a:bodyPr rtlCol="0" anchor="ctr"/>
+          <a:lstStyle/>
+          <a:p>
+            <a:pPr algn="ctr"/>
+            <a:endParaRPr lang="en-US" b="1"/>
+          </a:p>
+        </p:txBody>
+      </p:sp>
+      <p:sp>
+        <p:nvSpPr>
+          <p:cNvPr id="9" name="Rectangle 8"/>
+          <p:cNvSpPr/>
+          <p:nvPr/>
+        </p:nvSpPr>
+        <p:spPr>
+          <a:xfrm>
+            <a:off x="409977" y="4733937"/>
+            <a:ext cx="334465" cy="522514"/>
+          </a:xfrm>
+          <a:prstGeom prst="rect">
+            <a:avLst/>
+          </a:prstGeom>
+          <a:noFill/>
+          <a:ln w="19050">
+            <a:solidFill>
+              <a:schemeClr val="tx1"/>
+            </a:solidFill>
+          </a:ln>
+        </p:spPr>
+        <p:style>
+          <a:lnRef idx="2">
+            <a:schemeClr val="accent1">
+              <a:shade val="50000"/>
+            </a:schemeClr>
+          </a:lnRef>
+          <a:fillRef idx="1">
+            <a:schemeClr val="accent1"/>
+          </a:fillRef>
+          <a:effectRef idx="0">
+            <a:schemeClr val="accent1"/>
+          </a:effectRef>
+          <a:fontRef idx="minor">
+            <a:schemeClr val="lt1"/>
+          </a:fontRef>
+        </p:style>
+        <p:txBody>
+          <a:bodyPr rtlCol="0" anchor="ctr"/>
+          <a:lstStyle/>
+          <a:p>
+            <a:pPr algn="ctr"/>
+            <a:r>
+              <a:rPr lang="en-IN" b="1" dirty="0" smtClean="0">
+                <a:solidFill>
+                  <a:schemeClr val="tx1"/>
+                </a:solidFill>
+              </a:rPr>
+              <a:t>3</a:t>
+            </a:r>
+            <a:endParaRPr lang="en-US" b="1" dirty="0">
+              <a:solidFill>
+                <a:schemeClr val="tx1"/>
+              </a:solidFill>
+            </a:endParaRPr>
+          </a:p>
+        </p:txBody>
+      </p:sp>
+      <p:sp>
+        <p:nvSpPr>
+          <p:cNvPr id="10" name="Rectangle 9"/>
+          <p:cNvSpPr/>
+          <p:nvPr/>
+        </p:nvSpPr>
+        <p:spPr>
+          <a:xfrm>
+            <a:off x="6550481" y="4729173"/>
+            <a:ext cx="1580606" cy="527278"/>
+          </a:xfrm>
+          <a:prstGeom prst="rect">
+            <a:avLst/>
+          </a:prstGeom>
+          <a:noFill/>
+          <a:ln w="19050">
+            <a:solidFill>
+              <a:schemeClr val="tx1"/>
+            </a:solidFill>
+          </a:ln>
+        </p:spPr>
+        <p:style>
+          <a:lnRef idx="2">
+            <a:schemeClr val="accent1">
+              <a:shade val="50000"/>
+            </a:schemeClr>
+          </a:lnRef>
+          <a:fillRef idx="1">
+            <a:schemeClr val="accent1"/>
+          </a:fillRef>
+          <a:effectRef idx="0">
+            <a:schemeClr val="accent1"/>
+          </a:effectRef>
+          <a:fontRef idx="minor">
+            <a:schemeClr val="lt1"/>
+          </a:fontRef>
+        </p:style>
+        <p:txBody>
+          <a:bodyPr rtlCol="0" anchor="ctr"/>
+          <a:lstStyle/>
+          <a:p>
+            <a:pPr algn="ctr"/>
+            <a:endParaRPr lang="en-US"/>
+          </a:p>
+        </p:txBody>
+      </p:sp>
+      <p:sp>
+        <p:nvSpPr>
+          <p:cNvPr id="11" name="Rectangle 10"/>
+          <p:cNvSpPr/>
+          <p:nvPr/>
+        </p:nvSpPr>
+        <p:spPr>
+          <a:xfrm>
+            <a:off x="6220235" y="4729173"/>
+            <a:ext cx="334465" cy="522514"/>
+          </a:xfrm>
+          <a:prstGeom prst="rect">
+            <a:avLst/>
+          </a:prstGeom>
+          <a:noFill/>
+          <a:ln w="19050">
+            <a:solidFill>
+              <a:schemeClr val="tx1"/>
+            </a:solidFill>
+          </a:ln>
+        </p:spPr>
+        <p:style>
+          <a:lnRef idx="2">
+            <a:schemeClr val="accent1">
+              <a:shade val="50000"/>
+            </a:schemeClr>
+          </a:lnRef>
+          <a:fillRef idx="1">
+            <a:schemeClr val="accent1"/>
+          </a:fillRef>
+          <a:effectRef idx="0">
+            <a:schemeClr val="accent1"/>
+          </a:effectRef>
+          <a:fontRef idx="minor">
+            <a:schemeClr val="lt1"/>
+          </a:fontRef>
+        </p:style>
+        <p:txBody>
+          <a:bodyPr rtlCol="0" anchor="ctr"/>
+          <a:lstStyle/>
+          <a:p>
+            <a:pPr algn="ctr"/>
+            <a:r>
+              <a:rPr lang="en-IN" b="1" dirty="0" smtClean="0">
+                <a:solidFill>
+                  <a:schemeClr val="tx1"/>
+                </a:solidFill>
+              </a:rPr>
+              <a:t>4</a:t>
+            </a:r>
+            <a:endParaRPr lang="en-US" b="1" dirty="0">
+              <a:solidFill>
+                <a:schemeClr val="tx1"/>
+              </a:solidFill>
+            </a:endParaRPr>
+          </a:p>
+        </p:txBody>
+      </p:sp>
+      <p:sp>
+        <p:nvSpPr>
+          <p:cNvPr id="12" name="Rectangle 11"/>
+          <p:cNvSpPr/>
+          <p:nvPr/>
+        </p:nvSpPr>
+        <p:spPr>
+          <a:xfrm>
+            <a:off x="3569159" y="3448055"/>
+            <a:ext cx="1580606" cy="522514"/>
+          </a:xfrm>
+          <a:prstGeom prst="rect">
+            <a:avLst/>
+          </a:prstGeom>
+          <a:noFill/>
+          <a:ln w="19050">
+            <a:solidFill>
+              <a:schemeClr val="tx1"/>
+            </a:solidFill>
+          </a:ln>
+        </p:spPr>
+        <p:style>
+          <a:lnRef idx="2">
+            <a:schemeClr val="accent1">
+              <a:shade val="50000"/>
+            </a:schemeClr>
+          </a:lnRef>
+          <a:fillRef idx="1">
+            <a:schemeClr val="accent1"/>
+          </a:fillRef>
+          <a:effectRef idx="0">
+            <a:schemeClr val="accent1"/>
+          </a:effectRef>
+          <a:fontRef idx="minor">
+            <a:schemeClr val="lt1"/>
+          </a:fontRef>
+        </p:style>
+        <p:txBody>
+          <a:bodyPr rtlCol="0" anchor="ctr"/>
+          <a:lstStyle/>
+          <a:p>
+            <a:pPr algn="ctr"/>
+            <a:endParaRPr lang="en-US" b="1"/>
+          </a:p>
+        </p:txBody>
+      </p:sp>
+      <p:sp>
+        <p:nvSpPr>
+          <p:cNvPr id="13" name="Rectangle 12"/>
+          <p:cNvSpPr/>
+          <p:nvPr/>
+        </p:nvSpPr>
+        <p:spPr>
+          <a:xfrm>
+            <a:off x="3238913" y="3448055"/>
+            <a:ext cx="334465" cy="522514"/>
+          </a:xfrm>
+          <a:prstGeom prst="rect">
+            <a:avLst/>
+          </a:prstGeom>
+          <a:noFill/>
+          <a:ln w="19050">
+            <a:solidFill>
+              <a:schemeClr val="tx1"/>
+            </a:solidFill>
+          </a:ln>
+        </p:spPr>
+        <p:style>
+          <a:lnRef idx="2">
+            <a:schemeClr val="accent1">
+              <a:shade val="50000"/>
+            </a:schemeClr>
+          </a:lnRef>
+          <a:fillRef idx="1">
+            <a:schemeClr val="accent1"/>
+          </a:fillRef>
+          <a:effectRef idx="0">
+            <a:schemeClr val="accent1"/>
+          </a:effectRef>
+          <a:fontRef idx="minor">
+            <a:schemeClr val="lt1"/>
+          </a:fontRef>
+        </p:style>
+        <p:txBody>
+          <a:bodyPr rtlCol="0" anchor="ctr"/>
+          <a:lstStyle/>
+          <a:p>
+            <a:pPr algn="ctr"/>
+            <a:r>
+              <a:rPr lang="en-IN" b="1" dirty="0" smtClean="0">
+                <a:solidFill>
+                  <a:schemeClr val="tx1"/>
+                </a:solidFill>
+              </a:rPr>
+              <a:t>2</a:t>
+            </a:r>
+            <a:endParaRPr lang="en-US" b="1" dirty="0">
+              <a:solidFill>
+                <a:schemeClr val="tx1"/>
+              </a:solidFill>
+            </a:endParaRPr>
+          </a:p>
+        </p:txBody>
+      </p:sp>
+      <p:sp>
+        <p:nvSpPr>
+          <p:cNvPr id="18" name="Oval 17"/>
+          <p:cNvSpPr/>
+          <p:nvPr/>
+        </p:nvSpPr>
+        <p:spPr>
+          <a:xfrm>
+            <a:off x="1205841" y="2541044"/>
+            <a:ext cx="64008" cy="64008"/>
+          </a:xfrm>
+          <a:prstGeom prst="ellipse">
+            <a:avLst/>
+          </a:prstGeom>
+          <a:solidFill>
+            <a:schemeClr val="tx1"/>
+          </a:solidFill>
+          <a:ln w="19050">
+            <a:solidFill>
+              <a:schemeClr val="tx1"/>
+            </a:solidFill>
+          </a:ln>
+        </p:spPr>
+        <p:style>
+          <a:lnRef idx="2">
+            <a:schemeClr val="accent1">
+              <a:shade val="50000"/>
+            </a:schemeClr>
+          </a:lnRef>
+          <a:fillRef idx="1">
+            <a:schemeClr val="accent1"/>
+          </a:fillRef>
+          <a:effectRef idx="0">
+            <a:schemeClr val="accent1"/>
+          </a:effectRef>
+          <a:fontRef idx="minor">
+            <a:schemeClr val="lt1"/>
+          </a:fontRef>
+        </p:style>
+        <p:txBody>
+          <a:bodyPr rtlCol="0" anchor="ctr"/>
+          <a:lstStyle/>
+          <a:p>
+            <a:pPr algn="ctr"/>
+            <a:endParaRPr lang="en-US" b="1"/>
+          </a:p>
+        </p:txBody>
+      </p:sp>
+      <p:sp>
+        <p:nvSpPr>
+          <p:cNvPr id="20" name="Oval 19"/>
+          <p:cNvSpPr/>
+          <p:nvPr/>
+        </p:nvSpPr>
+        <p:spPr>
+          <a:xfrm>
+            <a:off x="877223" y="2541044"/>
+            <a:ext cx="64008" cy="64008"/>
+          </a:xfrm>
+          <a:prstGeom prst="ellipse">
+            <a:avLst/>
+          </a:prstGeom>
+          <a:solidFill>
+            <a:schemeClr val="tx1"/>
+          </a:solidFill>
+          <a:ln w="19050">
+            <a:solidFill>
+              <a:schemeClr val="tx1"/>
+            </a:solidFill>
+          </a:ln>
+        </p:spPr>
+        <p:style>
+          <a:lnRef idx="2">
+            <a:schemeClr val="accent1">
+              <a:shade val="50000"/>
+            </a:schemeClr>
+          </a:lnRef>
+          <a:fillRef idx="1">
+            <a:schemeClr val="accent1"/>
+          </a:fillRef>
+          <a:effectRef idx="0">
+            <a:schemeClr val="accent1"/>
+          </a:effectRef>
+          <a:fontRef idx="minor">
+            <a:schemeClr val="lt1"/>
+          </a:fontRef>
+        </p:style>
+        <p:txBody>
+          <a:bodyPr rtlCol="0" anchor="ctr"/>
+          <a:lstStyle/>
+          <a:p>
+            <a:pPr algn="ctr"/>
+            <a:endParaRPr lang="en-US" b="1"/>
+          </a:p>
+        </p:txBody>
+      </p:sp>
+      <p:sp>
+        <p:nvSpPr>
+          <p:cNvPr id="23" name="Oval 22"/>
+          <p:cNvSpPr/>
+          <p:nvPr/>
+        </p:nvSpPr>
+        <p:spPr>
+          <a:xfrm>
+            <a:off x="6673195" y="2536277"/>
+            <a:ext cx="64008" cy="64008"/>
+          </a:xfrm>
+          <a:prstGeom prst="ellipse">
+            <a:avLst/>
+          </a:prstGeom>
+          <a:solidFill>
+            <a:schemeClr val="tx1"/>
+          </a:solidFill>
+          <a:ln w="19050">
+            <a:solidFill>
+              <a:schemeClr val="tx1"/>
+            </a:solidFill>
+          </a:ln>
+        </p:spPr>
+        <p:style>
+          <a:lnRef idx="2">
+            <a:schemeClr val="accent1">
+              <a:shade val="50000"/>
+            </a:schemeClr>
+          </a:lnRef>
+          <a:fillRef idx="1">
+            <a:schemeClr val="accent1"/>
+          </a:fillRef>
+          <a:effectRef idx="0">
+            <a:schemeClr val="accent1"/>
+          </a:effectRef>
+          <a:fontRef idx="minor">
+            <a:schemeClr val="lt1"/>
+          </a:fontRef>
+        </p:style>
+        <p:txBody>
+          <a:bodyPr rtlCol="0" anchor="ctr"/>
+          <a:lstStyle/>
+          <a:p>
+            <a:pPr algn="ctr"/>
+            <a:endParaRPr lang="en-US" b="1"/>
+          </a:p>
+        </p:txBody>
+      </p:sp>
+      <p:cxnSp>
+        <p:nvCxnSpPr>
+          <p:cNvPr id="25" name="Straight Connector 24"/>
+          <p:cNvCxnSpPr>
+            <a:stCxn id="20" idx="7"/>
+          </p:cNvCxnSpPr>
+          <p:nvPr/>
+        </p:nvCxnSpPr>
+        <p:spPr>
+          <a:xfrm flipV="1">
+            <a:off x="931857" y="1857375"/>
+            <a:ext cx="9374" cy="693043"/>
+          </a:xfrm>
+          <a:prstGeom prst="line">
+            <a:avLst/>
+          </a:prstGeom>
+          <a:ln w="19050">
+            <a:solidFill>
+              <a:schemeClr val="tx1"/>
+            </a:solidFill>
+          </a:ln>
+        </p:spPr>
+        <p:style>
+          <a:lnRef idx="1">
+            <a:schemeClr val="accent1"/>
+          </a:lnRef>
+          <a:fillRef idx="0">
+            <a:schemeClr val="accent1"/>
+          </a:fillRef>
+          <a:effectRef idx="0">
+            <a:schemeClr val="accent1"/>
+          </a:effectRef>
+          <a:fontRef idx="minor">
+            <a:schemeClr val="tx1"/>
+          </a:fontRef>
+        </p:style>
+      </p:cxnSp>
+      <p:cxnSp>
+        <p:nvCxnSpPr>
+          <p:cNvPr id="27" name="Straight Connector 26"/>
+          <p:cNvCxnSpPr/>
+          <p:nvPr/>
+        </p:nvCxnSpPr>
+        <p:spPr>
+          <a:xfrm>
+            <a:off x="931857" y="1857375"/>
+            <a:ext cx="5168492" cy="10614"/>
+          </a:xfrm>
+          <a:prstGeom prst="line">
+            <a:avLst/>
+          </a:prstGeom>
+          <a:ln w="19050">
+            <a:solidFill>
+              <a:schemeClr val="tx1"/>
+            </a:solidFill>
+          </a:ln>
+        </p:spPr>
+        <p:style>
+          <a:lnRef idx="1">
+            <a:schemeClr val="accent1"/>
+          </a:lnRef>
+          <a:fillRef idx="0">
+            <a:schemeClr val="accent1"/>
+          </a:fillRef>
+          <a:effectRef idx="0">
+            <a:schemeClr val="accent1"/>
+          </a:effectRef>
+          <a:fontRef idx="minor">
+            <a:schemeClr val="tx1"/>
+          </a:fontRef>
+        </p:style>
+      </p:cxnSp>
+      <p:cxnSp>
+        <p:nvCxnSpPr>
+          <p:cNvPr id="31" name="Straight Arrow Connector 30"/>
+          <p:cNvCxnSpPr/>
+          <p:nvPr/>
+        </p:nvCxnSpPr>
+        <p:spPr>
+          <a:xfrm>
+            <a:off x="6102668" y="1873385"/>
+            <a:ext cx="14833" cy="417373"/>
+          </a:xfrm>
+          <a:prstGeom prst="straightConnector1">
+            <a:avLst/>
+          </a:prstGeom>
+          <a:ln w="19050">
+            <a:solidFill>
+              <a:schemeClr val="tx1"/>
+            </a:solidFill>
+            <a:tailEnd type="triangle"/>
+          </a:ln>
+        </p:spPr>
+        <p:style>
+          <a:lnRef idx="1">
+            <a:schemeClr val="accent1"/>
+          </a:lnRef>
+          <a:fillRef idx="0">
+            <a:schemeClr val="accent1"/>
+          </a:fillRef>
+          <a:effectRef idx="0">
+            <a:schemeClr val="accent1"/>
+          </a:effectRef>
+          <a:fontRef idx="minor">
+            <a:schemeClr val="tx1"/>
+          </a:fontRef>
+        </p:style>
+      </p:cxnSp>
+      <p:cxnSp>
+        <p:nvCxnSpPr>
+          <p:cNvPr id="35" name="Straight Arrow Connector 34"/>
+          <p:cNvCxnSpPr>
+            <a:stCxn id="18" idx="6"/>
+          </p:cNvCxnSpPr>
+          <p:nvPr/>
+        </p:nvCxnSpPr>
+        <p:spPr>
+          <a:xfrm>
+            <a:off x="1269849" y="2573048"/>
+            <a:ext cx="1969064" cy="875007"/>
+          </a:xfrm>
+          <a:prstGeom prst="straightConnector1">
+            <a:avLst/>
+          </a:prstGeom>
+          <a:ln w="19050">
+            <a:solidFill>
+              <a:schemeClr val="tx1"/>
+            </a:solidFill>
+            <a:tailEnd type="triangle"/>
+          </a:ln>
+        </p:spPr>
+        <p:style>
+          <a:lnRef idx="1">
+            <a:schemeClr val="accent1"/>
+          </a:lnRef>
+          <a:fillRef idx="0">
+            <a:schemeClr val="accent1"/>
+          </a:fillRef>
+          <a:effectRef idx="0">
+            <a:schemeClr val="accent1"/>
+          </a:effectRef>
+          <a:fontRef idx="minor">
+            <a:schemeClr val="tx1"/>
+          </a:fontRef>
+        </p:style>
+      </p:cxnSp>
+      <p:sp>
+        <p:nvSpPr>
+          <p:cNvPr id="36" name="Oval 35"/>
+          <p:cNvSpPr/>
+          <p:nvPr/>
+        </p:nvSpPr>
+        <p:spPr>
+          <a:xfrm>
+            <a:off x="4162813" y="3681455"/>
+            <a:ext cx="64008" cy="64008"/>
+          </a:xfrm>
+          <a:prstGeom prst="ellipse">
+            <a:avLst/>
+          </a:prstGeom>
+          <a:solidFill>
+            <a:schemeClr val="tx1"/>
+          </a:solidFill>
+          <a:ln w="19050">
+            <a:solidFill>
+              <a:schemeClr val="tx1"/>
+            </a:solidFill>
+          </a:ln>
+        </p:spPr>
+        <p:style>
+          <a:lnRef idx="2">
+            <a:schemeClr val="accent1">
+              <a:shade val="50000"/>
+            </a:schemeClr>
+          </a:lnRef>
+          <a:fillRef idx="1">
+            <a:schemeClr val="accent1"/>
+          </a:fillRef>
+          <a:effectRef idx="0">
+            <a:schemeClr val="accent1"/>
+          </a:effectRef>
+          <a:fontRef idx="minor">
+            <a:schemeClr val="lt1"/>
+          </a:fontRef>
+        </p:style>
+        <p:txBody>
+          <a:bodyPr rtlCol="0" anchor="ctr"/>
+          <a:lstStyle/>
+          <a:p>
+            <a:pPr algn="ctr"/>
+            <a:endParaRPr lang="en-US" b="1"/>
+          </a:p>
+        </p:txBody>
+      </p:sp>
+      <p:sp>
+        <p:nvSpPr>
+          <p:cNvPr id="38" name="Oval 37"/>
+          <p:cNvSpPr/>
+          <p:nvPr/>
+        </p:nvSpPr>
+        <p:spPr>
+          <a:xfrm>
+            <a:off x="3834195" y="3681455"/>
+            <a:ext cx="64008" cy="64008"/>
+          </a:xfrm>
+          <a:prstGeom prst="ellipse">
+            <a:avLst/>
+          </a:prstGeom>
+          <a:solidFill>
+            <a:schemeClr val="tx1"/>
+          </a:solidFill>
+          <a:ln w="19050">
+            <a:solidFill>
+              <a:schemeClr val="tx1"/>
+            </a:solidFill>
+          </a:ln>
+        </p:spPr>
+        <p:style>
+          <a:lnRef idx="2">
+            <a:schemeClr val="accent1">
+              <a:shade val="50000"/>
+            </a:schemeClr>
+          </a:lnRef>
+          <a:fillRef idx="1">
+            <a:schemeClr val="accent1"/>
+          </a:fillRef>
+          <a:effectRef idx="0">
+            <a:schemeClr val="accent1"/>
+          </a:effectRef>
+          <a:fontRef idx="minor">
+            <a:schemeClr val="lt1"/>
+          </a:fontRef>
+        </p:style>
+        <p:txBody>
+          <a:bodyPr rtlCol="0" anchor="ctr"/>
+          <a:lstStyle/>
+          <a:p>
+            <a:pPr algn="ctr"/>
+            <a:endParaRPr lang="en-US" b="1"/>
+          </a:p>
+        </p:txBody>
+      </p:sp>
+      <p:sp>
+        <p:nvSpPr>
+          <p:cNvPr id="42" name="Oval 41"/>
+          <p:cNvSpPr/>
+          <p:nvPr/>
+        </p:nvSpPr>
+        <p:spPr>
+          <a:xfrm>
+            <a:off x="1319454" y="4979037"/>
+            <a:ext cx="64008" cy="64008"/>
+          </a:xfrm>
+          <a:prstGeom prst="ellipse">
+            <a:avLst/>
+          </a:prstGeom>
+          <a:solidFill>
+            <a:schemeClr val="tx1"/>
+          </a:solidFill>
+          <a:ln w="19050">
+            <a:solidFill>
+              <a:schemeClr val="tx1"/>
+            </a:solidFill>
+          </a:ln>
+        </p:spPr>
+        <p:style>
+          <a:lnRef idx="2">
+            <a:schemeClr val="accent1">
+              <a:shade val="50000"/>
+            </a:schemeClr>
+          </a:lnRef>
+          <a:fillRef idx="1">
+            <a:schemeClr val="accent1"/>
+          </a:fillRef>
+          <a:effectRef idx="0">
+            <a:schemeClr val="accent1"/>
+          </a:effectRef>
+          <a:fontRef idx="minor">
+            <a:schemeClr val="lt1"/>
+          </a:fontRef>
+        </p:style>
+        <p:txBody>
+          <a:bodyPr rtlCol="0" anchor="ctr"/>
+          <a:lstStyle/>
+          <a:p>
+            <a:pPr algn="ctr"/>
+            <a:endParaRPr lang="en-US" b="1"/>
+          </a:p>
+        </p:txBody>
+      </p:sp>
+      <p:sp>
+        <p:nvSpPr>
+          <p:cNvPr id="44" name="Oval 43"/>
+          <p:cNvSpPr/>
+          <p:nvPr/>
+        </p:nvSpPr>
+        <p:spPr>
+          <a:xfrm>
+            <a:off x="990836" y="4979037"/>
+            <a:ext cx="64008" cy="64008"/>
+          </a:xfrm>
+          <a:prstGeom prst="ellipse">
+            <a:avLst/>
+          </a:prstGeom>
+          <a:solidFill>
+            <a:schemeClr val="tx1"/>
+          </a:solidFill>
+          <a:ln w="19050">
+            <a:solidFill>
+              <a:schemeClr val="tx1"/>
+            </a:solidFill>
+          </a:ln>
+        </p:spPr>
+        <p:style>
+          <a:lnRef idx="2">
+            <a:schemeClr val="accent1">
+              <a:shade val="50000"/>
+            </a:schemeClr>
+          </a:lnRef>
+          <a:fillRef idx="1">
+            <a:schemeClr val="accent1"/>
+          </a:fillRef>
+          <a:effectRef idx="0">
+            <a:schemeClr val="accent1"/>
+          </a:effectRef>
+          <a:fontRef idx="minor">
+            <a:schemeClr val="lt1"/>
+          </a:fontRef>
+        </p:style>
+        <p:txBody>
+          <a:bodyPr rtlCol="0" anchor="ctr"/>
+          <a:lstStyle/>
+          <a:p>
+            <a:pPr algn="ctr"/>
+            <a:endParaRPr lang="en-US" b="1"/>
+          </a:p>
+        </p:txBody>
+      </p:sp>
+      <p:cxnSp>
+        <p:nvCxnSpPr>
+          <p:cNvPr id="48" name="Straight Arrow Connector 47"/>
+          <p:cNvCxnSpPr>
+            <a:stCxn id="42" idx="1"/>
+          </p:cNvCxnSpPr>
+          <p:nvPr/>
+        </p:nvCxnSpPr>
+        <p:spPr>
+          <a:xfrm flipV="1">
+            <a:off x="1328828" y="3970569"/>
+            <a:ext cx="1910085" cy="1017842"/>
+          </a:xfrm>
+          <a:prstGeom prst="straightConnector1">
+            <a:avLst/>
+          </a:prstGeom>
+          <a:ln w="19050">
+            <a:solidFill>
+              <a:schemeClr val="tx1"/>
+            </a:solidFill>
+            <a:tailEnd type="triangle"/>
+          </a:ln>
+        </p:spPr>
+        <p:style>
+          <a:lnRef idx="1">
+            <a:schemeClr val="accent1"/>
+          </a:lnRef>
+          <a:fillRef idx="0">
+            <a:schemeClr val="accent1"/>
+          </a:fillRef>
+          <a:effectRef idx="0">
+            <a:schemeClr val="accent1"/>
+          </a:effectRef>
+          <a:fontRef idx="minor">
+            <a:schemeClr val="tx1"/>
+          </a:fontRef>
+        </p:style>
+      </p:cxnSp>
+      <p:cxnSp>
+        <p:nvCxnSpPr>
+          <p:cNvPr id="50" name="Straight Arrow Connector 49"/>
+          <p:cNvCxnSpPr>
+            <a:stCxn id="63" idx="5"/>
+            <a:endCxn id="11" idx="1"/>
+          </p:cNvCxnSpPr>
+          <p:nvPr/>
+        </p:nvCxnSpPr>
+        <p:spPr>
+          <a:xfrm flipV="1">
+            <a:off x="1670181" y="4990430"/>
+            <a:ext cx="4550054" cy="38885"/>
+          </a:xfrm>
+          <a:prstGeom prst="straightConnector1">
+            <a:avLst/>
+          </a:prstGeom>
+          <a:ln w="19050">
+            <a:solidFill>
+              <a:schemeClr val="tx1"/>
+            </a:solidFill>
+            <a:tailEnd type="triangle"/>
+          </a:ln>
+        </p:spPr>
+        <p:style>
+          <a:lnRef idx="1">
+            <a:schemeClr val="accent1"/>
+          </a:lnRef>
+          <a:fillRef idx="0">
+            <a:schemeClr val="accent1"/>
+          </a:fillRef>
+          <a:effectRef idx="0">
+            <a:schemeClr val="accent1"/>
+          </a:effectRef>
+          <a:fontRef idx="minor">
+            <a:schemeClr val="tx1"/>
+          </a:fontRef>
+        </p:style>
+      </p:cxnSp>
+      <p:cxnSp>
+        <p:nvCxnSpPr>
+          <p:cNvPr id="52" name="Straight Arrow Connector 51"/>
+          <p:cNvCxnSpPr>
+            <a:stCxn id="23" idx="3"/>
+          </p:cNvCxnSpPr>
+          <p:nvPr/>
+        </p:nvCxnSpPr>
+        <p:spPr>
+          <a:xfrm flipH="1">
+            <a:off x="6220235" y="2590911"/>
+            <a:ext cx="462334" cy="2138262"/>
+          </a:xfrm>
+          <a:prstGeom prst="straightConnector1">
+            <a:avLst/>
+          </a:prstGeom>
+          <a:ln w="19050">
+            <a:solidFill>
+              <a:schemeClr val="tx1"/>
+            </a:solidFill>
+            <a:tailEnd type="triangle"/>
+          </a:ln>
+        </p:spPr>
+        <p:style>
+          <a:lnRef idx="1">
+            <a:schemeClr val="accent1"/>
+          </a:lnRef>
+          <a:fillRef idx="0">
+            <a:schemeClr val="accent1"/>
+          </a:fillRef>
+          <a:effectRef idx="0">
+            <a:schemeClr val="accent1"/>
+          </a:effectRef>
+          <a:fontRef idx="minor">
+            <a:schemeClr val="tx1"/>
+          </a:fontRef>
+        </p:style>
+      </p:cxnSp>
+      <p:cxnSp>
+        <p:nvCxnSpPr>
+          <p:cNvPr id="57" name="Straight Arrow Connector 56"/>
+          <p:cNvCxnSpPr>
+            <a:stCxn id="38" idx="0"/>
+          </p:cNvCxnSpPr>
+          <p:nvPr/>
+        </p:nvCxnSpPr>
+        <p:spPr>
+          <a:xfrm flipV="1">
+            <a:off x="3866199" y="2818036"/>
+            <a:ext cx="2201636" cy="863419"/>
+          </a:xfrm>
+          <a:prstGeom prst="straightConnector1">
+            <a:avLst/>
+          </a:prstGeom>
+          <a:ln w="19050">
+            <a:solidFill>
+              <a:schemeClr val="tx1"/>
+            </a:solidFill>
+            <a:tailEnd type="triangle"/>
+          </a:ln>
+        </p:spPr>
+        <p:style>
+          <a:lnRef idx="1">
+            <a:schemeClr val="accent1"/>
+          </a:lnRef>
+          <a:fillRef idx="0">
+            <a:schemeClr val="accent1"/>
+          </a:fillRef>
+          <a:effectRef idx="0">
+            <a:schemeClr val="accent1"/>
+          </a:effectRef>
+          <a:fontRef idx="minor">
+            <a:schemeClr val="tx1"/>
+          </a:fontRef>
+        </p:style>
+      </p:cxnSp>
+      <p:cxnSp>
+        <p:nvCxnSpPr>
+          <p:cNvPr id="60" name="Straight Arrow Connector 59"/>
+          <p:cNvCxnSpPr>
+            <a:stCxn id="36" idx="5"/>
+          </p:cNvCxnSpPr>
+          <p:nvPr/>
+        </p:nvCxnSpPr>
+        <p:spPr>
+          <a:xfrm>
+            <a:off x="4217447" y="3736089"/>
+            <a:ext cx="1948154" cy="991065"/>
+          </a:xfrm>
+          <a:prstGeom prst="straightConnector1">
+            <a:avLst/>
+          </a:prstGeom>
+          <a:ln w="19050">
+            <a:solidFill>
+              <a:schemeClr val="tx1"/>
+            </a:solidFill>
+            <a:tailEnd type="triangle"/>
+          </a:ln>
+        </p:spPr>
+        <p:style>
+          <a:lnRef idx="1">
+            <a:schemeClr val="accent1"/>
+          </a:lnRef>
+          <a:fillRef idx="0">
+            <a:schemeClr val="accent1"/>
+          </a:fillRef>
+          <a:effectRef idx="0">
+            <a:schemeClr val="accent1"/>
+          </a:effectRef>
+          <a:fontRef idx="minor">
+            <a:schemeClr val="tx1"/>
+          </a:fontRef>
+        </p:style>
+      </p:cxnSp>
+      <p:sp>
+        <p:nvSpPr>
+          <p:cNvPr id="63" name="Oval 62"/>
+          <p:cNvSpPr/>
+          <p:nvPr/>
+        </p:nvSpPr>
+        <p:spPr>
+          <a:xfrm>
+            <a:off x="1615547" y="4974681"/>
+            <a:ext cx="64008" cy="64008"/>
+          </a:xfrm>
+          <a:prstGeom prst="ellipse">
+            <a:avLst/>
+          </a:prstGeom>
+          <a:solidFill>
+            <a:schemeClr val="tx1"/>
+          </a:solidFill>
+          <a:ln w="19050">
+            <a:solidFill>
+              <a:schemeClr val="tx1"/>
+            </a:solidFill>
+          </a:ln>
+        </p:spPr>
+        <p:style>
+          <a:lnRef idx="2">
+            <a:schemeClr val="accent1">
+              <a:shade val="50000"/>
+            </a:schemeClr>
+          </a:lnRef>
+          <a:fillRef idx="1">
+            <a:schemeClr val="accent1"/>
+          </a:fillRef>
+          <a:effectRef idx="0">
+            <a:schemeClr val="accent1"/>
+          </a:effectRef>
+          <a:fontRef idx="minor">
+            <a:schemeClr val="lt1"/>
+          </a:fontRef>
+        </p:style>
+        <p:txBody>
+          <a:bodyPr rtlCol="0" anchor="ctr"/>
+          <a:lstStyle/>
+          <a:p>
+            <a:pPr algn="ctr"/>
+            <a:endParaRPr lang="en-US" b="1"/>
+          </a:p>
+        </p:txBody>
+      </p:sp>
+      <p:cxnSp>
+        <p:nvCxnSpPr>
+          <p:cNvPr id="67" name="Straight Arrow Connector 66"/>
+          <p:cNvCxnSpPr>
+            <a:stCxn id="44" idx="7"/>
+          </p:cNvCxnSpPr>
+          <p:nvPr/>
+        </p:nvCxnSpPr>
+        <p:spPr>
+          <a:xfrm flipH="1" flipV="1">
+            <a:off x="257577" y="2813272"/>
+            <a:ext cx="787893" cy="2175139"/>
+          </a:xfrm>
+          <a:prstGeom prst="straightConnector1">
+            <a:avLst/>
+          </a:prstGeom>
+          <a:ln w="19050">
+            <a:solidFill>
+              <a:schemeClr val="tx1"/>
+            </a:solidFill>
+            <a:tailEnd type="triangle"/>
+          </a:ln>
+        </p:spPr>
+        <p:style>
+          <a:lnRef idx="1">
+            <a:schemeClr val="accent1"/>
+          </a:lnRef>
+          <a:fillRef idx="0">
+            <a:schemeClr val="accent1"/>
+          </a:fillRef>
+          <a:effectRef idx="0">
+            <a:schemeClr val="accent1"/>
+          </a:effectRef>
+          <a:fontRef idx="minor">
+            <a:schemeClr val="tx1"/>
+          </a:fontRef>
+        </p:style>
+      </p:cxnSp>
+      <p:cxnSp>
+        <p:nvCxnSpPr>
+          <p:cNvPr id="70" name="Straight Connector 69"/>
+          <p:cNvCxnSpPr/>
+          <p:nvPr/>
+        </p:nvCxnSpPr>
+        <p:spPr>
+          <a:xfrm>
+            <a:off x="8530046" y="1854926"/>
+            <a:ext cx="13063" cy="3579643"/>
+          </a:xfrm>
+          <a:prstGeom prst="line">
+            <a:avLst/>
+          </a:prstGeom>
+          <a:ln w="19050">
+            <a:solidFill>
+              <a:schemeClr val="tx1"/>
+            </a:solidFill>
+          </a:ln>
+        </p:spPr>
+        <p:style>
+          <a:lnRef idx="1">
+            <a:schemeClr val="accent1"/>
+          </a:lnRef>
+          <a:fillRef idx="0">
+            <a:schemeClr val="accent1"/>
+          </a:fillRef>
+          <a:effectRef idx="0">
+            <a:schemeClr val="accent1"/>
+          </a:effectRef>
+          <a:fontRef idx="minor">
+            <a:schemeClr val="tx1"/>
+          </a:fontRef>
+        </p:style>
+      </p:cxnSp>
+      <p:sp>
+        <p:nvSpPr>
+          <p:cNvPr id="71" name="Oval 70"/>
+          <p:cNvSpPr/>
+          <p:nvPr/>
+        </p:nvSpPr>
+        <p:spPr>
+          <a:xfrm>
+            <a:off x="9013370" y="2290758"/>
+            <a:ext cx="535578" cy="522514"/>
+          </a:xfrm>
+          <a:prstGeom prst="ellipse">
+            <a:avLst/>
+          </a:prstGeom>
+          <a:noFill/>
+          <a:ln w="19050">
+            <a:solidFill>
+              <a:schemeClr val="tx1"/>
+            </a:solidFill>
+          </a:ln>
+        </p:spPr>
+        <p:style>
+          <a:lnRef idx="2">
+            <a:schemeClr val="accent1">
+              <a:shade val="50000"/>
+            </a:schemeClr>
+          </a:lnRef>
+          <a:fillRef idx="1">
+            <a:schemeClr val="accent1"/>
+          </a:fillRef>
+          <a:effectRef idx="0">
+            <a:schemeClr val="accent1"/>
+          </a:effectRef>
+          <a:fontRef idx="minor">
+            <a:schemeClr val="lt1"/>
+          </a:fontRef>
+        </p:style>
+        <p:txBody>
+          <a:bodyPr rtlCol="0" anchor="ctr"/>
+          <a:lstStyle/>
+          <a:p>
+            <a:pPr algn="ctr"/>
+            <a:r>
+              <a:rPr lang="en-IN" b="1" dirty="0" smtClean="0">
+                <a:solidFill>
+                  <a:schemeClr val="tx1"/>
+                </a:solidFill>
+              </a:rPr>
+              <a:t>0</a:t>
+            </a:r>
+            <a:endParaRPr lang="en-US" b="1" dirty="0">
+              <a:solidFill>
+                <a:schemeClr val="tx1"/>
+              </a:solidFill>
+            </a:endParaRPr>
+          </a:p>
+        </p:txBody>
+      </p:sp>
+      <p:sp>
+        <p:nvSpPr>
+          <p:cNvPr id="72" name="Oval 71"/>
+          <p:cNvSpPr/>
+          <p:nvPr/>
+        </p:nvSpPr>
+        <p:spPr>
+          <a:xfrm>
+            <a:off x="11464836" y="2260276"/>
+            <a:ext cx="535578" cy="522514"/>
+          </a:xfrm>
+          <a:prstGeom prst="ellipse">
+            <a:avLst/>
+          </a:prstGeom>
+          <a:noFill/>
+          <a:ln w="19050">
+            <a:solidFill>
+              <a:schemeClr val="tx1"/>
+            </a:solidFill>
+          </a:ln>
+        </p:spPr>
+        <p:style>
+          <a:lnRef idx="2">
+            <a:schemeClr val="accent1">
+              <a:shade val="50000"/>
+            </a:schemeClr>
+          </a:lnRef>
+          <a:fillRef idx="1">
+            <a:schemeClr val="accent1"/>
+          </a:fillRef>
+          <a:effectRef idx="0">
+            <a:schemeClr val="accent1"/>
+          </a:effectRef>
+          <a:fontRef idx="minor">
+            <a:schemeClr val="lt1"/>
+          </a:fontRef>
+        </p:style>
+        <p:txBody>
+          <a:bodyPr rtlCol="0" anchor="ctr"/>
+          <a:lstStyle/>
+          <a:p>
+            <a:pPr algn="ctr"/>
+            <a:r>
+              <a:rPr lang="en-IN" b="1" dirty="0" smtClean="0">
+                <a:solidFill>
+                  <a:schemeClr val="tx1"/>
+                </a:solidFill>
+              </a:rPr>
+              <a:t>1</a:t>
+            </a:r>
+            <a:endParaRPr lang="en-US" b="1" dirty="0">
+              <a:solidFill>
+                <a:schemeClr val="tx1"/>
+              </a:solidFill>
+            </a:endParaRPr>
+          </a:p>
+        </p:txBody>
+      </p:sp>
+      <p:sp>
+        <p:nvSpPr>
+          <p:cNvPr id="73" name="Oval 72"/>
+          <p:cNvSpPr/>
+          <p:nvPr/>
+        </p:nvSpPr>
+        <p:spPr>
+          <a:xfrm>
+            <a:off x="9400904" y="4637722"/>
+            <a:ext cx="535578" cy="522514"/>
+          </a:xfrm>
+          <a:prstGeom prst="ellipse">
+            <a:avLst/>
+          </a:prstGeom>
+          <a:noFill/>
+          <a:ln w="19050">
+            <a:solidFill>
+              <a:schemeClr val="tx1"/>
+            </a:solidFill>
+          </a:ln>
+        </p:spPr>
+        <p:style>
+          <a:lnRef idx="2">
+            <a:schemeClr val="accent1">
+              <a:shade val="50000"/>
+            </a:schemeClr>
+          </a:lnRef>
+          <a:fillRef idx="1">
+            <a:schemeClr val="accent1"/>
+          </a:fillRef>
+          <a:effectRef idx="0">
+            <a:schemeClr val="accent1"/>
+          </a:effectRef>
+          <a:fontRef idx="minor">
+            <a:schemeClr val="lt1"/>
+          </a:fontRef>
+        </p:style>
+        <p:txBody>
+          <a:bodyPr rtlCol="0" anchor="ctr"/>
+          <a:lstStyle/>
+          <a:p>
+            <a:pPr algn="ctr"/>
+            <a:r>
+              <a:rPr lang="en-IN" b="1" dirty="0" smtClean="0">
+                <a:solidFill>
+                  <a:schemeClr val="tx1"/>
+                </a:solidFill>
+              </a:rPr>
+              <a:t>3</a:t>
+            </a:r>
+            <a:endParaRPr lang="en-US" b="1" dirty="0">
+              <a:solidFill>
+                <a:schemeClr val="tx1"/>
+              </a:solidFill>
+            </a:endParaRPr>
+          </a:p>
+        </p:txBody>
+      </p:sp>
+      <p:sp>
+        <p:nvSpPr>
+          <p:cNvPr id="74" name="Oval 73"/>
+          <p:cNvSpPr/>
+          <p:nvPr/>
+        </p:nvSpPr>
+        <p:spPr>
+          <a:xfrm>
+            <a:off x="11852370" y="4607240"/>
+            <a:ext cx="535578" cy="522514"/>
+          </a:xfrm>
+          <a:prstGeom prst="ellipse">
+            <a:avLst/>
+          </a:prstGeom>
+          <a:noFill/>
+          <a:ln w="19050">
+            <a:solidFill>
+              <a:schemeClr val="tx1"/>
+            </a:solidFill>
+          </a:ln>
+        </p:spPr>
+        <p:style>
+          <a:lnRef idx="2">
+            <a:schemeClr val="accent1">
+              <a:shade val="50000"/>
+            </a:schemeClr>
+          </a:lnRef>
+          <a:fillRef idx="1">
+            <a:schemeClr val="accent1"/>
+          </a:fillRef>
+          <a:effectRef idx="0">
+            <a:schemeClr val="accent1"/>
+          </a:effectRef>
+          <a:fontRef idx="minor">
+            <a:schemeClr val="lt1"/>
+          </a:fontRef>
+        </p:style>
+        <p:txBody>
+          <a:bodyPr rtlCol="0" anchor="ctr"/>
+          <a:lstStyle/>
+          <a:p>
+            <a:pPr algn="ctr"/>
+            <a:r>
+              <a:rPr lang="en-IN" b="1" dirty="0" smtClean="0">
+                <a:solidFill>
+                  <a:schemeClr val="tx1"/>
+                </a:solidFill>
+              </a:rPr>
+              <a:t>4</a:t>
+            </a:r>
+            <a:endParaRPr lang="en-US" b="1" dirty="0">
+              <a:solidFill>
+                <a:schemeClr val="tx1"/>
+              </a:solidFill>
+            </a:endParaRPr>
+          </a:p>
+        </p:txBody>
+      </p:sp>
+      <p:sp>
+        <p:nvSpPr>
+          <p:cNvPr id="75" name="Oval 74"/>
+          <p:cNvSpPr/>
+          <p:nvPr/>
+        </p:nvSpPr>
+        <p:spPr>
+          <a:xfrm>
+            <a:off x="10432865" y="3370621"/>
+            <a:ext cx="535578" cy="522514"/>
+          </a:xfrm>
+          <a:prstGeom prst="ellipse">
+            <a:avLst/>
+          </a:prstGeom>
+          <a:noFill/>
+          <a:ln w="19050">
+            <a:solidFill>
+              <a:schemeClr val="tx1"/>
+            </a:solidFill>
+          </a:ln>
+        </p:spPr>
+        <p:style>
+          <a:lnRef idx="2">
+            <a:schemeClr val="accent1">
+              <a:shade val="50000"/>
+            </a:schemeClr>
+          </a:lnRef>
+          <a:fillRef idx="1">
+            <a:schemeClr val="accent1"/>
+          </a:fillRef>
+          <a:effectRef idx="0">
+            <a:schemeClr val="accent1"/>
+          </a:effectRef>
+          <a:fontRef idx="minor">
+            <a:schemeClr val="lt1"/>
+          </a:fontRef>
+        </p:style>
+        <p:txBody>
+          <a:bodyPr rtlCol="0" anchor="ctr"/>
+          <a:lstStyle/>
+          <a:p>
+            <a:pPr algn="ctr"/>
+            <a:r>
+              <a:rPr lang="en-IN" b="1" dirty="0" smtClean="0">
+                <a:solidFill>
+                  <a:schemeClr val="tx1"/>
+                </a:solidFill>
+              </a:rPr>
+              <a:t>2</a:t>
+            </a:r>
+            <a:endParaRPr lang="en-US" b="1" dirty="0">
+              <a:solidFill>
+                <a:schemeClr val="tx1"/>
+              </a:solidFill>
+            </a:endParaRPr>
+          </a:p>
+        </p:txBody>
+      </p:sp>
+      <p:cxnSp>
+        <p:nvCxnSpPr>
+          <p:cNvPr id="78" name="Straight Arrow Connector 77"/>
+          <p:cNvCxnSpPr>
+            <a:stCxn id="71" idx="6"/>
+            <a:endCxn id="72" idx="2"/>
+          </p:cNvCxnSpPr>
+          <p:nvPr/>
+        </p:nvCxnSpPr>
+        <p:spPr>
+          <a:xfrm flipV="1">
+            <a:off x="9548948" y="2521533"/>
+            <a:ext cx="1915888" cy="30482"/>
+          </a:xfrm>
+          <a:prstGeom prst="straightConnector1">
+            <a:avLst/>
+          </a:prstGeom>
+          <a:ln w="19050">
+            <a:solidFill>
+              <a:schemeClr val="tx1"/>
+            </a:solidFill>
+            <a:tailEnd type="triangle"/>
+          </a:ln>
+        </p:spPr>
+        <p:style>
+          <a:lnRef idx="1">
+            <a:schemeClr val="accent1"/>
+          </a:lnRef>
+          <a:fillRef idx="0">
+            <a:schemeClr val="accent1"/>
+          </a:fillRef>
+          <a:effectRef idx="0">
+            <a:schemeClr val="accent1"/>
+          </a:effectRef>
+          <a:fontRef idx="minor">
+            <a:schemeClr val="tx1"/>
+          </a:fontRef>
+        </p:style>
+      </p:cxnSp>
+      <p:cxnSp>
+        <p:nvCxnSpPr>
+          <p:cNvPr id="80" name="Straight Arrow Connector 79"/>
+          <p:cNvCxnSpPr>
+            <a:stCxn id="71" idx="5"/>
+            <a:endCxn id="75" idx="1"/>
+          </p:cNvCxnSpPr>
+          <p:nvPr/>
+        </p:nvCxnSpPr>
+        <p:spPr>
+          <a:xfrm>
+            <a:off x="9470514" y="2736752"/>
+            <a:ext cx="1040785" cy="710389"/>
+          </a:xfrm>
+          <a:prstGeom prst="straightConnector1">
+            <a:avLst/>
+          </a:prstGeom>
+          <a:ln w="19050">
+            <a:solidFill>
+              <a:schemeClr val="tx1"/>
+            </a:solidFill>
+            <a:tailEnd type="triangle"/>
+          </a:ln>
+        </p:spPr>
+        <p:style>
+          <a:lnRef idx="1">
+            <a:schemeClr val="accent1"/>
+          </a:lnRef>
+          <a:fillRef idx="0">
+            <a:schemeClr val="accent1"/>
+          </a:fillRef>
+          <a:effectRef idx="0">
+            <a:schemeClr val="accent1"/>
+          </a:effectRef>
+          <a:fontRef idx="minor">
+            <a:schemeClr val="tx1"/>
+          </a:fontRef>
+        </p:style>
+      </p:cxnSp>
+      <p:cxnSp>
+        <p:nvCxnSpPr>
+          <p:cNvPr id="84" name="Straight Arrow Connector 83"/>
+          <p:cNvCxnSpPr>
+            <a:stCxn id="73" idx="7"/>
+            <a:endCxn id="75" idx="3"/>
+          </p:cNvCxnSpPr>
+          <p:nvPr/>
+        </p:nvCxnSpPr>
+        <p:spPr>
+          <a:xfrm flipV="1">
+            <a:off x="9858048" y="3816615"/>
+            <a:ext cx="653251" cy="897627"/>
+          </a:xfrm>
+          <a:prstGeom prst="straightConnector1">
+            <a:avLst/>
+          </a:prstGeom>
+          <a:ln w="19050">
+            <a:solidFill>
+              <a:schemeClr val="tx1"/>
+            </a:solidFill>
+            <a:tailEnd type="triangle"/>
+          </a:ln>
+        </p:spPr>
+        <p:style>
+          <a:lnRef idx="1">
+            <a:schemeClr val="accent1"/>
+          </a:lnRef>
+          <a:fillRef idx="0">
+            <a:schemeClr val="accent1"/>
+          </a:fillRef>
+          <a:effectRef idx="0">
+            <a:schemeClr val="accent1"/>
+          </a:effectRef>
+          <a:fontRef idx="minor">
+            <a:schemeClr val="tx1"/>
+          </a:fontRef>
+        </p:style>
+      </p:cxnSp>
+      <p:cxnSp>
+        <p:nvCxnSpPr>
+          <p:cNvPr id="86" name="Straight Arrow Connector 85"/>
+          <p:cNvCxnSpPr>
+            <a:stCxn id="73" idx="0"/>
+            <a:endCxn id="71" idx="4"/>
+          </p:cNvCxnSpPr>
+          <p:nvPr/>
+        </p:nvCxnSpPr>
+        <p:spPr>
+          <a:xfrm flipH="1" flipV="1">
+            <a:off x="9281159" y="2813272"/>
+            <a:ext cx="387534" cy="1824450"/>
+          </a:xfrm>
+          <a:prstGeom prst="straightConnector1">
+            <a:avLst/>
+          </a:prstGeom>
+          <a:ln w="19050">
+            <a:solidFill>
+              <a:schemeClr val="tx1"/>
+            </a:solidFill>
+            <a:tailEnd type="triangle"/>
+          </a:ln>
+        </p:spPr>
+        <p:style>
+          <a:lnRef idx="1">
+            <a:schemeClr val="accent1"/>
+          </a:lnRef>
+          <a:fillRef idx="0">
+            <a:schemeClr val="accent1"/>
+          </a:fillRef>
+          <a:effectRef idx="0">
+            <a:schemeClr val="accent1"/>
+          </a:effectRef>
+          <a:fontRef idx="minor">
+            <a:schemeClr val="tx1"/>
+          </a:fontRef>
+        </p:style>
+      </p:cxnSp>
+      <p:cxnSp>
+        <p:nvCxnSpPr>
+          <p:cNvPr id="88" name="Straight Arrow Connector 87"/>
+          <p:cNvCxnSpPr>
+            <a:stCxn id="73" idx="6"/>
+            <a:endCxn id="74" idx="2"/>
+          </p:cNvCxnSpPr>
+          <p:nvPr/>
+        </p:nvCxnSpPr>
+        <p:spPr>
+          <a:xfrm flipV="1">
+            <a:off x="9936482" y="4868497"/>
+            <a:ext cx="1915888" cy="30482"/>
+          </a:xfrm>
+          <a:prstGeom prst="straightConnector1">
+            <a:avLst/>
+          </a:prstGeom>
+          <a:ln w="19050">
+            <a:solidFill>
+              <a:schemeClr val="tx1"/>
+            </a:solidFill>
+            <a:tailEnd type="triangle"/>
+          </a:ln>
+        </p:spPr>
+        <p:style>
+          <a:lnRef idx="1">
+            <a:schemeClr val="accent1"/>
+          </a:lnRef>
+          <a:fillRef idx="0">
+            <a:schemeClr val="accent1"/>
+          </a:fillRef>
+          <a:effectRef idx="0">
+            <a:schemeClr val="accent1"/>
+          </a:effectRef>
+          <a:fontRef idx="minor">
+            <a:schemeClr val="tx1"/>
+          </a:fontRef>
+        </p:style>
+      </p:cxnSp>
+      <p:cxnSp>
+        <p:nvCxnSpPr>
+          <p:cNvPr id="90" name="Straight Arrow Connector 89"/>
+          <p:cNvCxnSpPr>
+            <a:stCxn id="75" idx="7"/>
+            <a:endCxn id="72" idx="3"/>
+          </p:cNvCxnSpPr>
+          <p:nvPr/>
+        </p:nvCxnSpPr>
+        <p:spPr>
+          <a:xfrm flipV="1">
+            <a:off x="10890009" y="2706270"/>
+            <a:ext cx="653261" cy="740871"/>
+          </a:xfrm>
+          <a:prstGeom prst="straightConnector1">
+            <a:avLst/>
+          </a:prstGeom>
+          <a:ln w="19050">
+            <a:solidFill>
+              <a:schemeClr val="tx1"/>
+            </a:solidFill>
+            <a:tailEnd type="triangle"/>
+          </a:ln>
+        </p:spPr>
+        <p:style>
+          <a:lnRef idx="1">
+            <a:schemeClr val="accent1"/>
+          </a:lnRef>
+          <a:fillRef idx="0">
+            <a:schemeClr val="accent1"/>
+          </a:fillRef>
+          <a:effectRef idx="0">
+            <a:schemeClr val="accent1"/>
+          </a:effectRef>
+          <a:fontRef idx="minor">
+            <a:schemeClr val="tx1"/>
+          </a:fontRef>
+        </p:style>
+      </p:cxnSp>
+      <p:cxnSp>
+        <p:nvCxnSpPr>
+          <p:cNvPr id="92" name="Straight Arrow Connector 91"/>
+          <p:cNvCxnSpPr>
+            <a:stCxn id="75" idx="5"/>
+            <a:endCxn id="74" idx="1"/>
+          </p:cNvCxnSpPr>
+          <p:nvPr/>
+        </p:nvCxnSpPr>
+        <p:spPr>
+          <a:xfrm>
+            <a:off x="10890009" y="3816615"/>
+            <a:ext cx="1040795" cy="867145"/>
+          </a:xfrm>
+          <a:prstGeom prst="straightConnector1">
+            <a:avLst/>
+          </a:prstGeom>
+          <a:ln w="19050">
+            <a:solidFill>
+              <a:schemeClr val="tx1"/>
+            </a:solidFill>
+            <a:tailEnd type="triangle"/>
+          </a:ln>
+        </p:spPr>
+        <p:style>
+          <a:lnRef idx="1">
+            <a:schemeClr val="accent1"/>
+          </a:lnRef>
+          <a:fillRef idx="0">
+            <a:schemeClr val="accent1"/>
+          </a:fillRef>
+          <a:effectRef idx="0">
+            <a:schemeClr val="accent1"/>
+          </a:effectRef>
+          <a:fontRef idx="minor">
+            <a:schemeClr val="tx1"/>
+          </a:fontRef>
+        </p:style>
+      </p:cxnSp>
+      <p:cxnSp>
+        <p:nvCxnSpPr>
+          <p:cNvPr id="94" name="Straight Arrow Connector 93"/>
+          <p:cNvCxnSpPr>
+            <a:stCxn id="72" idx="4"/>
+            <a:endCxn id="74" idx="0"/>
+          </p:cNvCxnSpPr>
+          <p:nvPr/>
+        </p:nvCxnSpPr>
+        <p:spPr>
+          <a:xfrm>
+            <a:off x="11732625" y="2782790"/>
+            <a:ext cx="387534" cy="1824450"/>
+          </a:xfrm>
+          <a:prstGeom prst="straightConnector1">
+            <a:avLst/>
+          </a:prstGeom>
+          <a:ln w="19050">
+            <a:solidFill>
+              <a:schemeClr val="tx1"/>
+            </a:solidFill>
+            <a:tailEnd type="triangle"/>
+          </a:ln>
+        </p:spPr>
+        <p:style>
+          <a:lnRef idx="1">
+            <a:schemeClr val="accent1"/>
+          </a:lnRef>
+          <a:fillRef idx="0">
+            <a:schemeClr val="accent1"/>
+          </a:fillRef>
+          <a:effectRef idx="0">
+            <a:schemeClr val="accent1"/>
+          </a:effectRef>
+          <a:fontRef idx="minor">
+            <a:schemeClr val="tx1"/>
+          </a:fontRef>
+        </p:style>
+      </p:cxnSp>
+    </p:spTree>
+    <p:extLst>
+      <p:ext uri="{BB962C8B-B14F-4D97-AF65-F5344CB8AC3E}">
+        <p14:creationId xmlns:p14="http://schemas.microsoft.com/office/powerpoint/2010/main" val="1010113180"/>
+      </p:ext>
+    </p:extLst>
+  </p:cSld>
+  <p:clrMapOvr>
+    <a:masterClrMapping/>
+  </p:clrMapOvr>
+</p:sld>
+</file>
+
+<file path=ppt/slides/slide12.xml><?xml version="1.0" encoding="utf-8"?>
+<p:sld xmlns:a="http://schemas.openxmlformats.org/drawingml/2006/main" xmlns:r="http://schemas.openxmlformats.org/officeDocument/2006/relationships" xmlns:p="http://schemas.openxmlformats.org/presentationml/2006/main">
+  <p:cSld>
+    <p:spTree>
+      <p:nvGrpSpPr>
+        <p:cNvPr id="1" name=""/>
+        <p:cNvGrpSpPr/>
+        <p:nvPr/>
+      </p:nvGrpSpPr>
+      <p:grpSpPr>
+        <a:xfrm>
+          <a:off x="0" y="0"/>
+          <a:ext cx="0" cy="0"/>
+          <a:chOff x="0" y="0"/>
+          <a:chExt cx="0" cy="0"/>
+        </a:xfrm>
+      </p:grpSpPr>
+      <p:sp>
+        <p:nvSpPr>
+          <p:cNvPr id="2" name="Title 1"/>
+          <p:cNvSpPr>
+            <a:spLocks noGrp="1"/>
+          </p:cNvSpPr>
+          <p:nvPr>
+            <p:ph type="title"/>
+          </p:nvPr>
+        </p:nvSpPr>
+        <p:spPr/>
+        <p:txBody>
+          <a:bodyPr/>
+          <a:lstStyle/>
+          <a:p>
+            <a:r>
+              <a:rPr lang="en-IN" dirty="0" smtClean="0"/>
+              <a:t>DFS</a:t>
+            </a:r>
+            <a:endParaRPr lang="en-US" dirty="0"/>
+          </a:p>
+        </p:txBody>
+      </p:sp>
+      <p:sp>
+        <p:nvSpPr>
+          <p:cNvPr id="4" name="Oval 3"/>
+          <p:cNvSpPr/>
+          <p:nvPr/>
+        </p:nvSpPr>
+        <p:spPr>
+          <a:xfrm>
+            <a:off x="992750" y="2499764"/>
+            <a:ext cx="535578" cy="522514"/>
+          </a:xfrm>
+          <a:prstGeom prst="ellipse">
+            <a:avLst/>
+          </a:prstGeom>
+          <a:noFill/>
+          <a:ln w="19050">
+            <a:solidFill>
+              <a:schemeClr val="tx1"/>
+            </a:solidFill>
+          </a:ln>
+        </p:spPr>
+        <p:style>
+          <a:lnRef idx="2">
+            <a:schemeClr val="accent1">
+              <a:shade val="50000"/>
+            </a:schemeClr>
+          </a:lnRef>
+          <a:fillRef idx="1">
+            <a:schemeClr val="accent1"/>
+          </a:fillRef>
+          <a:effectRef idx="0">
+            <a:schemeClr val="accent1"/>
+          </a:effectRef>
+          <a:fontRef idx="minor">
+            <a:schemeClr val="lt1"/>
+          </a:fontRef>
+        </p:style>
+        <p:txBody>
+          <a:bodyPr rtlCol="0" anchor="ctr"/>
+          <a:lstStyle/>
+          <a:p>
+            <a:pPr algn="ctr"/>
+            <a:r>
+              <a:rPr lang="en-IN" b="1" dirty="0" smtClean="0">
+                <a:solidFill>
+                  <a:schemeClr val="tx1"/>
+                </a:solidFill>
+              </a:rPr>
+              <a:t>0</a:t>
+            </a:r>
+            <a:endParaRPr lang="en-US" b="1" dirty="0">
+              <a:solidFill>
+                <a:schemeClr val="tx1"/>
+              </a:solidFill>
+            </a:endParaRPr>
+          </a:p>
+        </p:txBody>
+      </p:sp>
+      <p:sp>
+        <p:nvSpPr>
+          <p:cNvPr id="21" name="Oval 20"/>
+          <p:cNvSpPr/>
+          <p:nvPr/>
+        </p:nvSpPr>
+        <p:spPr>
+          <a:xfrm>
+            <a:off x="9845040" y="2482345"/>
+            <a:ext cx="535578" cy="522514"/>
+          </a:xfrm>
+          <a:prstGeom prst="ellipse">
+            <a:avLst/>
+          </a:prstGeom>
+          <a:noFill/>
+          <a:ln w="19050">
+            <a:solidFill>
+              <a:schemeClr val="tx1"/>
+            </a:solidFill>
+          </a:ln>
+        </p:spPr>
+        <p:style>
+          <a:lnRef idx="2">
+            <a:schemeClr val="accent1">
+              <a:shade val="50000"/>
+            </a:schemeClr>
+          </a:lnRef>
+          <a:fillRef idx="1">
+            <a:schemeClr val="accent1"/>
+          </a:fillRef>
+          <a:effectRef idx="0">
+            <a:schemeClr val="accent1"/>
+          </a:effectRef>
+          <a:fontRef idx="minor">
+            <a:schemeClr val="lt1"/>
+          </a:fontRef>
+        </p:style>
+        <p:txBody>
+          <a:bodyPr rtlCol="0" anchor="ctr"/>
+          <a:lstStyle/>
+          <a:p>
+            <a:pPr algn="ctr"/>
+            <a:r>
+              <a:rPr lang="en-IN" b="1" dirty="0" smtClean="0">
+                <a:solidFill>
+                  <a:schemeClr val="tx1"/>
+                </a:solidFill>
+              </a:rPr>
+              <a:t>0</a:t>
+            </a:r>
+            <a:endParaRPr lang="en-US" b="1" dirty="0">
+              <a:solidFill>
+                <a:schemeClr val="tx1"/>
+              </a:solidFill>
+            </a:endParaRPr>
+          </a:p>
+        </p:txBody>
+      </p:sp>
+      <p:sp>
+        <p:nvSpPr>
+          <p:cNvPr id="22" name="Oval 21"/>
+          <p:cNvSpPr/>
+          <p:nvPr/>
+        </p:nvSpPr>
+        <p:spPr>
+          <a:xfrm>
+            <a:off x="9840684" y="3496893"/>
+            <a:ext cx="535578" cy="522514"/>
+          </a:xfrm>
+          <a:prstGeom prst="ellipse">
+            <a:avLst/>
+          </a:prstGeom>
+          <a:noFill/>
+          <a:ln w="19050">
+            <a:solidFill>
+              <a:schemeClr val="tx1"/>
+            </a:solidFill>
+          </a:ln>
+        </p:spPr>
+        <p:style>
+          <a:lnRef idx="2">
+            <a:schemeClr val="accent1">
+              <a:shade val="50000"/>
+            </a:schemeClr>
+          </a:lnRef>
+          <a:fillRef idx="1">
+            <a:schemeClr val="accent1"/>
+          </a:fillRef>
+          <a:effectRef idx="0">
+            <a:schemeClr val="accent1"/>
+          </a:effectRef>
+          <a:fontRef idx="minor">
+            <a:schemeClr val="lt1"/>
+          </a:fontRef>
+        </p:style>
+        <p:txBody>
+          <a:bodyPr rtlCol="0" anchor="ctr"/>
+          <a:lstStyle/>
+          <a:p>
+            <a:pPr algn="ctr"/>
+            <a:r>
+              <a:rPr lang="en-IN" b="1" dirty="0" smtClean="0">
+                <a:solidFill>
+                  <a:schemeClr val="tx1"/>
+                </a:solidFill>
+              </a:rPr>
+              <a:t>1</a:t>
+            </a:r>
+            <a:endParaRPr lang="en-US" b="1" dirty="0">
+              <a:solidFill>
+                <a:schemeClr val="tx1"/>
+              </a:solidFill>
+            </a:endParaRPr>
+          </a:p>
+        </p:txBody>
+      </p:sp>
+      <p:sp>
+        <p:nvSpPr>
+          <p:cNvPr id="23" name="Oval 22"/>
+          <p:cNvSpPr/>
+          <p:nvPr/>
+        </p:nvSpPr>
+        <p:spPr>
+          <a:xfrm>
+            <a:off x="9849391" y="4485317"/>
+            <a:ext cx="535578" cy="522514"/>
+          </a:xfrm>
+          <a:prstGeom prst="ellipse">
+            <a:avLst/>
+          </a:prstGeom>
+          <a:noFill/>
+          <a:ln w="19050">
+            <a:solidFill>
+              <a:schemeClr val="tx1"/>
+            </a:solidFill>
+          </a:ln>
+        </p:spPr>
+        <p:style>
+          <a:lnRef idx="2">
+            <a:schemeClr val="accent1">
+              <a:shade val="50000"/>
+            </a:schemeClr>
+          </a:lnRef>
+          <a:fillRef idx="1">
+            <a:schemeClr val="accent1"/>
+          </a:fillRef>
+          <a:effectRef idx="0">
+            <a:schemeClr val="accent1"/>
+          </a:effectRef>
+          <a:fontRef idx="minor">
+            <a:schemeClr val="lt1"/>
+          </a:fontRef>
+        </p:style>
+        <p:txBody>
+          <a:bodyPr rtlCol="0" anchor="ctr"/>
+          <a:lstStyle/>
+          <a:p>
+            <a:pPr algn="ctr"/>
+            <a:r>
+              <a:rPr lang="en-IN" b="1" dirty="0" smtClean="0">
+                <a:solidFill>
+                  <a:schemeClr val="tx1"/>
+                </a:solidFill>
+              </a:rPr>
+              <a:t>4</a:t>
+            </a:r>
+            <a:endParaRPr lang="en-US" b="1" dirty="0">
+              <a:solidFill>
+                <a:schemeClr val="tx1"/>
+              </a:solidFill>
+            </a:endParaRPr>
+          </a:p>
+        </p:txBody>
+      </p:sp>
+      <p:sp>
+        <p:nvSpPr>
+          <p:cNvPr id="24" name="Oval 23"/>
+          <p:cNvSpPr/>
+          <p:nvPr/>
+        </p:nvSpPr>
+        <p:spPr>
+          <a:xfrm>
+            <a:off x="10750726" y="3113711"/>
+            <a:ext cx="535578" cy="522514"/>
+          </a:xfrm>
+          <a:prstGeom prst="ellipse">
+            <a:avLst/>
+          </a:prstGeom>
+          <a:noFill/>
+          <a:ln w="19050">
+            <a:solidFill>
+              <a:schemeClr val="tx1"/>
+            </a:solidFill>
+          </a:ln>
+        </p:spPr>
+        <p:style>
+          <a:lnRef idx="2">
+            <a:schemeClr val="accent1">
+              <a:shade val="50000"/>
+            </a:schemeClr>
+          </a:lnRef>
+          <a:fillRef idx="1">
+            <a:schemeClr val="accent1"/>
+          </a:fillRef>
+          <a:effectRef idx="0">
+            <a:schemeClr val="accent1"/>
+          </a:effectRef>
+          <a:fontRef idx="minor">
+            <a:schemeClr val="lt1"/>
+          </a:fontRef>
+        </p:style>
+        <p:txBody>
+          <a:bodyPr rtlCol="0" anchor="ctr"/>
+          <a:lstStyle/>
+          <a:p>
+            <a:pPr algn="ctr"/>
+            <a:r>
+              <a:rPr lang="en-IN" b="1" dirty="0" smtClean="0">
+                <a:solidFill>
+                  <a:schemeClr val="tx1"/>
+                </a:solidFill>
+              </a:rPr>
+              <a:t>2</a:t>
+            </a:r>
+            <a:endParaRPr lang="en-US" b="1" dirty="0">
+              <a:solidFill>
+                <a:schemeClr val="tx1"/>
+              </a:solidFill>
+            </a:endParaRPr>
+          </a:p>
+        </p:txBody>
+      </p:sp>
+      <p:sp>
+        <p:nvSpPr>
+          <p:cNvPr id="25" name="Oval 24"/>
+          <p:cNvSpPr/>
+          <p:nvPr/>
+        </p:nvSpPr>
+        <p:spPr>
+          <a:xfrm>
+            <a:off x="11112131" y="1855321"/>
+            <a:ext cx="535578" cy="522514"/>
+          </a:xfrm>
+          <a:prstGeom prst="ellipse">
+            <a:avLst/>
+          </a:prstGeom>
+          <a:noFill/>
+          <a:ln w="19050">
+            <a:solidFill>
+              <a:schemeClr val="tx1"/>
+            </a:solidFill>
+          </a:ln>
+        </p:spPr>
+        <p:style>
+          <a:lnRef idx="2">
+            <a:schemeClr val="accent1">
+              <a:shade val="50000"/>
+            </a:schemeClr>
+          </a:lnRef>
+          <a:fillRef idx="1">
+            <a:schemeClr val="accent1"/>
+          </a:fillRef>
+          <a:effectRef idx="0">
+            <a:schemeClr val="accent1"/>
+          </a:effectRef>
+          <a:fontRef idx="minor">
+            <a:schemeClr val="lt1"/>
+          </a:fontRef>
+        </p:style>
+        <p:txBody>
+          <a:bodyPr rtlCol="0" anchor="ctr"/>
+          <a:lstStyle/>
+          <a:p>
+            <a:pPr algn="ctr"/>
+            <a:r>
+              <a:rPr lang="en-IN" b="1" dirty="0" smtClean="0">
+                <a:solidFill>
+                  <a:schemeClr val="tx1"/>
+                </a:solidFill>
+              </a:rPr>
+              <a:t>3</a:t>
+            </a:r>
+            <a:endParaRPr lang="en-US" b="1" dirty="0">
+              <a:solidFill>
+                <a:schemeClr val="tx1"/>
+              </a:solidFill>
+            </a:endParaRPr>
+          </a:p>
+        </p:txBody>
+      </p:sp>
+      <p:cxnSp>
+        <p:nvCxnSpPr>
+          <p:cNvPr id="26" name="Straight Arrow Connector 25"/>
+          <p:cNvCxnSpPr>
+            <a:stCxn id="21" idx="4"/>
+            <a:endCxn id="22" idx="0"/>
+          </p:cNvCxnSpPr>
+          <p:nvPr/>
+        </p:nvCxnSpPr>
+        <p:spPr>
+          <a:xfrm flipH="1">
+            <a:off x="10108473" y="3004859"/>
+            <a:ext cx="4356" cy="492034"/>
+          </a:xfrm>
+          <a:prstGeom prst="straightConnector1">
+            <a:avLst/>
+          </a:prstGeom>
+          <a:ln w="19050">
+            <a:solidFill>
+              <a:schemeClr val="tx1"/>
+            </a:solidFill>
+            <a:tailEnd type="triangle"/>
+          </a:ln>
+        </p:spPr>
+        <p:style>
+          <a:lnRef idx="1">
+            <a:schemeClr val="accent1"/>
+          </a:lnRef>
+          <a:fillRef idx="0">
+            <a:schemeClr val="accent1"/>
+          </a:fillRef>
+          <a:effectRef idx="0">
+            <a:schemeClr val="accent1"/>
+          </a:effectRef>
+          <a:fontRef idx="minor">
+            <a:schemeClr val="tx1"/>
+          </a:fontRef>
+        </p:style>
+      </p:cxnSp>
+      <p:cxnSp>
+        <p:nvCxnSpPr>
+          <p:cNvPr id="27" name="Straight Arrow Connector 26"/>
+          <p:cNvCxnSpPr>
+            <a:stCxn id="22" idx="4"/>
+            <a:endCxn id="23" idx="0"/>
+          </p:cNvCxnSpPr>
+          <p:nvPr/>
+        </p:nvCxnSpPr>
+        <p:spPr>
+          <a:xfrm>
+            <a:off x="10108473" y="4019407"/>
+            <a:ext cx="8707" cy="465910"/>
+          </a:xfrm>
+          <a:prstGeom prst="straightConnector1">
+            <a:avLst/>
+          </a:prstGeom>
+          <a:ln w="19050">
+            <a:solidFill>
+              <a:schemeClr val="tx1"/>
+            </a:solidFill>
+            <a:tailEnd type="triangle"/>
+          </a:ln>
+        </p:spPr>
+        <p:style>
+          <a:lnRef idx="1">
+            <a:schemeClr val="accent1"/>
+          </a:lnRef>
+          <a:fillRef idx="0">
+            <a:schemeClr val="accent1"/>
+          </a:fillRef>
+          <a:effectRef idx="0">
+            <a:schemeClr val="accent1"/>
+          </a:effectRef>
+          <a:fontRef idx="minor">
+            <a:schemeClr val="tx1"/>
+          </a:fontRef>
+        </p:style>
+      </p:cxnSp>
+      <p:cxnSp>
+        <p:nvCxnSpPr>
+          <p:cNvPr id="28" name="Straight Arrow Connector 27"/>
+          <p:cNvCxnSpPr>
+            <a:stCxn id="21" idx="5"/>
+            <a:endCxn id="24" idx="1"/>
+          </p:cNvCxnSpPr>
+          <p:nvPr/>
+        </p:nvCxnSpPr>
+        <p:spPr>
+          <a:xfrm>
+            <a:off x="10302184" y="2928339"/>
+            <a:ext cx="526976" cy="261892"/>
+          </a:xfrm>
+          <a:prstGeom prst="straightConnector1">
+            <a:avLst/>
+          </a:prstGeom>
+          <a:ln w="19050">
+            <a:solidFill>
+              <a:schemeClr val="tx1"/>
+            </a:solidFill>
+            <a:tailEnd type="triangle"/>
+          </a:ln>
+        </p:spPr>
+        <p:style>
+          <a:lnRef idx="1">
+            <a:schemeClr val="accent1"/>
+          </a:lnRef>
+          <a:fillRef idx="0">
+            <a:schemeClr val="accent1"/>
+          </a:fillRef>
+          <a:effectRef idx="0">
+            <a:schemeClr val="accent1"/>
+          </a:effectRef>
+          <a:fontRef idx="minor">
+            <a:schemeClr val="tx1"/>
+          </a:fontRef>
+        </p:style>
+      </p:cxnSp>
+      <p:cxnSp>
+        <p:nvCxnSpPr>
+          <p:cNvPr id="29" name="Straight Arrow Connector 28"/>
+          <p:cNvCxnSpPr>
+            <a:stCxn id="25" idx="2"/>
+            <a:endCxn id="21" idx="7"/>
+          </p:cNvCxnSpPr>
+          <p:nvPr/>
+        </p:nvCxnSpPr>
+        <p:spPr>
+          <a:xfrm flipH="1">
+            <a:off x="10302184" y="2116578"/>
+            <a:ext cx="809947" cy="442287"/>
+          </a:xfrm>
+          <a:prstGeom prst="straightConnector1">
+            <a:avLst/>
+          </a:prstGeom>
+          <a:ln w="19050">
+            <a:solidFill>
+              <a:schemeClr val="tx1"/>
+            </a:solidFill>
+            <a:tailEnd type="triangle"/>
+          </a:ln>
+        </p:spPr>
+        <p:style>
+          <a:lnRef idx="1">
+            <a:schemeClr val="accent1"/>
+          </a:lnRef>
+          <a:fillRef idx="0">
+            <a:schemeClr val="accent1"/>
+          </a:fillRef>
+          <a:effectRef idx="0">
+            <a:schemeClr val="accent1"/>
+          </a:effectRef>
+          <a:fontRef idx="minor">
+            <a:schemeClr val="tx1"/>
+          </a:fontRef>
+        </p:style>
+      </p:cxnSp>
+      <p:sp>
+        <p:nvSpPr>
+          <p:cNvPr id="30" name="Oval 29"/>
+          <p:cNvSpPr/>
+          <p:nvPr/>
+        </p:nvSpPr>
+        <p:spPr>
+          <a:xfrm>
+            <a:off x="6992979" y="2491052"/>
+            <a:ext cx="535578" cy="522514"/>
+          </a:xfrm>
+          <a:prstGeom prst="ellipse">
+            <a:avLst/>
+          </a:prstGeom>
+          <a:noFill/>
+          <a:ln w="19050">
+            <a:solidFill>
+              <a:schemeClr val="tx1"/>
+            </a:solidFill>
+          </a:ln>
+        </p:spPr>
+        <p:style>
+          <a:lnRef idx="2">
+            <a:schemeClr val="accent1">
+              <a:shade val="50000"/>
+            </a:schemeClr>
+          </a:lnRef>
+          <a:fillRef idx="1">
+            <a:schemeClr val="accent1"/>
+          </a:fillRef>
+          <a:effectRef idx="0">
+            <a:schemeClr val="accent1"/>
+          </a:effectRef>
+          <a:fontRef idx="minor">
+            <a:schemeClr val="lt1"/>
+          </a:fontRef>
+        </p:style>
+        <p:txBody>
+          <a:bodyPr rtlCol="0" anchor="ctr"/>
+          <a:lstStyle/>
+          <a:p>
+            <a:pPr algn="ctr"/>
+            <a:r>
+              <a:rPr lang="en-IN" b="1" dirty="0" smtClean="0">
+                <a:solidFill>
+                  <a:schemeClr val="tx1"/>
+                </a:solidFill>
+              </a:rPr>
+              <a:t>0</a:t>
+            </a:r>
+            <a:endParaRPr lang="en-US" b="1" dirty="0">
+              <a:solidFill>
+                <a:schemeClr val="tx1"/>
+              </a:solidFill>
+            </a:endParaRPr>
+          </a:p>
+        </p:txBody>
+      </p:sp>
+      <p:sp>
+        <p:nvSpPr>
+          <p:cNvPr id="31" name="Oval 30"/>
+          <p:cNvSpPr/>
+          <p:nvPr/>
+        </p:nvSpPr>
+        <p:spPr>
+          <a:xfrm>
+            <a:off x="6988623" y="3505600"/>
+            <a:ext cx="535578" cy="522514"/>
+          </a:xfrm>
+          <a:prstGeom prst="ellipse">
+            <a:avLst/>
+          </a:prstGeom>
+          <a:noFill/>
+          <a:ln w="19050">
+            <a:solidFill>
+              <a:schemeClr val="tx1"/>
+            </a:solidFill>
+          </a:ln>
+        </p:spPr>
+        <p:style>
+          <a:lnRef idx="2">
+            <a:schemeClr val="accent1">
+              <a:shade val="50000"/>
+            </a:schemeClr>
+          </a:lnRef>
+          <a:fillRef idx="1">
+            <a:schemeClr val="accent1"/>
+          </a:fillRef>
+          <a:effectRef idx="0">
+            <a:schemeClr val="accent1"/>
+          </a:effectRef>
+          <a:fontRef idx="minor">
+            <a:schemeClr val="lt1"/>
+          </a:fontRef>
+        </p:style>
+        <p:txBody>
+          <a:bodyPr rtlCol="0" anchor="ctr"/>
+          <a:lstStyle/>
+          <a:p>
+            <a:pPr algn="ctr"/>
+            <a:r>
+              <a:rPr lang="en-IN" b="1" dirty="0" smtClean="0">
+                <a:solidFill>
+                  <a:schemeClr val="tx1"/>
+                </a:solidFill>
+              </a:rPr>
+              <a:t>1</a:t>
+            </a:r>
+            <a:endParaRPr lang="en-US" b="1" dirty="0">
+              <a:solidFill>
+                <a:schemeClr val="tx1"/>
+              </a:solidFill>
+            </a:endParaRPr>
+          </a:p>
+        </p:txBody>
+      </p:sp>
+      <p:sp>
+        <p:nvSpPr>
+          <p:cNvPr id="32" name="Oval 31"/>
+          <p:cNvSpPr/>
+          <p:nvPr/>
+        </p:nvSpPr>
+        <p:spPr>
+          <a:xfrm>
+            <a:off x="6997330" y="4494024"/>
+            <a:ext cx="535578" cy="522514"/>
+          </a:xfrm>
+          <a:prstGeom prst="ellipse">
+            <a:avLst/>
+          </a:prstGeom>
+          <a:noFill/>
+          <a:ln w="19050">
+            <a:solidFill>
+              <a:schemeClr val="tx1"/>
+            </a:solidFill>
+          </a:ln>
+        </p:spPr>
+        <p:style>
+          <a:lnRef idx="2">
+            <a:schemeClr val="accent1">
+              <a:shade val="50000"/>
+            </a:schemeClr>
+          </a:lnRef>
+          <a:fillRef idx="1">
+            <a:schemeClr val="accent1"/>
+          </a:fillRef>
+          <a:effectRef idx="0">
+            <a:schemeClr val="accent1"/>
+          </a:effectRef>
+          <a:fontRef idx="minor">
+            <a:schemeClr val="lt1"/>
+          </a:fontRef>
+        </p:style>
+        <p:txBody>
+          <a:bodyPr rtlCol="0" anchor="ctr"/>
+          <a:lstStyle/>
+          <a:p>
+            <a:pPr algn="ctr"/>
+            <a:r>
+              <a:rPr lang="en-IN" b="1" dirty="0" smtClean="0">
+                <a:solidFill>
+                  <a:schemeClr val="tx1"/>
+                </a:solidFill>
+              </a:rPr>
+              <a:t>4</a:t>
+            </a:r>
+            <a:endParaRPr lang="en-US" b="1" dirty="0">
+              <a:solidFill>
+                <a:schemeClr val="tx1"/>
+              </a:solidFill>
+            </a:endParaRPr>
+          </a:p>
+        </p:txBody>
+      </p:sp>
+      <p:sp>
+        <p:nvSpPr>
+          <p:cNvPr id="33" name="Oval 32"/>
+          <p:cNvSpPr/>
+          <p:nvPr/>
+        </p:nvSpPr>
+        <p:spPr>
+          <a:xfrm>
+            <a:off x="7898665" y="3122418"/>
+            <a:ext cx="535578" cy="522514"/>
+          </a:xfrm>
+          <a:prstGeom prst="ellipse">
+            <a:avLst/>
+          </a:prstGeom>
+          <a:noFill/>
+          <a:ln w="19050">
+            <a:solidFill>
+              <a:schemeClr val="tx1"/>
+            </a:solidFill>
+          </a:ln>
+        </p:spPr>
+        <p:style>
+          <a:lnRef idx="2">
+            <a:schemeClr val="accent1">
+              <a:shade val="50000"/>
+            </a:schemeClr>
+          </a:lnRef>
+          <a:fillRef idx="1">
+            <a:schemeClr val="accent1"/>
+          </a:fillRef>
+          <a:effectRef idx="0">
+            <a:schemeClr val="accent1"/>
+          </a:effectRef>
+          <a:fontRef idx="minor">
+            <a:schemeClr val="lt1"/>
+          </a:fontRef>
+        </p:style>
+        <p:txBody>
+          <a:bodyPr rtlCol="0" anchor="ctr"/>
+          <a:lstStyle/>
+          <a:p>
+            <a:pPr algn="ctr"/>
+            <a:r>
+              <a:rPr lang="en-IN" b="1" dirty="0" smtClean="0">
+                <a:solidFill>
+                  <a:schemeClr val="tx1"/>
+                </a:solidFill>
+              </a:rPr>
+              <a:t>2</a:t>
+            </a:r>
+            <a:endParaRPr lang="en-US" b="1" dirty="0">
+              <a:solidFill>
+                <a:schemeClr val="tx1"/>
+              </a:solidFill>
+            </a:endParaRPr>
+          </a:p>
+        </p:txBody>
+      </p:sp>
+      <p:cxnSp>
+        <p:nvCxnSpPr>
+          <p:cNvPr id="35" name="Straight Arrow Connector 34"/>
+          <p:cNvCxnSpPr>
+            <a:stCxn id="30" idx="4"/>
+            <a:endCxn id="31" idx="0"/>
+          </p:cNvCxnSpPr>
+          <p:nvPr/>
+        </p:nvCxnSpPr>
+        <p:spPr>
+          <a:xfrm flipH="1">
+            <a:off x="7256412" y="3013566"/>
+            <a:ext cx="4356" cy="492034"/>
+          </a:xfrm>
+          <a:prstGeom prst="straightConnector1">
+            <a:avLst/>
+          </a:prstGeom>
+          <a:ln w="19050">
+            <a:solidFill>
+              <a:schemeClr val="tx1"/>
+            </a:solidFill>
+            <a:tailEnd type="triangle"/>
+          </a:ln>
+        </p:spPr>
+        <p:style>
+          <a:lnRef idx="1">
+            <a:schemeClr val="accent1"/>
+          </a:lnRef>
+          <a:fillRef idx="0">
+            <a:schemeClr val="accent1"/>
+          </a:fillRef>
+          <a:effectRef idx="0">
+            <a:schemeClr val="accent1"/>
+          </a:effectRef>
+          <a:fontRef idx="minor">
+            <a:schemeClr val="tx1"/>
+          </a:fontRef>
+        </p:style>
+      </p:cxnSp>
+      <p:cxnSp>
+        <p:nvCxnSpPr>
+          <p:cNvPr id="36" name="Straight Arrow Connector 35"/>
+          <p:cNvCxnSpPr>
+            <a:stCxn id="31" idx="4"/>
+            <a:endCxn id="32" idx="0"/>
+          </p:cNvCxnSpPr>
+          <p:nvPr/>
+        </p:nvCxnSpPr>
+        <p:spPr>
+          <a:xfrm>
+            <a:off x="7256412" y="4028114"/>
+            <a:ext cx="8707" cy="465910"/>
+          </a:xfrm>
+          <a:prstGeom prst="straightConnector1">
+            <a:avLst/>
+          </a:prstGeom>
+          <a:ln w="19050">
+            <a:solidFill>
+              <a:schemeClr val="tx1"/>
+            </a:solidFill>
+            <a:tailEnd type="triangle"/>
+          </a:ln>
+        </p:spPr>
+        <p:style>
+          <a:lnRef idx="1">
+            <a:schemeClr val="accent1"/>
+          </a:lnRef>
+          <a:fillRef idx="0">
+            <a:schemeClr val="accent1"/>
+          </a:fillRef>
+          <a:effectRef idx="0">
+            <a:schemeClr val="accent1"/>
+          </a:effectRef>
+          <a:fontRef idx="minor">
+            <a:schemeClr val="tx1"/>
+          </a:fontRef>
+        </p:style>
+      </p:cxnSp>
+      <p:cxnSp>
+        <p:nvCxnSpPr>
+          <p:cNvPr id="37" name="Straight Arrow Connector 36"/>
+          <p:cNvCxnSpPr>
+            <a:stCxn id="30" idx="5"/>
+            <a:endCxn id="33" idx="1"/>
+          </p:cNvCxnSpPr>
+          <p:nvPr/>
+        </p:nvCxnSpPr>
+        <p:spPr>
+          <a:xfrm>
+            <a:off x="7450123" y="2937046"/>
+            <a:ext cx="526976" cy="261892"/>
+          </a:xfrm>
+          <a:prstGeom prst="straightConnector1">
+            <a:avLst/>
+          </a:prstGeom>
+          <a:ln w="19050">
+            <a:solidFill>
+              <a:schemeClr val="tx1"/>
+            </a:solidFill>
+            <a:tailEnd type="triangle"/>
+          </a:ln>
+        </p:spPr>
+        <p:style>
+          <a:lnRef idx="1">
+            <a:schemeClr val="accent1"/>
+          </a:lnRef>
+          <a:fillRef idx="0">
+            <a:schemeClr val="accent1"/>
+          </a:fillRef>
+          <a:effectRef idx="0">
+            <a:schemeClr val="accent1"/>
+          </a:effectRef>
+          <a:fontRef idx="minor">
+            <a:schemeClr val="tx1"/>
+          </a:fontRef>
+        </p:style>
+      </p:cxnSp>
+      <p:sp>
+        <p:nvSpPr>
+          <p:cNvPr id="39" name="Oval 38"/>
+          <p:cNvSpPr/>
+          <p:nvPr/>
+        </p:nvSpPr>
+        <p:spPr>
+          <a:xfrm>
+            <a:off x="4885499" y="2486696"/>
+            <a:ext cx="535578" cy="522514"/>
+          </a:xfrm>
+          <a:prstGeom prst="ellipse">
+            <a:avLst/>
+          </a:prstGeom>
+          <a:noFill/>
+          <a:ln w="19050">
+            <a:solidFill>
+              <a:schemeClr val="tx1"/>
+            </a:solidFill>
+          </a:ln>
+        </p:spPr>
+        <p:style>
+          <a:lnRef idx="2">
+            <a:schemeClr val="accent1">
+              <a:shade val="50000"/>
+            </a:schemeClr>
+          </a:lnRef>
+          <a:fillRef idx="1">
+            <a:schemeClr val="accent1"/>
+          </a:fillRef>
+          <a:effectRef idx="0">
+            <a:schemeClr val="accent1"/>
+          </a:effectRef>
+          <a:fontRef idx="minor">
+            <a:schemeClr val="lt1"/>
+          </a:fontRef>
+        </p:style>
+        <p:txBody>
+          <a:bodyPr rtlCol="0" anchor="ctr"/>
+          <a:lstStyle/>
+          <a:p>
+            <a:pPr algn="ctr"/>
+            <a:r>
+              <a:rPr lang="en-IN" b="1" dirty="0" smtClean="0">
+                <a:solidFill>
+                  <a:schemeClr val="tx1"/>
+                </a:solidFill>
+              </a:rPr>
+              <a:t>0</a:t>
+            </a:r>
+            <a:endParaRPr lang="en-US" b="1" dirty="0">
+              <a:solidFill>
+                <a:schemeClr val="tx1"/>
+              </a:solidFill>
+            </a:endParaRPr>
+          </a:p>
+        </p:txBody>
+      </p:sp>
+      <p:sp>
+        <p:nvSpPr>
+          <p:cNvPr id="40" name="Oval 39"/>
+          <p:cNvSpPr/>
+          <p:nvPr/>
+        </p:nvSpPr>
+        <p:spPr>
+          <a:xfrm>
+            <a:off x="4881143" y="3501244"/>
+            <a:ext cx="535578" cy="522514"/>
+          </a:xfrm>
+          <a:prstGeom prst="ellipse">
+            <a:avLst/>
+          </a:prstGeom>
+          <a:noFill/>
+          <a:ln w="19050">
+            <a:solidFill>
+              <a:schemeClr val="tx1"/>
+            </a:solidFill>
+          </a:ln>
+        </p:spPr>
+        <p:style>
+          <a:lnRef idx="2">
+            <a:schemeClr val="accent1">
+              <a:shade val="50000"/>
+            </a:schemeClr>
+          </a:lnRef>
+          <a:fillRef idx="1">
+            <a:schemeClr val="accent1"/>
+          </a:fillRef>
+          <a:effectRef idx="0">
+            <a:schemeClr val="accent1"/>
+          </a:effectRef>
+          <a:fontRef idx="minor">
+            <a:schemeClr val="lt1"/>
+          </a:fontRef>
+        </p:style>
+        <p:txBody>
+          <a:bodyPr rtlCol="0" anchor="ctr"/>
+          <a:lstStyle/>
+          <a:p>
+            <a:pPr algn="ctr"/>
+            <a:r>
+              <a:rPr lang="en-IN" b="1" dirty="0" smtClean="0">
+                <a:solidFill>
+                  <a:schemeClr val="tx1"/>
+                </a:solidFill>
+              </a:rPr>
+              <a:t>1</a:t>
+            </a:r>
+            <a:endParaRPr lang="en-US" b="1" dirty="0">
+              <a:solidFill>
+                <a:schemeClr val="tx1"/>
+              </a:solidFill>
+            </a:endParaRPr>
+          </a:p>
+        </p:txBody>
+      </p:sp>
+      <p:sp>
+        <p:nvSpPr>
+          <p:cNvPr id="41" name="Oval 40"/>
+          <p:cNvSpPr/>
+          <p:nvPr/>
+        </p:nvSpPr>
+        <p:spPr>
+          <a:xfrm>
+            <a:off x="4889850" y="4489668"/>
+            <a:ext cx="535578" cy="522514"/>
+          </a:xfrm>
+          <a:prstGeom prst="ellipse">
+            <a:avLst/>
+          </a:prstGeom>
+          <a:noFill/>
+          <a:ln w="19050">
+            <a:solidFill>
+              <a:schemeClr val="tx1"/>
+            </a:solidFill>
+          </a:ln>
+        </p:spPr>
+        <p:style>
+          <a:lnRef idx="2">
+            <a:schemeClr val="accent1">
+              <a:shade val="50000"/>
+            </a:schemeClr>
+          </a:lnRef>
+          <a:fillRef idx="1">
+            <a:schemeClr val="accent1"/>
+          </a:fillRef>
+          <a:effectRef idx="0">
+            <a:schemeClr val="accent1"/>
+          </a:effectRef>
+          <a:fontRef idx="minor">
+            <a:schemeClr val="lt1"/>
+          </a:fontRef>
+        </p:style>
+        <p:txBody>
+          <a:bodyPr rtlCol="0" anchor="ctr"/>
+          <a:lstStyle/>
+          <a:p>
+            <a:pPr algn="ctr"/>
+            <a:r>
+              <a:rPr lang="en-IN" b="1" dirty="0" smtClean="0">
+                <a:solidFill>
+                  <a:schemeClr val="tx1"/>
+                </a:solidFill>
+              </a:rPr>
+              <a:t>4</a:t>
+            </a:r>
+            <a:endParaRPr lang="en-US" b="1" dirty="0">
+              <a:solidFill>
+                <a:schemeClr val="tx1"/>
+              </a:solidFill>
+            </a:endParaRPr>
+          </a:p>
+        </p:txBody>
+      </p:sp>
+      <p:cxnSp>
+        <p:nvCxnSpPr>
+          <p:cNvPr id="44" name="Straight Arrow Connector 43"/>
+          <p:cNvCxnSpPr>
+            <a:stCxn id="39" idx="4"/>
+            <a:endCxn id="40" idx="0"/>
+          </p:cNvCxnSpPr>
+          <p:nvPr/>
+        </p:nvCxnSpPr>
+        <p:spPr>
+          <a:xfrm flipH="1">
+            <a:off x="5148932" y="3009210"/>
+            <a:ext cx="4356" cy="492034"/>
+          </a:xfrm>
+          <a:prstGeom prst="straightConnector1">
+            <a:avLst/>
+          </a:prstGeom>
+          <a:ln w="19050">
+            <a:solidFill>
+              <a:schemeClr val="tx1"/>
+            </a:solidFill>
+            <a:tailEnd type="triangle"/>
+          </a:ln>
+        </p:spPr>
+        <p:style>
+          <a:lnRef idx="1">
+            <a:schemeClr val="accent1"/>
+          </a:lnRef>
+          <a:fillRef idx="0">
+            <a:schemeClr val="accent1"/>
+          </a:fillRef>
+          <a:effectRef idx="0">
+            <a:schemeClr val="accent1"/>
+          </a:effectRef>
+          <a:fontRef idx="minor">
+            <a:schemeClr val="tx1"/>
+          </a:fontRef>
+        </p:style>
+      </p:cxnSp>
+      <p:cxnSp>
+        <p:nvCxnSpPr>
+          <p:cNvPr id="45" name="Straight Arrow Connector 44"/>
+          <p:cNvCxnSpPr>
+            <a:stCxn id="40" idx="4"/>
+            <a:endCxn id="41" idx="0"/>
+          </p:cNvCxnSpPr>
+          <p:nvPr/>
+        </p:nvCxnSpPr>
+        <p:spPr>
+          <a:xfrm>
+            <a:off x="5148932" y="4023758"/>
+            <a:ext cx="8707" cy="465910"/>
+          </a:xfrm>
+          <a:prstGeom prst="straightConnector1">
+            <a:avLst/>
+          </a:prstGeom>
+          <a:ln w="19050">
+            <a:solidFill>
+              <a:schemeClr val="tx1"/>
+            </a:solidFill>
+            <a:tailEnd type="triangle"/>
+          </a:ln>
+        </p:spPr>
+        <p:style>
+          <a:lnRef idx="1">
+            <a:schemeClr val="accent1"/>
+          </a:lnRef>
+          <a:fillRef idx="0">
+            <a:schemeClr val="accent1"/>
+          </a:fillRef>
+          <a:effectRef idx="0">
+            <a:schemeClr val="accent1"/>
+          </a:effectRef>
+          <a:fontRef idx="minor">
+            <a:schemeClr val="tx1"/>
+          </a:fontRef>
+        </p:style>
+      </p:cxnSp>
+      <p:sp>
+        <p:nvSpPr>
+          <p:cNvPr id="48" name="Oval 47"/>
+          <p:cNvSpPr/>
+          <p:nvPr/>
+        </p:nvSpPr>
+        <p:spPr>
+          <a:xfrm>
+            <a:off x="2895588" y="2508466"/>
+            <a:ext cx="535578" cy="522514"/>
+          </a:xfrm>
+          <a:prstGeom prst="ellipse">
+            <a:avLst/>
+          </a:prstGeom>
+          <a:noFill/>
+          <a:ln w="19050">
+            <a:solidFill>
+              <a:schemeClr val="tx1"/>
+            </a:solidFill>
+          </a:ln>
+        </p:spPr>
+        <p:style>
+          <a:lnRef idx="2">
+            <a:schemeClr val="accent1">
+              <a:shade val="50000"/>
+            </a:schemeClr>
+          </a:lnRef>
+          <a:fillRef idx="1">
+            <a:schemeClr val="accent1"/>
+          </a:fillRef>
+          <a:effectRef idx="0">
+            <a:schemeClr val="accent1"/>
+          </a:effectRef>
+          <a:fontRef idx="minor">
+            <a:schemeClr val="lt1"/>
+          </a:fontRef>
+        </p:style>
+        <p:txBody>
+          <a:bodyPr rtlCol="0" anchor="ctr"/>
+          <a:lstStyle/>
+          <a:p>
+            <a:pPr algn="ctr"/>
+            <a:r>
+              <a:rPr lang="en-IN" b="1" dirty="0" smtClean="0">
+                <a:solidFill>
+                  <a:schemeClr val="tx1"/>
+                </a:solidFill>
+              </a:rPr>
+              <a:t>0</a:t>
+            </a:r>
+            <a:endParaRPr lang="en-US" b="1" dirty="0">
+              <a:solidFill>
+                <a:schemeClr val="tx1"/>
+              </a:solidFill>
+            </a:endParaRPr>
+          </a:p>
+        </p:txBody>
+      </p:sp>
+      <p:sp>
+        <p:nvSpPr>
+          <p:cNvPr id="49" name="Oval 48"/>
+          <p:cNvSpPr/>
+          <p:nvPr/>
+        </p:nvSpPr>
+        <p:spPr>
+          <a:xfrm>
+            <a:off x="2891232" y="3523014"/>
+            <a:ext cx="535578" cy="522514"/>
+          </a:xfrm>
+          <a:prstGeom prst="ellipse">
+            <a:avLst/>
+          </a:prstGeom>
+          <a:noFill/>
+          <a:ln w="19050">
+            <a:solidFill>
+              <a:schemeClr val="tx1"/>
+            </a:solidFill>
+          </a:ln>
+        </p:spPr>
+        <p:style>
+          <a:lnRef idx="2">
+            <a:schemeClr val="accent1">
+              <a:shade val="50000"/>
+            </a:schemeClr>
+          </a:lnRef>
+          <a:fillRef idx="1">
+            <a:schemeClr val="accent1"/>
+          </a:fillRef>
+          <a:effectRef idx="0">
+            <a:schemeClr val="accent1"/>
+          </a:effectRef>
+          <a:fontRef idx="minor">
+            <a:schemeClr val="lt1"/>
+          </a:fontRef>
+        </p:style>
+        <p:txBody>
+          <a:bodyPr rtlCol="0" anchor="ctr"/>
+          <a:lstStyle/>
+          <a:p>
+            <a:pPr algn="ctr"/>
+            <a:r>
+              <a:rPr lang="en-IN" b="1" dirty="0" smtClean="0">
+                <a:solidFill>
+                  <a:schemeClr val="tx1"/>
+                </a:solidFill>
+              </a:rPr>
+              <a:t>1</a:t>
+            </a:r>
+            <a:endParaRPr lang="en-US" b="1" dirty="0">
+              <a:solidFill>
+                <a:schemeClr val="tx1"/>
+              </a:solidFill>
+            </a:endParaRPr>
+          </a:p>
+        </p:txBody>
+      </p:sp>
+      <p:cxnSp>
+        <p:nvCxnSpPr>
+          <p:cNvPr id="53" name="Straight Arrow Connector 52"/>
+          <p:cNvCxnSpPr>
+            <a:stCxn id="48" idx="4"/>
+            <a:endCxn id="49" idx="0"/>
+          </p:cNvCxnSpPr>
+          <p:nvPr/>
+        </p:nvCxnSpPr>
+        <p:spPr>
+          <a:xfrm flipH="1">
+            <a:off x="3159021" y="3030980"/>
+            <a:ext cx="4356" cy="492034"/>
+          </a:xfrm>
+          <a:prstGeom prst="straightConnector1">
+            <a:avLst/>
+          </a:prstGeom>
+          <a:ln w="19050">
+            <a:solidFill>
+              <a:schemeClr val="tx1"/>
+            </a:solidFill>
+            <a:tailEnd type="triangle"/>
+          </a:ln>
+        </p:spPr>
+        <p:style>
+          <a:lnRef idx="1">
+            <a:schemeClr val="accent1"/>
+          </a:lnRef>
+          <a:fillRef idx="0">
+            <a:schemeClr val="accent1"/>
+          </a:fillRef>
+          <a:effectRef idx="0">
+            <a:schemeClr val="accent1"/>
+          </a:effectRef>
+          <a:fontRef idx="minor">
+            <a:schemeClr val="tx1"/>
+          </a:fontRef>
+        </p:style>
+      </p:cxnSp>
+    </p:spTree>
+    <p:extLst>
+      <p:ext uri="{BB962C8B-B14F-4D97-AF65-F5344CB8AC3E}">
+        <p14:creationId xmlns:p14="http://schemas.microsoft.com/office/powerpoint/2010/main" val="1023247681"/>
+      </p:ext>
+    </p:extLst>
+  </p:cSld>
+  <p:clrMapOvr>
+    <a:masterClrMapping/>
+  </p:clrMapOvr>
+</p:sld>
+</file>
+
+<file path=ppt/slides/slide13.xml><?xml version="1.0" encoding="utf-8"?>
+<p:sld xmlns:a="http://schemas.openxmlformats.org/drawingml/2006/main" xmlns:r="http://schemas.openxmlformats.org/officeDocument/2006/relationships" xmlns:p="http://schemas.openxmlformats.org/presentationml/2006/main">
+  <p:cSld>
+    <p:spTree>
+      <p:nvGrpSpPr>
+        <p:cNvPr id="1" name=""/>
+        <p:cNvGrpSpPr/>
+        <p:nvPr/>
+      </p:nvGrpSpPr>
+      <p:grpSpPr>
+        <a:xfrm>
+          <a:off x="0" y="0"/>
+          <a:ext cx="0" cy="0"/>
+          <a:chOff x="0" y="0"/>
+          <a:chExt cx="0" cy="0"/>
+        </a:xfrm>
+      </p:grpSpPr>
+      <p:sp>
+        <p:nvSpPr>
+          <p:cNvPr id="2" name="Title 1"/>
+          <p:cNvSpPr>
+            <a:spLocks noGrp="1"/>
+          </p:cNvSpPr>
+          <p:nvPr>
+            <p:ph type="title"/>
+          </p:nvPr>
+        </p:nvSpPr>
+        <p:spPr/>
+        <p:txBody>
+          <a:bodyPr/>
+          <a:lstStyle/>
+          <a:p>
+            <a:r>
+              <a:rPr lang="en-IN" dirty="0" smtClean="0"/>
+              <a:t>BFS</a:t>
+            </a:r>
+            <a:endParaRPr lang="en-US" dirty="0"/>
+          </a:p>
+        </p:txBody>
+      </p:sp>
+      <p:sp>
+        <p:nvSpPr>
+          <p:cNvPr id="3" name="Oval 2"/>
+          <p:cNvSpPr/>
+          <p:nvPr/>
+        </p:nvSpPr>
+        <p:spPr>
+          <a:xfrm>
+            <a:off x="9845040" y="2482345"/>
+            <a:ext cx="535578" cy="522514"/>
+          </a:xfrm>
+          <a:prstGeom prst="ellipse">
+            <a:avLst/>
+          </a:prstGeom>
+          <a:noFill/>
+          <a:ln w="19050">
+            <a:solidFill>
+              <a:schemeClr val="tx1"/>
+            </a:solidFill>
+          </a:ln>
+        </p:spPr>
+        <p:style>
+          <a:lnRef idx="2">
+            <a:schemeClr val="accent1">
+              <a:shade val="50000"/>
+            </a:schemeClr>
+          </a:lnRef>
+          <a:fillRef idx="1">
+            <a:schemeClr val="accent1"/>
+          </a:fillRef>
+          <a:effectRef idx="0">
+            <a:schemeClr val="accent1"/>
+          </a:effectRef>
+          <a:fontRef idx="minor">
+            <a:schemeClr val="lt1"/>
+          </a:fontRef>
+        </p:style>
+        <p:txBody>
+          <a:bodyPr rtlCol="0" anchor="ctr"/>
+          <a:lstStyle/>
+          <a:p>
+            <a:pPr algn="ctr"/>
+            <a:r>
+              <a:rPr lang="en-IN" b="1" dirty="0" smtClean="0">
+                <a:solidFill>
+                  <a:schemeClr val="tx1"/>
+                </a:solidFill>
+              </a:rPr>
+              <a:t>0</a:t>
+            </a:r>
+            <a:endParaRPr lang="en-US" b="1" dirty="0">
+              <a:solidFill>
+                <a:schemeClr val="tx1"/>
+              </a:solidFill>
+            </a:endParaRPr>
+          </a:p>
+        </p:txBody>
+      </p:sp>
+      <p:sp>
+        <p:nvSpPr>
+          <p:cNvPr id="4" name="Oval 3"/>
+          <p:cNvSpPr/>
+          <p:nvPr/>
+        </p:nvSpPr>
+        <p:spPr>
+          <a:xfrm>
+            <a:off x="9174479" y="3366263"/>
+            <a:ext cx="535578" cy="522514"/>
+          </a:xfrm>
+          <a:prstGeom prst="ellipse">
+            <a:avLst/>
+          </a:prstGeom>
+          <a:noFill/>
+          <a:ln w="19050">
+            <a:solidFill>
+              <a:schemeClr val="tx1"/>
+            </a:solidFill>
+          </a:ln>
+        </p:spPr>
+        <p:style>
+          <a:lnRef idx="2">
+            <a:schemeClr val="accent1">
+              <a:shade val="50000"/>
+            </a:schemeClr>
+          </a:lnRef>
+          <a:fillRef idx="1">
+            <a:schemeClr val="accent1"/>
+          </a:fillRef>
+          <a:effectRef idx="0">
+            <a:schemeClr val="accent1"/>
+          </a:effectRef>
+          <a:fontRef idx="minor">
+            <a:schemeClr val="lt1"/>
+          </a:fontRef>
+        </p:style>
+        <p:txBody>
+          <a:bodyPr rtlCol="0" anchor="ctr"/>
+          <a:lstStyle/>
+          <a:p>
+            <a:pPr algn="ctr"/>
+            <a:r>
+              <a:rPr lang="en-IN" b="1" dirty="0" smtClean="0">
+                <a:solidFill>
+                  <a:schemeClr val="tx1"/>
+                </a:solidFill>
+              </a:rPr>
+              <a:t>1</a:t>
+            </a:r>
+            <a:endParaRPr lang="en-US" b="1" dirty="0">
+              <a:solidFill>
+                <a:schemeClr val="tx1"/>
+              </a:solidFill>
+            </a:endParaRPr>
+          </a:p>
+        </p:txBody>
+      </p:sp>
+      <p:sp>
+        <p:nvSpPr>
+          <p:cNvPr id="5" name="Oval 4"/>
+          <p:cNvSpPr/>
+          <p:nvPr/>
+        </p:nvSpPr>
+        <p:spPr>
+          <a:xfrm>
+            <a:off x="9183186" y="4354687"/>
+            <a:ext cx="535578" cy="522514"/>
+          </a:xfrm>
+          <a:prstGeom prst="ellipse">
+            <a:avLst/>
+          </a:prstGeom>
+          <a:noFill/>
+          <a:ln w="19050">
+            <a:solidFill>
+              <a:schemeClr val="tx1"/>
+            </a:solidFill>
+          </a:ln>
+        </p:spPr>
+        <p:style>
+          <a:lnRef idx="2">
+            <a:schemeClr val="accent1">
+              <a:shade val="50000"/>
+            </a:schemeClr>
+          </a:lnRef>
+          <a:fillRef idx="1">
+            <a:schemeClr val="accent1"/>
+          </a:fillRef>
+          <a:effectRef idx="0">
+            <a:schemeClr val="accent1"/>
+          </a:effectRef>
+          <a:fontRef idx="minor">
+            <a:schemeClr val="lt1"/>
+          </a:fontRef>
+        </p:style>
+        <p:txBody>
+          <a:bodyPr rtlCol="0" anchor="ctr"/>
+          <a:lstStyle/>
+          <a:p>
+            <a:pPr algn="ctr"/>
+            <a:r>
+              <a:rPr lang="en-IN" b="1" dirty="0" smtClean="0">
+                <a:solidFill>
+                  <a:schemeClr val="tx1"/>
+                </a:solidFill>
+              </a:rPr>
+              <a:t>4</a:t>
+            </a:r>
+            <a:endParaRPr lang="en-US" b="1" dirty="0">
+              <a:solidFill>
+                <a:schemeClr val="tx1"/>
+              </a:solidFill>
+            </a:endParaRPr>
+          </a:p>
+        </p:txBody>
+      </p:sp>
+      <p:sp>
+        <p:nvSpPr>
+          <p:cNvPr id="6" name="Oval 5"/>
+          <p:cNvSpPr/>
+          <p:nvPr/>
+        </p:nvSpPr>
+        <p:spPr>
+          <a:xfrm>
+            <a:off x="10724600" y="3296593"/>
+            <a:ext cx="535578" cy="522514"/>
+          </a:xfrm>
+          <a:prstGeom prst="ellipse">
+            <a:avLst/>
+          </a:prstGeom>
+          <a:noFill/>
+          <a:ln w="19050">
+            <a:solidFill>
+              <a:schemeClr val="tx1"/>
+            </a:solidFill>
+          </a:ln>
+        </p:spPr>
+        <p:style>
+          <a:lnRef idx="2">
+            <a:schemeClr val="accent1">
+              <a:shade val="50000"/>
+            </a:schemeClr>
+          </a:lnRef>
+          <a:fillRef idx="1">
+            <a:schemeClr val="accent1"/>
+          </a:fillRef>
+          <a:effectRef idx="0">
+            <a:schemeClr val="accent1"/>
+          </a:effectRef>
+          <a:fontRef idx="minor">
+            <a:schemeClr val="lt1"/>
+          </a:fontRef>
+        </p:style>
+        <p:txBody>
+          <a:bodyPr rtlCol="0" anchor="ctr"/>
+          <a:lstStyle/>
+          <a:p>
+            <a:pPr algn="ctr"/>
+            <a:r>
+              <a:rPr lang="en-IN" b="1" dirty="0" smtClean="0">
+                <a:solidFill>
+                  <a:schemeClr val="tx1"/>
+                </a:solidFill>
+              </a:rPr>
+              <a:t>2</a:t>
+            </a:r>
+            <a:endParaRPr lang="en-US" b="1" dirty="0">
+              <a:solidFill>
+                <a:schemeClr val="tx1"/>
+              </a:solidFill>
+            </a:endParaRPr>
+          </a:p>
+        </p:txBody>
+      </p:sp>
+      <p:sp>
+        <p:nvSpPr>
+          <p:cNvPr id="7" name="Oval 6"/>
+          <p:cNvSpPr/>
+          <p:nvPr/>
+        </p:nvSpPr>
+        <p:spPr>
+          <a:xfrm>
+            <a:off x="11112131" y="1855321"/>
+            <a:ext cx="535578" cy="522514"/>
+          </a:xfrm>
+          <a:prstGeom prst="ellipse">
+            <a:avLst/>
+          </a:prstGeom>
+          <a:noFill/>
+          <a:ln w="19050">
+            <a:solidFill>
+              <a:schemeClr val="tx1"/>
+            </a:solidFill>
+          </a:ln>
+        </p:spPr>
+        <p:style>
+          <a:lnRef idx="2">
+            <a:schemeClr val="accent1">
+              <a:shade val="50000"/>
+            </a:schemeClr>
+          </a:lnRef>
+          <a:fillRef idx="1">
+            <a:schemeClr val="accent1"/>
+          </a:fillRef>
+          <a:effectRef idx="0">
+            <a:schemeClr val="accent1"/>
+          </a:effectRef>
+          <a:fontRef idx="minor">
+            <a:schemeClr val="lt1"/>
+          </a:fontRef>
+        </p:style>
+        <p:txBody>
+          <a:bodyPr rtlCol="0" anchor="ctr"/>
+          <a:lstStyle/>
+          <a:p>
+            <a:pPr algn="ctr"/>
+            <a:r>
+              <a:rPr lang="en-IN" b="1" dirty="0" smtClean="0">
+                <a:solidFill>
+                  <a:schemeClr val="tx1"/>
+                </a:solidFill>
+              </a:rPr>
+              <a:t>3</a:t>
+            </a:r>
+            <a:endParaRPr lang="en-US" b="1" dirty="0">
+              <a:solidFill>
+                <a:schemeClr val="tx1"/>
+              </a:solidFill>
+            </a:endParaRPr>
+          </a:p>
+        </p:txBody>
+      </p:sp>
+      <p:cxnSp>
+        <p:nvCxnSpPr>
+          <p:cNvPr id="8" name="Straight Arrow Connector 7"/>
+          <p:cNvCxnSpPr>
+            <a:stCxn id="3" idx="4"/>
+            <a:endCxn id="4" idx="0"/>
+          </p:cNvCxnSpPr>
+          <p:nvPr/>
+        </p:nvCxnSpPr>
+        <p:spPr>
+          <a:xfrm flipH="1">
+            <a:off x="9442268" y="3004859"/>
+            <a:ext cx="670561" cy="361404"/>
+          </a:xfrm>
+          <a:prstGeom prst="straightConnector1">
+            <a:avLst/>
+          </a:prstGeom>
+          <a:ln w="19050">
+            <a:solidFill>
+              <a:schemeClr val="tx1"/>
+            </a:solidFill>
+            <a:tailEnd type="triangle"/>
+          </a:ln>
+        </p:spPr>
+        <p:style>
+          <a:lnRef idx="1">
+            <a:schemeClr val="accent1"/>
+          </a:lnRef>
+          <a:fillRef idx="0">
+            <a:schemeClr val="accent1"/>
+          </a:fillRef>
+          <a:effectRef idx="0">
+            <a:schemeClr val="accent1"/>
+          </a:effectRef>
+          <a:fontRef idx="minor">
+            <a:schemeClr val="tx1"/>
+          </a:fontRef>
+        </p:style>
+      </p:cxnSp>
+      <p:cxnSp>
+        <p:nvCxnSpPr>
+          <p:cNvPr id="9" name="Straight Arrow Connector 8"/>
+          <p:cNvCxnSpPr>
+            <a:stCxn id="4" idx="4"/>
+            <a:endCxn id="5" idx="0"/>
+          </p:cNvCxnSpPr>
+          <p:nvPr/>
+        </p:nvCxnSpPr>
+        <p:spPr>
+          <a:xfrm>
+            <a:off x="9442268" y="3888777"/>
+            <a:ext cx="8707" cy="465910"/>
+          </a:xfrm>
+          <a:prstGeom prst="straightConnector1">
+            <a:avLst/>
+          </a:prstGeom>
+          <a:ln w="19050">
+            <a:solidFill>
+              <a:schemeClr val="tx1"/>
+            </a:solidFill>
+            <a:tailEnd type="triangle"/>
+          </a:ln>
+        </p:spPr>
+        <p:style>
+          <a:lnRef idx="1">
+            <a:schemeClr val="accent1"/>
+          </a:lnRef>
+          <a:fillRef idx="0">
+            <a:schemeClr val="accent1"/>
+          </a:fillRef>
+          <a:effectRef idx="0">
+            <a:schemeClr val="accent1"/>
+          </a:effectRef>
+          <a:fontRef idx="minor">
+            <a:schemeClr val="tx1"/>
+          </a:fontRef>
+        </p:style>
+      </p:cxnSp>
+      <p:cxnSp>
+        <p:nvCxnSpPr>
+          <p:cNvPr id="10" name="Straight Arrow Connector 9"/>
+          <p:cNvCxnSpPr>
+            <a:stCxn id="3" idx="4"/>
+            <a:endCxn id="6" idx="1"/>
+          </p:cNvCxnSpPr>
+          <p:nvPr/>
+        </p:nvCxnSpPr>
+        <p:spPr>
+          <a:xfrm>
+            <a:off x="10112829" y="3004859"/>
+            <a:ext cx="690205" cy="368254"/>
+          </a:xfrm>
+          <a:prstGeom prst="straightConnector1">
+            <a:avLst/>
+          </a:prstGeom>
+          <a:ln w="19050">
+            <a:solidFill>
+              <a:schemeClr val="tx1"/>
+            </a:solidFill>
+            <a:tailEnd type="triangle"/>
+          </a:ln>
+        </p:spPr>
+        <p:style>
+          <a:lnRef idx="1">
+            <a:schemeClr val="accent1"/>
+          </a:lnRef>
+          <a:fillRef idx="0">
+            <a:schemeClr val="accent1"/>
+          </a:fillRef>
+          <a:effectRef idx="0">
+            <a:schemeClr val="accent1"/>
+          </a:effectRef>
+          <a:fontRef idx="minor">
+            <a:schemeClr val="tx1"/>
+          </a:fontRef>
+        </p:style>
+      </p:cxnSp>
+      <p:cxnSp>
+        <p:nvCxnSpPr>
+          <p:cNvPr id="11" name="Straight Arrow Connector 10"/>
+          <p:cNvCxnSpPr>
+            <a:stCxn id="7" idx="2"/>
+            <a:endCxn id="3" idx="7"/>
+          </p:cNvCxnSpPr>
+          <p:nvPr/>
+        </p:nvCxnSpPr>
+        <p:spPr>
+          <a:xfrm flipH="1">
+            <a:off x="10302184" y="2116578"/>
+            <a:ext cx="809947" cy="442287"/>
+          </a:xfrm>
+          <a:prstGeom prst="straightConnector1">
+            <a:avLst/>
+          </a:prstGeom>
+          <a:ln w="19050">
+            <a:solidFill>
+              <a:schemeClr val="tx1"/>
+            </a:solidFill>
+            <a:tailEnd type="triangle"/>
+          </a:ln>
+        </p:spPr>
+        <p:style>
+          <a:lnRef idx="1">
+            <a:schemeClr val="accent1"/>
+          </a:lnRef>
+          <a:fillRef idx="0">
+            <a:schemeClr val="accent1"/>
+          </a:fillRef>
+          <a:effectRef idx="0">
+            <a:schemeClr val="accent1"/>
+          </a:effectRef>
+          <a:fontRef idx="minor">
+            <a:schemeClr val="tx1"/>
+          </a:fontRef>
+        </p:style>
+      </p:cxnSp>
+      <p:sp>
+        <p:nvSpPr>
+          <p:cNvPr id="13" name="Oval 12"/>
+          <p:cNvSpPr/>
+          <p:nvPr/>
+        </p:nvSpPr>
+        <p:spPr>
+          <a:xfrm>
+            <a:off x="7097481" y="2477989"/>
+            <a:ext cx="535578" cy="522514"/>
+          </a:xfrm>
+          <a:prstGeom prst="ellipse">
+            <a:avLst/>
+          </a:prstGeom>
+          <a:noFill/>
+          <a:ln w="19050">
+            <a:solidFill>
+              <a:schemeClr val="tx1"/>
+            </a:solidFill>
+          </a:ln>
+        </p:spPr>
+        <p:style>
+          <a:lnRef idx="2">
+            <a:schemeClr val="accent1">
+              <a:shade val="50000"/>
+            </a:schemeClr>
+          </a:lnRef>
+          <a:fillRef idx="1">
+            <a:schemeClr val="accent1"/>
+          </a:fillRef>
+          <a:effectRef idx="0">
+            <a:schemeClr val="accent1"/>
+          </a:effectRef>
+          <a:fontRef idx="minor">
+            <a:schemeClr val="lt1"/>
+          </a:fontRef>
+        </p:style>
+        <p:txBody>
+          <a:bodyPr rtlCol="0" anchor="ctr"/>
+          <a:lstStyle/>
+          <a:p>
+            <a:pPr algn="ctr"/>
+            <a:r>
+              <a:rPr lang="en-IN" b="1" dirty="0" smtClean="0">
+                <a:solidFill>
+                  <a:schemeClr val="tx1"/>
+                </a:solidFill>
+              </a:rPr>
+              <a:t>0</a:t>
+            </a:r>
+            <a:endParaRPr lang="en-US" b="1" dirty="0">
+              <a:solidFill>
+                <a:schemeClr val="tx1"/>
+              </a:solidFill>
+            </a:endParaRPr>
+          </a:p>
+        </p:txBody>
+      </p:sp>
+      <p:sp>
+        <p:nvSpPr>
+          <p:cNvPr id="14" name="Oval 13"/>
+          <p:cNvSpPr/>
+          <p:nvPr/>
+        </p:nvSpPr>
+        <p:spPr>
+          <a:xfrm>
+            <a:off x="6426920" y="3361907"/>
+            <a:ext cx="535578" cy="522514"/>
+          </a:xfrm>
+          <a:prstGeom prst="ellipse">
+            <a:avLst/>
+          </a:prstGeom>
+          <a:noFill/>
+          <a:ln w="19050">
+            <a:solidFill>
+              <a:schemeClr val="tx1"/>
+            </a:solidFill>
+          </a:ln>
+        </p:spPr>
+        <p:style>
+          <a:lnRef idx="2">
+            <a:schemeClr val="accent1">
+              <a:shade val="50000"/>
+            </a:schemeClr>
+          </a:lnRef>
+          <a:fillRef idx="1">
+            <a:schemeClr val="accent1"/>
+          </a:fillRef>
+          <a:effectRef idx="0">
+            <a:schemeClr val="accent1"/>
+          </a:effectRef>
+          <a:fontRef idx="minor">
+            <a:schemeClr val="lt1"/>
+          </a:fontRef>
+        </p:style>
+        <p:txBody>
+          <a:bodyPr rtlCol="0" anchor="ctr"/>
+          <a:lstStyle/>
+          <a:p>
+            <a:pPr algn="ctr"/>
+            <a:r>
+              <a:rPr lang="en-IN" b="1" dirty="0" smtClean="0">
+                <a:solidFill>
+                  <a:schemeClr val="tx1"/>
+                </a:solidFill>
+              </a:rPr>
+              <a:t>1</a:t>
+            </a:r>
+            <a:endParaRPr lang="en-US" b="1" dirty="0">
+              <a:solidFill>
+                <a:schemeClr val="tx1"/>
+              </a:solidFill>
+            </a:endParaRPr>
+          </a:p>
+        </p:txBody>
+      </p:sp>
+      <p:sp>
+        <p:nvSpPr>
+          <p:cNvPr id="15" name="Oval 14"/>
+          <p:cNvSpPr/>
+          <p:nvPr/>
+        </p:nvSpPr>
+        <p:spPr>
+          <a:xfrm>
+            <a:off x="6435627" y="4350331"/>
+            <a:ext cx="535578" cy="522514"/>
+          </a:xfrm>
+          <a:prstGeom prst="ellipse">
+            <a:avLst/>
+          </a:prstGeom>
+          <a:noFill/>
+          <a:ln w="19050">
+            <a:solidFill>
+              <a:schemeClr val="tx1"/>
+            </a:solidFill>
+          </a:ln>
+        </p:spPr>
+        <p:style>
+          <a:lnRef idx="2">
+            <a:schemeClr val="accent1">
+              <a:shade val="50000"/>
+            </a:schemeClr>
+          </a:lnRef>
+          <a:fillRef idx="1">
+            <a:schemeClr val="accent1"/>
+          </a:fillRef>
+          <a:effectRef idx="0">
+            <a:schemeClr val="accent1"/>
+          </a:effectRef>
+          <a:fontRef idx="minor">
+            <a:schemeClr val="lt1"/>
+          </a:fontRef>
+        </p:style>
+        <p:txBody>
+          <a:bodyPr rtlCol="0" anchor="ctr"/>
+          <a:lstStyle/>
+          <a:p>
+            <a:pPr algn="ctr"/>
+            <a:r>
+              <a:rPr lang="en-IN" b="1" dirty="0" smtClean="0">
+                <a:solidFill>
+                  <a:schemeClr val="tx1"/>
+                </a:solidFill>
+              </a:rPr>
+              <a:t>4</a:t>
+            </a:r>
+            <a:endParaRPr lang="en-US" b="1" dirty="0">
+              <a:solidFill>
+                <a:schemeClr val="tx1"/>
+              </a:solidFill>
+            </a:endParaRPr>
+          </a:p>
+        </p:txBody>
+      </p:sp>
+      <p:sp>
+        <p:nvSpPr>
+          <p:cNvPr id="16" name="Oval 15"/>
+          <p:cNvSpPr/>
+          <p:nvPr/>
+        </p:nvSpPr>
+        <p:spPr>
+          <a:xfrm>
+            <a:off x="7977041" y="3292237"/>
+            <a:ext cx="535578" cy="522514"/>
+          </a:xfrm>
+          <a:prstGeom prst="ellipse">
+            <a:avLst/>
+          </a:prstGeom>
+          <a:noFill/>
+          <a:ln w="19050">
+            <a:solidFill>
+              <a:schemeClr val="tx1"/>
+            </a:solidFill>
+          </a:ln>
+        </p:spPr>
+        <p:style>
+          <a:lnRef idx="2">
+            <a:schemeClr val="accent1">
+              <a:shade val="50000"/>
+            </a:schemeClr>
+          </a:lnRef>
+          <a:fillRef idx="1">
+            <a:schemeClr val="accent1"/>
+          </a:fillRef>
+          <a:effectRef idx="0">
+            <a:schemeClr val="accent1"/>
+          </a:effectRef>
+          <a:fontRef idx="minor">
+            <a:schemeClr val="lt1"/>
+          </a:fontRef>
+        </p:style>
+        <p:txBody>
+          <a:bodyPr rtlCol="0" anchor="ctr"/>
+          <a:lstStyle/>
+          <a:p>
+            <a:pPr algn="ctr"/>
+            <a:r>
+              <a:rPr lang="en-IN" b="1" dirty="0" smtClean="0">
+                <a:solidFill>
+                  <a:schemeClr val="tx1"/>
+                </a:solidFill>
+              </a:rPr>
+              <a:t>2</a:t>
+            </a:r>
+            <a:endParaRPr lang="en-US" b="1" dirty="0">
+              <a:solidFill>
+                <a:schemeClr val="tx1"/>
+              </a:solidFill>
+            </a:endParaRPr>
+          </a:p>
+        </p:txBody>
+      </p:sp>
+      <p:cxnSp>
+        <p:nvCxnSpPr>
+          <p:cNvPr id="18" name="Straight Arrow Connector 17"/>
+          <p:cNvCxnSpPr>
+            <a:stCxn id="13" idx="4"/>
+            <a:endCxn id="14" idx="0"/>
+          </p:cNvCxnSpPr>
+          <p:nvPr/>
+        </p:nvCxnSpPr>
+        <p:spPr>
+          <a:xfrm flipH="1">
+            <a:off x="6694709" y="3000503"/>
+            <a:ext cx="670561" cy="361404"/>
+          </a:xfrm>
+          <a:prstGeom prst="straightConnector1">
+            <a:avLst/>
+          </a:prstGeom>
+          <a:ln w="19050">
+            <a:solidFill>
+              <a:schemeClr val="tx1"/>
+            </a:solidFill>
+            <a:tailEnd type="triangle"/>
+          </a:ln>
+        </p:spPr>
+        <p:style>
+          <a:lnRef idx="1">
+            <a:schemeClr val="accent1"/>
+          </a:lnRef>
+          <a:fillRef idx="0">
+            <a:schemeClr val="accent1"/>
+          </a:fillRef>
+          <a:effectRef idx="0">
+            <a:schemeClr val="accent1"/>
+          </a:effectRef>
+          <a:fontRef idx="minor">
+            <a:schemeClr val="tx1"/>
+          </a:fontRef>
+        </p:style>
+      </p:cxnSp>
+      <p:cxnSp>
+        <p:nvCxnSpPr>
+          <p:cNvPr id="19" name="Straight Arrow Connector 18"/>
+          <p:cNvCxnSpPr>
+            <a:stCxn id="14" idx="4"/>
+            <a:endCxn id="15" idx="0"/>
+          </p:cNvCxnSpPr>
+          <p:nvPr/>
+        </p:nvCxnSpPr>
+        <p:spPr>
+          <a:xfrm>
+            <a:off x="6694709" y="3884421"/>
+            <a:ext cx="8707" cy="465910"/>
+          </a:xfrm>
+          <a:prstGeom prst="straightConnector1">
+            <a:avLst/>
+          </a:prstGeom>
+          <a:ln w="19050">
+            <a:solidFill>
+              <a:schemeClr val="tx1"/>
+            </a:solidFill>
+            <a:tailEnd type="triangle"/>
+          </a:ln>
+        </p:spPr>
+        <p:style>
+          <a:lnRef idx="1">
+            <a:schemeClr val="accent1"/>
+          </a:lnRef>
+          <a:fillRef idx="0">
+            <a:schemeClr val="accent1"/>
+          </a:fillRef>
+          <a:effectRef idx="0">
+            <a:schemeClr val="accent1"/>
+          </a:effectRef>
+          <a:fontRef idx="minor">
+            <a:schemeClr val="tx1"/>
+          </a:fontRef>
+        </p:style>
+      </p:cxnSp>
+      <p:cxnSp>
+        <p:nvCxnSpPr>
+          <p:cNvPr id="20" name="Straight Arrow Connector 19"/>
+          <p:cNvCxnSpPr>
+            <a:stCxn id="13" idx="4"/>
+            <a:endCxn id="16" idx="1"/>
+          </p:cNvCxnSpPr>
+          <p:nvPr/>
+        </p:nvCxnSpPr>
+        <p:spPr>
+          <a:xfrm>
+            <a:off x="7365270" y="3000503"/>
+            <a:ext cx="690205" cy="368254"/>
+          </a:xfrm>
+          <a:prstGeom prst="straightConnector1">
+            <a:avLst/>
+          </a:prstGeom>
+          <a:ln w="19050">
+            <a:solidFill>
+              <a:schemeClr val="tx1"/>
+            </a:solidFill>
+            <a:tailEnd type="triangle"/>
+          </a:ln>
+        </p:spPr>
+        <p:style>
+          <a:lnRef idx="1">
+            <a:schemeClr val="accent1"/>
+          </a:lnRef>
+          <a:fillRef idx="0">
+            <a:schemeClr val="accent1"/>
+          </a:fillRef>
+          <a:effectRef idx="0">
+            <a:schemeClr val="accent1"/>
+          </a:effectRef>
+          <a:fontRef idx="minor">
+            <a:schemeClr val="tx1"/>
+          </a:fontRef>
+        </p:style>
+      </p:cxnSp>
+      <p:sp>
+        <p:nvSpPr>
+          <p:cNvPr id="22" name="Oval 21"/>
+          <p:cNvSpPr/>
+          <p:nvPr/>
+        </p:nvSpPr>
+        <p:spPr>
+          <a:xfrm>
+            <a:off x="4376043" y="2486696"/>
+            <a:ext cx="535578" cy="522514"/>
+          </a:xfrm>
+          <a:prstGeom prst="ellipse">
+            <a:avLst/>
+          </a:prstGeom>
+          <a:noFill/>
+          <a:ln w="19050">
+            <a:solidFill>
+              <a:schemeClr val="tx1"/>
+            </a:solidFill>
+          </a:ln>
+        </p:spPr>
+        <p:style>
+          <a:lnRef idx="2">
+            <a:schemeClr val="accent1">
+              <a:shade val="50000"/>
+            </a:schemeClr>
+          </a:lnRef>
+          <a:fillRef idx="1">
+            <a:schemeClr val="accent1"/>
+          </a:fillRef>
+          <a:effectRef idx="0">
+            <a:schemeClr val="accent1"/>
+          </a:effectRef>
+          <a:fontRef idx="minor">
+            <a:schemeClr val="lt1"/>
+          </a:fontRef>
+        </p:style>
+        <p:txBody>
+          <a:bodyPr rtlCol="0" anchor="ctr"/>
+          <a:lstStyle/>
+          <a:p>
+            <a:pPr algn="ctr"/>
+            <a:r>
+              <a:rPr lang="en-IN" b="1" dirty="0" smtClean="0">
+                <a:solidFill>
+                  <a:schemeClr val="tx1"/>
+                </a:solidFill>
+              </a:rPr>
+              <a:t>0</a:t>
+            </a:r>
+            <a:endParaRPr lang="en-US" b="1" dirty="0">
+              <a:solidFill>
+                <a:schemeClr val="tx1"/>
+              </a:solidFill>
+            </a:endParaRPr>
+          </a:p>
+        </p:txBody>
+      </p:sp>
+      <p:sp>
+        <p:nvSpPr>
+          <p:cNvPr id="23" name="Oval 22"/>
+          <p:cNvSpPr/>
+          <p:nvPr/>
+        </p:nvSpPr>
+        <p:spPr>
+          <a:xfrm>
+            <a:off x="3705482" y="3370614"/>
+            <a:ext cx="535578" cy="522514"/>
+          </a:xfrm>
+          <a:prstGeom prst="ellipse">
+            <a:avLst/>
+          </a:prstGeom>
+          <a:noFill/>
+          <a:ln w="19050">
+            <a:solidFill>
+              <a:schemeClr val="tx1"/>
+            </a:solidFill>
+          </a:ln>
+        </p:spPr>
+        <p:style>
+          <a:lnRef idx="2">
+            <a:schemeClr val="accent1">
+              <a:shade val="50000"/>
+            </a:schemeClr>
+          </a:lnRef>
+          <a:fillRef idx="1">
+            <a:schemeClr val="accent1"/>
+          </a:fillRef>
+          <a:effectRef idx="0">
+            <a:schemeClr val="accent1"/>
+          </a:effectRef>
+          <a:fontRef idx="minor">
+            <a:schemeClr val="lt1"/>
+          </a:fontRef>
+        </p:style>
+        <p:txBody>
+          <a:bodyPr rtlCol="0" anchor="ctr"/>
+          <a:lstStyle/>
+          <a:p>
+            <a:pPr algn="ctr"/>
+            <a:r>
+              <a:rPr lang="en-IN" b="1" dirty="0" smtClean="0">
+                <a:solidFill>
+                  <a:schemeClr val="tx1"/>
+                </a:solidFill>
+              </a:rPr>
+              <a:t>1</a:t>
+            </a:r>
+            <a:endParaRPr lang="en-US" b="1" dirty="0">
+              <a:solidFill>
+                <a:schemeClr val="tx1"/>
+              </a:solidFill>
+            </a:endParaRPr>
+          </a:p>
+        </p:txBody>
+      </p:sp>
+      <p:sp>
+        <p:nvSpPr>
+          <p:cNvPr id="25" name="Oval 24"/>
+          <p:cNvSpPr/>
+          <p:nvPr/>
+        </p:nvSpPr>
+        <p:spPr>
+          <a:xfrm>
+            <a:off x="5255603" y="3300944"/>
+            <a:ext cx="535578" cy="522514"/>
+          </a:xfrm>
+          <a:prstGeom prst="ellipse">
+            <a:avLst/>
+          </a:prstGeom>
+          <a:noFill/>
+          <a:ln w="19050">
+            <a:solidFill>
+              <a:schemeClr val="tx1"/>
+            </a:solidFill>
+          </a:ln>
+        </p:spPr>
+        <p:style>
+          <a:lnRef idx="2">
+            <a:schemeClr val="accent1">
+              <a:shade val="50000"/>
+            </a:schemeClr>
+          </a:lnRef>
+          <a:fillRef idx="1">
+            <a:schemeClr val="accent1"/>
+          </a:fillRef>
+          <a:effectRef idx="0">
+            <a:schemeClr val="accent1"/>
+          </a:effectRef>
+          <a:fontRef idx="minor">
+            <a:schemeClr val="lt1"/>
+          </a:fontRef>
+        </p:style>
+        <p:txBody>
+          <a:bodyPr rtlCol="0" anchor="ctr"/>
+          <a:lstStyle/>
+          <a:p>
+            <a:pPr algn="ctr"/>
+            <a:r>
+              <a:rPr lang="en-IN" b="1" dirty="0" smtClean="0">
+                <a:solidFill>
+                  <a:schemeClr val="tx1"/>
+                </a:solidFill>
+              </a:rPr>
+              <a:t>2</a:t>
+            </a:r>
+            <a:endParaRPr lang="en-US" b="1" dirty="0">
+              <a:solidFill>
+                <a:schemeClr val="tx1"/>
+              </a:solidFill>
+            </a:endParaRPr>
+          </a:p>
+        </p:txBody>
+      </p:sp>
+      <p:cxnSp>
+        <p:nvCxnSpPr>
+          <p:cNvPr id="26" name="Straight Arrow Connector 25"/>
+          <p:cNvCxnSpPr>
+            <a:stCxn id="22" idx="4"/>
+            <a:endCxn id="23" idx="0"/>
+          </p:cNvCxnSpPr>
+          <p:nvPr/>
+        </p:nvCxnSpPr>
+        <p:spPr>
+          <a:xfrm flipH="1">
+            <a:off x="3973271" y="3009210"/>
+            <a:ext cx="670561" cy="361404"/>
+          </a:xfrm>
+          <a:prstGeom prst="straightConnector1">
+            <a:avLst/>
+          </a:prstGeom>
+          <a:ln w="19050">
+            <a:solidFill>
+              <a:schemeClr val="tx1"/>
+            </a:solidFill>
+            <a:tailEnd type="triangle"/>
+          </a:ln>
+        </p:spPr>
+        <p:style>
+          <a:lnRef idx="1">
+            <a:schemeClr val="accent1"/>
+          </a:lnRef>
+          <a:fillRef idx="0">
+            <a:schemeClr val="accent1"/>
+          </a:fillRef>
+          <a:effectRef idx="0">
+            <a:schemeClr val="accent1"/>
+          </a:effectRef>
+          <a:fontRef idx="minor">
+            <a:schemeClr val="tx1"/>
+          </a:fontRef>
+        </p:style>
+      </p:cxnSp>
+      <p:cxnSp>
+        <p:nvCxnSpPr>
+          <p:cNvPr id="28" name="Straight Arrow Connector 27"/>
+          <p:cNvCxnSpPr>
+            <a:stCxn id="22" idx="4"/>
+            <a:endCxn id="25" idx="1"/>
+          </p:cNvCxnSpPr>
+          <p:nvPr/>
+        </p:nvCxnSpPr>
+        <p:spPr>
+          <a:xfrm>
+            <a:off x="4643832" y="3009210"/>
+            <a:ext cx="690205" cy="368254"/>
+          </a:xfrm>
+          <a:prstGeom prst="straightConnector1">
+            <a:avLst/>
+          </a:prstGeom>
+          <a:ln w="19050">
+            <a:solidFill>
+              <a:schemeClr val="tx1"/>
+            </a:solidFill>
+            <a:tailEnd type="triangle"/>
+          </a:ln>
+        </p:spPr>
+        <p:style>
+          <a:lnRef idx="1">
+            <a:schemeClr val="accent1"/>
+          </a:lnRef>
+          <a:fillRef idx="0">
+            <a:schemeClr val="accent1"/>
+          </a:fillRef>
+          <a:effectRef idx="0">
+            <a:schemeClr val="accent1"/>
+          </a:effectRef>
+          <a:fontRef idx="minor">
+            <a:schemeClr val="tx1"/>
+          </a:fontRef>
+        </p:style>
+      </p:cxnSp>
+      <p:sp>
+        <p:nvSpPr>
+          <p:cNvPr id="29" name="Oval 28"/>
+          <p:cNvSpPr/>
+          <p:nvPr/>
+        </p:nvSpPr>
+        <p:spPr>
+          <a:xfrm>
+            <a:off x="2673514" y="2482340"/>
+            <a:ext cx="535578" cy="522514"/>
+          </a:xfrm>
+          <a:prstGeom prst="ellipse">
+            <a:avLst/>
+          </a:prstGeom>
+          <a:noFill/>
+          <a:ln w="19050">
+            <a:solidFill>
+              <a:schemeClr val="tx1"/>
+            </a:solidFill>
+          </a:ln>
+        </p:spPr>
+        <p:style>
+          <a:lnRef idx="2">
+            <a:schemeClr val="accent1">
+              <a:shade val="50000"/>
+            </a:schemeClr>
+          </a:lnRef>
+          <a:fillRef idx="1">
+            <a:schemeClr val="accent1"/>
+          </a:fillRef>
+          <a:effectRef idx="0">
+            <a:schemeClr val="accent1"/>
+          </a:effectRef>
+          <a:fontRef idx="minor">
+            <a:schemeClr val="lt1"/>
+          </a:fontRef>
+        </p:style>
+        <p:txBody>
+          <a:bodyPr rtlCol="0" anchor="ctr"/>
+          <a:lstStyle/>
+          <a:p>
+            <a:pPr algn="ctr"/>
+            <a:r>
+              <a:rPr lang="en-IN" b="1" dirty="0" smtClean="0">
+                <a:solidFill>
+                  <a:schemeClr val="tx1"/>
+                </a:solidFill>
+              </a:rPr>
+              <a:t>0</a:t>
+            </a:r>
+            <a:endParaRPr lang="en-US" b="1" dirty="0">
+              <a:solidFill>
+                <a:schemeClr val="tx1"/>
+              </a:solidFill>
+            </a:endParaRPr>
+          </a:p>
+        </p:txBody>
+      </p:sp>
+      <p:sp>
+        <p:nvSpPr>
+          <p:cNvPr id="30" name="Oval 29"/>
+          <p:cNvSpPr/>
+          <p:nvPr/>
+        </p:nvSpPr>
+        <p:spPr>
+          <a:xfrm>
+            <a:off x="2002953" y="3366258"/>
+            <a:ext cx="535578" cy="522514"/>
+          </a:xfrm>
+          <a:prstGeom prst="ellipse">
+            <a:avLst/>
+          </a:prstGeom>
+          <a:noFill/>
+          <a:ln w="19050">
+            <a:solidFill>
+              <a:schemeClr val="tx1"/>
+            </a:solidFill>
+          </a:ln>
+        </p:spPr>
+        <p:style>
+          <a:lnRef idx="2">
+            <a:schemeClr val="accent1">
+              <a:shade val="50000"/>
+            </a:schemeClr>
+          </a:lnRef>
+          <a:fillRef idx="1">
+            <a:schemeClr val="accent1"/>
+          </a:fillRef>
+          <a:effectRef idx="0">
+            <a:schemeClr val="accent1"/>
+          </a:effectRef>
+          <a:fontRef idx="minor">
+            <a:schemeClr val="lt1"/>
+          </a:fontRef>
+        </p:style>
+        <p:txBody>
+          <a:bodyPr rtlCol="0" anchor="ctr"/>
+          <a:lstStyle/>
+          <a:p>
+            <a:pPr algn="ctr"/>
+            <a:r>
+              <a:rPr lang="en-IN" b="1" dirty="0" smtClean="0">
+                <a:solidFill>
+                  <a:schemeClr val="tx1"/>
+                </a:solidFill>
+              </a:rPr>
+              <a:t>1</a:t>
+            </a:r>
+            <a:endParaRPr lang="en-US" b="1" dirty="0">
+              <a:solidFill>
+                <a:schemeClr val="tx1"/>
+              </a:solidFill>
+            </a:endParaRPr>
+          </a:p>
+        </p:txBody>
+      </p:sp>
+      <p:cxnSp>
+        <p:nvCxnSpPr>
+          <p:cNvPr id="32" name="Straight Arrow Connector 31"/>
+          <p:cNvCxnSpPr>
+            <a:stCxn id="29" idx="4"/>
+            <a:endCxn id="30" idx="0"/>
+          </p:cNvCxnSpPr>
+          <p:nvPr/>
+        </p:nvCxnSpPr>
+        <p:spPr>
+          <a:xfrm flipH="1">
+            <a:off x="2270742" y="3004854"/>
+            <a:ext cx="670561" cy="361404"/>
+          </a:xfrm>
+          <a:prstGeom prst="straightConnector1">
+            <a:avLst/>
+          </a:prstGeom>
+          <a:ln w="19050">
+            <a:solidFill>
+              <a:schemeClr val="tx1"/>
+            </a:solidFill>
+            <a:tailEnd type="triangle"/>
+          </a:ln>
+        </p:spPr>
+        <p:style>
+          <a:lnRef idx="1">
+            <a:schemeClr val="accent1"/>
+          </a:lnRef>
+          <a:fillRef idx="0">
+            <a:schemeClr val="accent1"/>
+          </a:fillRef>
+          <a:effectRef idx="0">
+            <a:schemeClr val="accent1"/>
+          </a:effectRef>
+          <a:fontRef idx="minor">
+            <a:schemeClr val="tx1"/>
+          </a:fontRef>
+        </p:style>
+      </p:cxnSp>
+      <p:sp>
+        <p:nvSpPr>
+          <p:cNvPr id="34" name="Oval 33"/>
+          <p:cNvSpPr/>
+          <p:nvPr/>
+        </p:nvSpPr>
+        <p:spPr>
+          <a:xfrm>
+            <a:off x="761978" y="2477984"/>
+            <a:ext cx="535578" cy="522514"/>
+          </a:xfrm>
+          <a:prstGeom prst="ellipse">
+            <a:avLst/>
+          </a:prstGeom>
+          <a:noFill/>
+          <a:ln w="19050">
+            <a:solidFill>
+              <a:schemeClr val="tx1"/>
+            </a:solidFill>
+          </a:ln>
+        </p:spPr>
+        <p:style>
+          <a:lnRef idx="2">
+            <a:schemeClr val="accent1">
+              <a:shade val="50000"/>
+            </a:schemeClr>
+          </a:lnRef>
+          <a:fillRef idx="1">
+            <a:schemeClr val="accent1"/>
+          </a:fillRef>
+          <a:effectRef idx="0">
+            <a:schemeClr val="accent1"/>
+          </a:effectRef>
+          <a:fontRef idx="minor">
+            <a:schemeClr val="lt1"/>
+          </a:fontRef>
+        </p:style>
+        <p:txBody>
+          <a:bodyPr rtlCol="0" anchor="ctr"/>
+          <a:lstStyle/>
+          <a:p>
+            <a:pPr algn="ctr"/>
+            <a:r>
+              <a:rPr lang="en-IN" b="1" dirty="0" smtClean="0">
+                <a:solidFill>
+                  <a:schemeClr val="tx1"/>
+                </a:solidFill>
+              </a:rPr>
+              <a:t>0</a:t>
+            </a:r>
+            <a:endParaRPr lang="en-US" b="1" dirty="0">
+              <a:solidFill>
+                <a:schemeClr val="tx1"/>
+              </a:solidFill>
+            </a:endParaRPr>
+          </a:p>
+        </p:txBody>
+      </p:sp>
+    </p:spTree>
+    <p:extLst>
+      <p:ext uri="{BB962C8B-B14F-4D97-AF65-F5344CB8AC3E}">
+        <p14:creationId xmlns:p14="http://schemas.microsoft.com/office/powerpoint/2010/main" val="3815303976"/>
+      </p:ext>
+    </p:extLst>
+  </p:cSld>
+  <p:clrMapOvr>
+    <a:masterClrMapping/>
+  </p:clrMapOvr>
+</p:sld>
+</file>
+
+<file path=ppt/slides/slide14.xml><?xml version="1.0" encoding="utf-8"?>
+<p:sld xmlns:a="http://schemas.openxmlformats.org/drawingml/2006/main" xmlns:r="http://schemas.openxmlformats.org/officeDocument/2006/relationships" xmlns:p="http://schemas.openxmlformats.org/presentationml/2006/main">
+  <p:cSld>
+    <p:spTree>
+      <p:nvGrpSpPr>
+        <p:cNvPr id="1" name=""/>
+        <p:cNvGrpSpPr/>
+        <p:nvPr/>
+      </p:nvGrpSpPr>
+      <p:grpSpPr>
+        <a:xfrm>
+          <a:off x="0" y="0"/>
+          <a:ext cx="0" cy="0"/>
+          <a:chOff x="0" y="0"/>
+          <a:chExt cx="0" cy="0"/>
+        </a:xfrm>
+      </p:grpSpPr>
+      <p:sp>
+        <p:nvSpPr>
+          <p:cNvPr id="2" name="Title 1"/>
+          <p:cNvSpPr>
+            <a:spLocks noGrp="1"/>
+          </p:cNvSpPr>
+          <p:nvPr>
+            <p:ph type="title"/>
+          </p:nvPr>
+        </p:nvSpPr>
+        <p:spPr/>
+        <p:txBody>
+          <a:bodyPr/>
+          <a:lstStyle/>
+          <a:p>
+            <a:r>
+              <a:rPr lang="en-IN" dirty="0" smtClean="0"/>
+              <a:t>Disjoint Set</a:t>
+            </a:r>
+            <a:endParaRPr lang="en-US" dirty="0"/>
+          </a:p>
+        </p:txBody>
+      </p:sp>
+      <p:grpSp>
+        <p:nvGrpSpPr>
+          <p:cNvPr id="31" name="Group 30"/>
+          <p:cNvGrpSpPr/>
+          <p:nvPr/>
+        </p:nvGrpSpPr>
+        <p:grpSpPr>
+          <a:xfrm>
+            <a:off x="1262347" y="4031673"/>
+            <a:ext cx="906088" cy="368531"/>
+            <a:chOff x="1262347" y="4031673"/>
+            <a:chExt cx="906088" cy="368531"/>
+          </a:xfrm>
+        </p:grpSpPr>
+        <p:sp>
+          <p:nvSpPr>
+            <p:cNvPr id="4" name="Rectangle 3"/>
+            <p:cNvSpPr/>
+            <p:nvPr/>
+          </p:nvSpPr>
+          <p:spPr>
+            <a:xfrm>
+              <a:off x="1262347" y="4031673"/>
+              <a:ext cx="606829" cy="365760"/>
+            </a:xfrm>
+            <a:prstGeom prst="rect">
+              <a:avLst/>
+            </a:prstGeom>
+            <a:noFill/>
+            <a:ln>
+              <a:solidFill>
+                <a:schemeClr val="tx1"/>
+              </a:solidFill>
+            </a:ln>
+          </p:spPr>
+          <p:style>
+            <a:lnRef idx="2">
+              <a:schemeClr val="accent1">
+                <a:shade val="50000"/>
+              </a:schemeClr>
+            </a:lnRef>
+            <a:fillRef idx="1">
+              <a:schemeClr val="accent1"/>
+            </a:fillRef>
+            <a:effectRef idx="0">
+              <a:schemeClr val="accent1"/>
+            </a:effectRef>
+            <a:fontRef idx="minor">
+              <a:schemeClr val="lt1"/>
+            </a:fontRef>
+          </p:style>
+          <p:txBody>
+            <a:bodyPr rtlCol="0" anchor="ctr"/>
+            <a:lstStyle/>
+            <a:p>
+              <a:pPr algn="ctr"/>
+              <a:r>
+                <a:rPr lang="en-IN" dirty="0" smtClean="0">
+                  <a:solidFill>
+                    <a:schemeClr val="tx1"/>
+                  </a:solidFill>
+                </a:rPr>
+                <a:t>1</a:t>
+              </a:r>
+              <a:endParaRPr lang="en-US" dirty="0">
+                <a:solidFill>
+                  <a:schemeClr val="tx1"/>
+                </a:solidFill>
+              </a:endParaRPr>
+            </a:p>
+          </p:txBody>
+        </p:sp>
+        <p:sp>
+          <p:nvSpPr>
+            <p:cNvPr id="5" name="Rectangle 4"/>
+            <p:cNvSpPr/>
+            <p:nvPr/>
+          </p:nvSpPr>
+          <p:spPr>
+            <a:xfrm>
+              <a:off x="1871945" y="4031674"/>
+              <a:ext cx="296490" cy="368530"/>
+            </a:xfrm>
+            <a:prstGeom prst="rect">
+              <a:avLst/>
+            </a:prstGeom>
+            <a:noFill/>
+            <a:ln>
+              <a:solidFill>
+                <a:schemeClr val="tx1"/>
+              </a:solidFill>
+            </a:ln>
+          </p:spPr>
+          <p:style>
+            <a:lnRef idx="2">
+              <a:schemeClr val="accent1">
+                <a:shade val="50000"/>
+              </a:schemeClr>
+            </a:lnRef>
+            <a:fillRef idx="1">
+              <a:schemeClr val="accent1"/>
+            </a:fillRef>
+            <a:effectRef idx="0">
+              <a:schemeClr val="accent1"/>
+            </a:effectRef>
+            <a:fontRef idx="minor">
+              <a:schemeClr val="lt1"/>
+            </a:fontRef>
+          </p:style>
+          <p:txBody>
+            <a:bodyPr rtlCol="0" anchor="ctr"/>
+            <a:lstStyle/>
+            <a:p>
+              <a:pPr algn="ctr"/>
+              <a:endParaRPr lang="en-US"/>
+            </a:p>
+          </p:txBody>
+        </p:sp>
+      </p:grpSp>
+      <p:grpSp>
+        <p:nvGrpSpPr>
+          <p:cNvPr id="30" name="Group 29"/>
+          <p:cNvGrpSpPr/>
+          <p:nvPr/>
+        </p:nvGrpSpPr>
+        <p:grpSpPr>
+          <a:xfrm>
+            <a:off x="1877489" y="3216584"/>
+            <a:ext cx="886288" cy="368194"/>
+            <a:chOff x="1877489" y="3216584"/>
+            <a:chExt cx="886288" cy="368194"/>
+          </a:xfrm>
+        </p:grpSpPr>
+        <p:sp>
+          <p:nvSpPr>
+            <p:cNvPr id="7" name="Rectangle 6"/>
+            <p:cNvSpPr/>
+            <p:nvPr/>
+          </p:nvSpPr>
+          <p:spPr>
+            <a:xfrm>
+              <a:off x="1877489" y="3219018"/>
+              <a:ext cx="606829" cy="365760"/>
+            </a:xfrm>
+            <a:prstGeom prst="rect">
+              <a:avLst/>
+            </a:prstGeom>
+            <a:noFill/>
+            <a:ln>
+              <a:solidFill>
+                <a:schemeClr val="tx1"/>
+              </a:solidFill>
+            </a:ln>
+          </p:spPr>
+          <p:style>
+            <a:lnRef idx="2">
+              <a:schemeClr val="accent1">
+                <a:shade val="50000"/>
+              </a:schemeClr>
+            </a:lnRef>
+            <a:fillRef idx="1">
+              <a:schemeClr val="accent1"/>
+            </a:fillRef>
+            <a:effectRef idx="0">
+              <a:schemeClr val="accent1"/>
+            </a:effectRef>
+            <a:fontRef idx="minor">
+              <a:schemeClr val="lt1"/>
+            </a:fontRef>
+          </p:style>
+          <p:txBody>
+            <a:bodyPr rtlCol="0" anchor="ctr"/>
+            <a:lstStyle/>
+            <a:p>
+              <a:pPr algn="ctr"/>
+              <a:r>
+                <a:rPr lang="en-IN" dirty="0" smtClean="0">
+                  <a:solidFill>
+                    <a:schemeClr val="tx1"/>
+                  </a:solidFill>
+                </a:rPr>
+                <a:t>5</a:t>
+              </a:r>
+              <a:endParaRPr lang="en-US" dirty="0">
+                <a:solidFill>
+                  <a:schemeClr val="tx1"/>
+                </a:solidFill>
+              </a:endParaRPr>
+            </a:p>
+          </p:txBody>
+        </p:sp>
+        <p:sp>
+          <p:nvSpPr>
+            <p:cNvPr id="8" name="Rectangle 7"/>
+            <p:cNvSpPr/>
+            <p:nvPr/>
+          </p:nvSpPr>
+          <p:spPr>
+            <a:xfrm>
+              <a:off x="2488105" y="3216584"/>
+              <a:ext cx="275672" cy="365760"/>
+            </a:xfrm>
+            <a:prstGeom prst="rect">
+              <a:avLst/>
+            </a:prstGeom>
+            <a:noFill/>
+            <a:ln>
+              <a:solidFill>
+                <a:schemeClr val="tx1"/>
+              </a:solidFill>
+            </a:ln>
+          </p:spPr>
+          <p:style>
+            <a:lnRef idx="2">
+              <a:schemeClr val="accent1">
+                <a:shade val="50000"/>
+              </a:schemeClr>
+            </a:lnRef>
+            <a:fillRef idx="1">
+              <a:schemeClr val="accent1"/>
+            </a:fillRef>
+            <a:effectRef idx="0">
+              <a:schemeClr val="accent1"/>
+            </a:effectRef>
+            <a:fontRef idx="minor">
+              <a:schemeClr val="lt1"/>
+            </a:fontRef>
+          </p:style>
+          <p:txBody>
+            <a:bodyPr rtlCol="0" anchor="ctr"/>
+            <a:lstStyle/>
+            <a:p>
+              <a:pPr algn="ctr"/>
+              <a:endParaRPr lang="en-US"/>
+            </a:p>
+          </p:txBody>
+        </p:sp>
+      </p:grpSp>
+      <p:cxnSp>
+        <p:nvCxnSpPr>
+          <p:cNvPr id="9" name="Straight Arrow Connector 8"/>
+          <p:cNvCxnSpPr>
+            <a:endCxn id="7" idx="2"/>
+          </p:cNvCxnSpPr>
+          <p:nvPr/>
+        </p:nvCxnSpPr>
+        <p:spPr>
+          <a:xfrm flipV="1">
+            <a:off x="2026524" y="3584778"/>
+            <a:ext cx="154380" cy="679225"/>
+          </a:xfrm>
+          <a:prstGeom prst="straightConnector1">
+            <a:avLst/>
+          </a:prstGeom>
+          <a:ln>
+            <a:solidFill>
+              <a:schemeClr val="tx1"/>
+            </a:solidFill>
+            <a:headEnd type="oval"/>
+            <a:tailEnd type="triangle"/>
+          </a:ln>
+        </p:spPr>
+        <p:style>
+          <a:lnRef idx="1">
+            <a:schemeClr val="accent1"/>
+          </a:lnRef>
+          <a:fillRef idx="0">
+            <a:schemeClr val="accent1"/>
+          </a:fillRef>
+          <a:effectRef idx="0">
+            <a:schemeClr val="accent1"/>
+          </a:effectRef>
+          <a:fontRef idx="minor">
+            <a:schemeClr val="tx1"/>
+          </a:fontRef>
+        </p:style>
+      </p:cxnSp>
+      <p:sp>
+        <p:nvSpPr>
+          <p:cNvPr id="11" name="TextBox 10"/>
+          <p:cNvSpPr txBox="1"/>
+          <p:nvPr/>
+        </p:nvSpPr>
+        <p:spPr>
+          <a:xfrm>
+            <a:off x="941317" y="5375948"/>
+            <a:ext cx="832658" cy="369332"/>
+          </a:xfrm>
+          <a:prstGeom prst="rect">
+            <a:avLst/>
+          </a:prstGeom>
+          <a:noFill/>
+        </p:spPr>
+        <p:txBody>
+          <a:bodyPr wrap="square" rtlCol="0">
+            <a:spAutoFit/>
+          </a:bodyPr>
+          <a:lstStyle/>
+          <a:p>
+            <a:r>
+              <a:rPr lang="en-US" dirty="0" smtClean="0">
+                <a:solidFill>
+                  <a:srgbClr val="0000FF"/>
+                </a:solidFill>
+              </a:rPr>
+              <a:t>parent</a:t>
+            </a:r>
+            <a:endParaRPr lang="en-US" dirty="0">
+              <a:solidFill>
+                <a:srgbClr val="0000FF"/>
+              </a:solidFill>
+            </a:endParaRPr>
+          </a:p>
+        </p:txBody>
+      </p:sp>
+      <p:sp>
+        <p:nvSpPr>
+          <p:cNvPr id="12" name="TextBox 11"/>
+          <p:cNvSpPr txBox="1"/>
+          <p:nvPr/>
+        </p:nvSpPr>
+        <p:spPr>
+          <a:xfrm>
+            <a:off x="372883" y="5390989"/>
+            <a:ext cx="719645" cy="369332"/>
+          </a:xfrm>
+          <a:prstGeom prst="rect">
+            <a:avLst/>
+          </a:prstGeom>
+          <a:noFill/>
+        </p:spPr>
+        <p:txBody>
+          <a:bodyPr wrap="square" rtlCol="0">
+            <a:spAutoFit/>
+          </a:bodyPr>
+          <a:lstStyle/>
+          <a:p>
+            <a:r>
+              <a:rPr lang="en-US" dirty="0" smtClean="0">
+                <a:solidFill>
+                  <a:srgbClr val="0000FF"/>
+                </a:solidFill>
+              </a:rPr>
+              <a:t>label</a:t>
+            </a:r>
+            <a:endParaRPr lang="en-US" dirty="0">
+              <a:solidFill>
+                <a:srgbClr val="0000FF"/>
+              </a:solidFill>
+            </a:endParaRPr>
+          </a:p>
+        </p:txBody>
+      </p:sp>
+      <p:grpSp>
+        <p:nvGrpSpPr>
+          <p:cNvPr id="32" name="Group 31"/>
+          <p:cNvGrpSpPr/>
+          <p:nvPr/>
+        </p:nvGrpSpPr>
+        <p:grpSpPr>
+          <a:xfrm>
+            <a:off x="395841" y="4941717"/>
+            <a:ext cx="906088" cy="368531"/>
+            <a:chOff x="395841" y="4941717"/>
+            <a:chExt cx="906088" cy="368531"/>
+          </a:xfrm>
+        </p:grpSpPr>
+        <p:sp>
+          <p:nvSpPr>
+            <p:cNvPr id="17" name="Rectangle 16"/>
+            <p:cNvSpPr/>
+            <p:nvPr/>
+          </p:nvSpPr>
+          <p:spPr>
+            <a:xfrm>
+              <a:off x="395841" y="4941717"/>
+              <a:ext cx="606829" cy="365760"/>
+            </a:xfrm>
+            <a:prstGeom prst="rect">
+              <a:avLst/>
+            </a:prstGeom>
+            <a:noFill/>
+            <a:ln>
+              <a:solidFill>
+                <a:schemeClr val="tx1"/>
+              </a:solidFill>
+            </a:ln>
+          </p:spPr>
+          <p:style>
+            <a:lnRef idx="2">
+              <a:schemeClr val="accent1">
+                <a:shade val="50000"/>
+              </a:schemeClr>
+            </a:lnRef>
+            <a:fillRef idx="1">
+              <a:schemeClr val="accent1"/>
+            </a:fillRef>
+            <a:effectRef idx="0">
+              <a:schemeClr val="accent1"/>
+            </a:effectRef>
+            <a:fontRef idx="minor">
+              <a:schemeClr val="lt1"/>
+            </a:fontRef>
+          </p:style>
+          <p:txBody>
+            <a:bodyPr rtlCol="0" anchor="ctr"/>
+            <a:lstStyle/>
+            <a:p>
+              <a:pPr algn="ctr"/>
+              <a:r>
+                <a:rPr lang="en-IN" dirty="0" smtClean="0">
+                  <a:solidFill>
+                    <a:schemeClr val="tx1"/>
+                  </a:solidFill>
+                </a:rPr>
+                <a:t>4</a:t>
+              </a:r>
+              <a:endParaRPr lang="en-US" dirty="0">
+                <a:solidFill>
+                  <a:schemeClr val="tx1"/>
+                </a:solidFill>
+              </a:endParaRPr>
+            </a:p>
+          </p:txBody>
+        </p:sp>
+        <p:sp>
+          <p:nvSpPr>
+            <p:cNvPr id="18" name="Rectangle 17"/>
+            <p:cNvSpPr/>
+            <p:nvPr/>
+          </p:nvSpPr>
+          <p:spPr>
+            <a:xfrm>
+              <a:off x="1005439" y="4941718"/>
+              <a:ext cx="296490" cy="368530"/>
+            </a:xfrm>
+            <a:prstGeom prst="rect">
+              <a:avLst/>
+            </a:prstGeom>
+            <a:noFill/>
+            <a:ln>
+              <a:solidFill>
+                <a:schemeClr val="tx1"/>
+              </a:solidFill>
+            </a:ln>
+          </p:spPr>
+          <p:style>
+            <a:lnRef idx="2">
+              <a:schemeClr val="accent1">
+                <a:shade val="50000"/>
+              </a:schemeClr>
+            </a:lnRef>
+            <a:fillRef idx="1">
+              <a:schemeClr val="accent1"/>
+            </a:fillRef>
+            <a:effectRef idx="0">
+              <a:schemeClr val="accent1"/>
+            </a:effectRef>
+            <a:fontRef idx="minor">
+              <a:schemeClr val="lt1"/>
+            </a:fontRef>
+          </p:style>
+          <p:txBody>
+            <a:bodyPr rtlCol="0" anchor="ctr"/>
+            <a:lstStyle/>
+            <a:p>
+              <a:pPr algn="ctr"/>
+              <a:endParaRPr lang="en-US"/>
+            </a:p>
+          </p:txBody>
+        </p:sp>
+      </p:grpSp>
+      <p:cxnSp>
+        <p:nvCxnSpPr>
+          <p:cNvPr id="19" name="Straight Arrow Connector 18"/>
+          <p:cNvCxnSpPr>
+            <a:endCxn id="4" idx="2"/>
+          </p:cNvCxnSpPr>
+          <p:nvPr/>
+        </p:nvCxnSpPr>
+        <p:spPr>
+          <a:xfrm flipV="1">
+            <a:off x="1149531" y="4397433"/>
+            <a:ext cx="416231" cy="746134"/>
+          </a:xfrm>
+          <a:prstGeom prst="straightConnector1">
+            <a:avLst/>
+          </a:prstGeom>
+          <a:ln>
+            <a:solidFill>
+              <a:schemeClr val="tx1"/>
+            </a:solidFill>
+            <a:headEnd type="oval"/>
+            <a:tailEnd type="triangle"/>
+          </a:ln>
+        </p:spPr>
+        <p:style>
+          <a:lnRef idx="1">
+            <a:schemeClr val="accent1"/>
+          </a:lnRef>
+          <a:fillRef idx="0">
+            <a:schemeClr val="accent1"/>
+          </a:fillRef>
+          <a:effectRef idx="0">
+            <a:schemeClr val="accent1"/>
+          </a:effectRef>
+          <a:fontRef idx="minor">
+            <a:schemeClr val="tx1"/>
+          </a:fontRef>
+        </p:style>
+      </p:cxnSp>
+      <p:sp>
+        <p:nvSpPr>
+          <p:cNvPr id="21" name="Oval 20"/>
+          <p:cNvSpPr/>
+          <p:nvPr/>
+        </p:nvSpPr>
+        <p:spPr>
+          <a:xfrm>
+            <a:off x="2597573" y="3359237"/>
+            <a:ext cx="64008" cy="64008"/>
+          </a:xfrm>
+          <a:prstGeom prst="ellipse">
+            <a:avLst/>
+          </a:prstGeom>
+          <a:solidFill>
+            <a:schemeClr val="tx1"/>
+          </a:solidFill>
+          <a:ln w="19050">
+            <a:solidFill>
+              <a:schemeClr val="tx1"/>
+            </a:solidFill>
+          </a:ln>
+        </p:spPr>
+        <p:style>
+          <a:lnRef idx="2">
+            <a:schemeClr val="accent1">
+              <a:shade val="50000"/>
+            </a:schemeClr>
+          </a:lnRef>
+          <a:fillRef idx="1">
+            <a:schemeClr val="accent1"/>
+          </a:fillRef>
+          <a:effectRef idx="0">
+            <a:schemeClr val="accent1"/>
+          </a:effectRef>
+          <a:fontRef idx="minor">
+            <a:schemeClr val="lt1"/>
+          </a:fontRef>
+        </p:style>
+        <p:txBody>
+          <a:bodyPr rtlCol="0" anchor="ctr"/>
+          <a:lstStyle/>
+          <a:p>
+            <a:pPr algn="ctr"/>
+            <a:endParaRPr lang="en-US" b="1"/>
+          </a:p>
+        </p:txBody>
+      </p:sp>
+      <p:sp>
+        <p:nvSpPr>
+          <p:cNvPr id="23" name="Rectangle 22"/>
+          <p:cNvSpPr/>
+          <p:nvPr/>
+        </p:nvSpPr>
+        <p:spPr>
+          <a:xfrm>
+            <a:off x="1919841" y="4950424"/>
+            <a:ext cx="606829" cy="365760"/>
+          </a:xfrm>
+          <a:prstGeom prst="rect">
+            <a:avLst/>
+          </a:prstGeom>
+          <a:noFill/>
+          <a:ln>
+            <a:solidFill>
+              <a:schemeClr val="tx1"/>
+            </a:solidFill>
+          </a:ln>
+        </p:spPr>
+        <p:style>
+          <a:lnRef idx="2">
+            <a:schemeClr val="accent1">
+              <a:shade val="50000"/>
+            </a:schemeClr>
+          </a:lnRef>
+          <a:fillRef idx="1">
+            <a:schemeClr val="accent1"/>
+          </a:fillRef>
+          <a:effectRef idx="0">
+            <a:schemeClr val="accent1"/>
+          </a:effectRef>
+          <a:fontRef idx="minor">
+            <a:schemeClr val="lt1"/>
+          </a:fontRef>
+        </p:style>
+        <p:txBody>
+          <a:bodyPr rtlCol="0" anchor="ctr"/>
+          <a:lstStyle/>
+          <a:p>
+            <a:pPr algn="ctr"/>
+            <a:r>
+              <a:rPr lang="en-IN" dirty="0" smtClean="0">
+                <a:solidFill>
+                  <a:schemeClr val="tx1"/>
+                </a:solidFill>
+              </a:rPr>
+              <a:t>7</a:t>
+            </a:r>
+            <a:endParaRPr lang="en-US" dirty="0">
+              <a:solidFill>
+                <a:schemeClr val="tx1"/>
+              </a:solidFill>
+            </a:endParaRPr>
+          </a:p>
+        </p:txBody>
+      </p:sp>
+      <p:sp>
+        <p:nvSpPr>
+          <p:cNvPr id="24" name="Rectangle 23"/>
+          <p:cNvSpPr/>
+          <p:nvPr/>
+        </p:nvSpPr>
+        <p:spPr>
+          <a:xfrm>
+            <a:off x="2529439" y="4950425"/>
+            <a:ext cx="296490" cy="368530"/>
+          </a:xfrm>
+          <a:prstGeom prst="rect">
+            <a:avLst/>
+          </a:prstGeom>
+          <a:noFill/>
+          <a:ln>
+            <a:solidFill>
+              <a:schemeClr val="tx1"/>
+            </a:solidFill>
+          </a:ln>
+        </p:spPr>
+        <p:style>
+          <a:lnRef idx="2">
+            <a:schemeClr val="accent1">
+              <a:shade val="50000"/>
+            </a:schemeClr>
+          </a:lnRef>
+          <a:fillRef idx="1">
+            <a:schemeClr val="accent1"/>
+          </a:fillRef>
+          <a:effectRef idx="0">
+            <a:schemeClr val="accent1"/>
+          </a:effectRef>
+          <a:fontRef idx="minor">
+            <a:schemeClr val="lt1"/>
+          </a:fontRef>
+        </p:style>
+        <p:txBody>
+          <a:bodyPr rtlCol="0" anchor="ctr"/>
+          <a:lstStyle/>
+          <a:p>
+            <a:pPr algn="ctr"/>
+            <a:endParaRPr lang="en-US"/>
+          </a:p>
+        </p:txBody>
+      </p:sp>
+      <p:cxnSp>
+        <p:nvCxnSpPr>
+          <p:cNvPr id="25" name="Straight Arrow Connector 24"/>
+          <p:cNvCxnSpPr/>
+          <p:nvPr/>
+        </p:nvCxnSpPr>
+        <p:spPr>
+          <a:xfrm flipH="1" flipV="1">
+            <a:off x="1698171" y="4397433"/>
+            <a:ext cx="963411" cy="746134"/>
+          </a:xfrm>
+          <a:prstGeom prst="straightConnector1">
+            <a:avLst/>
+          </a:prstGeom>
+          <a:ln>
+            <a:solidFill>
+              <a:schemeClr val="tx1"/>
+            </a:solidFill>
+            <a:headEnd type="oval"/>
+            <a:tailEnd type="triangle"/>
+          </a:ln>
+        </p:spPr>
+        <p:style>
+          <a:lnRef idx="1">
+            <a:schemeClr val="accent1"/>
+          </a:lnRef>
+          <a:fillRef idx="0">
+            <a:schemeClr val="accent1"/>
+          </a:fillRef>
+          <a:effectRef idx="0">
+            <a:schemeClr val="accent1"/>
+          </a:effectRef>
+          <a:fontRef idx="minor">
+            <a:schemeClr val="tx1"/>
+          </a:fontRef>
+        </p:style>
+      </p:cxnSp>
+      <p:grpSp>
+        <p:nvGrpSpPr>
+          <p:cNvPr id="33" name="Group 32"/>
+          <p:cNvGrpSpPr/>
+          <p:nvPr/>
+        </p:nvGrpSpPr>
+        <p:grpSpPr>
+          <a:xfrm>
+            <a:off x="6339456" y="4027319"/>
+            <a:ext cx="906088" cy="368531"/>
+            <a:chOff x="1262347" y="4031673"/>
+            <a:chExt cx="906088" cy="368531"/>
+          </a:xfrm>
+        </p:grpSpPr>
+        <p:sp>
+          <p:nvSpPr>
+            <p:cNvPr id="34" name="Rectangle 33"/>
+            <p:cNvSpPr/>
+            <p:nvPr/>
+          </p:nvSpPr>
+          <p:spPr>
+            <a:xfrm>
+              <a:off x="1262347" y="4031673"/>
+              <a:ext cx="606829" cy="365760"/>
+            </a:xfrm>
+            <a:prstGeom prst="rect">
+              <a:avLst/>
+            </a:prstGeom>
+            <a:noFill/>
+            <a:ln>
+              <a:solidFill>
+                <a:schemeClr val="tx1"/>
+              </a:solidFill>
+            </a:ln>
+          </p:spPr>
+          <p:style>
+            <a:lnRef idx="2">
+              <a:schemeClr val="accent1">
+                <a:shade val="50000"/>
+              </a:schemeClr>
+            </a:lnRef>
+            <a:fillRef idx="1">
+              <a:schemeClr val="accent1"/>
+            </a:fillRef>
+            <a:effectRef idx="0">
+              <a:schemeClr val="accent1"/>
+            </a:effectRef>
+            <a:fontRef idx="minor">
+              <a:schemeClr val="lt1"/>
+            </a:fontRef>
+          </p:style>
+          <p:txBody>
+            <a:bodyPr rtlCol="0" anchor="ctr"/>
+            <a:lstStyle/>
+            <a:p>
+              <a:pPr algn="ctr"/>
+              <a:r>
+                <a:rPr lang="en-IN" dirty="0" smtClean="0">
+                  <a:solidFill>
+                    <a:schemeClr val="tx1"/>
+                  </a:solidFill>
+                </a:rPr>
+                <a:t>0</a:t>
+              </a:r>
+              <a:endParaRPr lang="en-US" dirty="0">
+                <a:solidFill>
+                  <a:schemeClr val="tx1"/>
+                </a:solidFill>
+              </a:endParaRPr>
+            </a:p>
+          </p:txBody>
+        </p:sp>
+        <p:sp>
+          <p:nvSpPr>
+            <p:cNvPr id="35" name="Rectangle 34"/>
+            <p:cNvSpPr/>
+            <p:nvPr/>
+          </p:nvSpPr>
+          <p:spPr>
+            <a:xfrm>
+              <a:off x="1871945" y="4031674"/>
+              <a:ext cx="296490" cy="368530"/>
+            </a:xfrm>
+            <a:prstGeom prst="rect">
+              <a:avLst/>
+            </a:prstGeom>
+            <a:noFill/>
+            <a:ln>
+              <a:solidFill>
+                <a:schemeClr val="tx1"/>
+              </a:solidFill>
+            </a:ln>
+          </p:spPr>
+          <p:style>
+            <a:lnRef idx="2">
+              <a:schemeClr val="accent1">
+                <a:shade val="50000"/>
+              </a:schemeClr>
+            </a:lnRef>
+            <a:fillRef idx="1">
+              <a:schemeClr val="accent1"/>
+            </a:fillRef>
+            <a:effectRef idx="0">
+              <a:schemeClr val="accent1"/>
+            </a:effectRef>
+            <a:fontRef idx="minor">
+              <a:schemeClr val="lt1"/>
+            </a:fontRef>
+          </p:style>
+          <p:txBody>
+            <a:bodyPr rtlCol="0" anchor="ctr"/>
+            <a:lstStyle/>
+            <a:p>
+              <a:pPr algn="ctr"/>
+              <a:endParaRPr lang="en-US"/>
+            </a:p>
+          </p:txBody>
+        </p:sp>
+      </p:grpSp>
+      <p:grpSp>
+        <p:nvGrpSpPr>
+          <p:cNvPr id="36" name="Group 35"/>
+          <p:cNvGrpSpPr/>
+          <p:nvPr/>
+        </p:nvGrpSpPr>
+        <p:grpSpPr>
+          <a:xfrm>
+            <a:off x="5472950" y="4937363"/>
+            <a:ext cx="906088" cy="368531"/>
+            <a:chOff x="395841" y="4941717"/>
+            <a:chExt cx="906088" cy="368531"/>
+          </a:xfrm>
+        </p:grpSpPr>
+        <p:sp>
+          <p:nvSpPr>
+            <p:cNvPr id="37" name="Rectangle 36"/>
+            <p:cNvSpPr/>
+            <p:nvPr/>
+          </p:nvSpPr>
+          <p:spPr>
+            <a:xfrm>
+              <a:off x="395841" y="4941717"/>
+              <a:ext cx="606829" cy="365760"/>
+            </a:xfrm>
+            <a:prstGeom prst="rect">
+              <a:avLst/>
+            </a:prstGeom>
+            <a:noFill/>
+            <a:ln>
+              <a:solidFill>
+                <a:schemeClr val="tx1"/>
+              </a:solidFill>
+            </a:ln>
+          </p:spPr>
+          <p:style>
+            <a:lnRef idx="2">
+              <a:schemeClr val="accent1">
+                <a:shade val="50000"/>
+              </a:schemeClr>
+            </a:lnRef>
+            <a:fillRef idx="1">
+              <a:schemeClr val="accent1"/>
+            </a:fillRef>
+            <a:effectRef idx="0">
+              <a:schemeClr val="accent1"/>
+            </a:effectRef>
+            <a:fontRef idx="minor">
+              <a:schemeClr val="lt1"/>
+            </a:fontRef>
+          </p:style>
+          <p:txBody>
+            <a:bodyPr rtlCol="0" anchor="ctr"/>
+            <a:lstStyle/>
+            <a:p>
+              <a:pPr algn="ctr"/>
+              <a:r>
+                <a:rPr lang="en-IN" dirty="0" smtClean="0">
+                  <a:solidFill>
+                    <a:schemeClr val="tx1"/>
+                  </a:solidFill>
+                </a:rPr>
+                <a:t>6</a:t>
+              </a:r>
+              <a:endParaRPr lang="en-US" dirty="0">
+                <a:solidFill>
+                  <a:schemeClr val="tx1"/>
+                </a:solidFill>
+              </a:endParaRPr>
+            </a:p>
+          </p:txBody>
+        </p:sp>
+        <p:sp>
+          <p:nvSpPr>
+            <p:cNvPr id="38" name="Rectangle 37"/>
+            <p:cNvSpPr/>
+            <p:nvPr/>
+          </p:nvSpPr>
+          <p:spPr>
+            <a:xfrm>
+              <a:off x="1005439" y="4941718"/>
+              <a:ext cx="296490" cy="368530"/>
+            </a:xfrm>
+            <a:prstGeom prst="rect">
+              <a:avLst/>
+            </a:prstGeom>
+            <a:noFill/>
+            <a:ln>
+              <a:solidFill>
+                <a:schemeClr val="tx1"/>
+              </a:solidFill>
+            </a:ln>
+          </p:spPr>
+          <p:style>
+            <a:lnRef idx="2">
+              <a:schemeClr val="accent1">
+                <a:shade val="50000"/>
+              </a:schemeClr>
+            </a:lnRef>
+            <a:fillRef idx="1">
+              <a:schemeClr val="accent1"/>
+            </a:fillRef>
+            <a:effectRef idx="0">
+              <a:schemeClr val="accent1"/>
+            </a:effectRef>
+            <a:fontRef idx="minor">
+              <a:schemeClr val="lt1"/>
+            </a:fontRef>
+          </p:style>
+          <p:txBody>
+            <a:bodyPr rtlCol="0" anchor="ctr"/>
+            <a:lstStyle/>
+            <a:p>
+              <a:pPr algn="ctr"/>
+              <a:endParaRPr lang="en-US"/>
+            </a:p>
+          </p:txBody>
+        </p:sp>
+      </p:grpSp>
+      <p:cxnSp>
+        <p:nvCxnSpPr>
+          <p:cNvPr id="39" name="Straight Arrow Connector 38"/>
+          <p:cNvCxnSpPr>
+            <a:endCxn id="34" idx="2"/>
+          </p:cNvCxnSpPr>
+          <p:nvPr/>
+        </p:nvCxnSpPr>
+        <p:spPr>
+          <a:xfrm flipV="1">
+            <a:off x="6226640" y="4393079"/>
+            <a:ext cx="416231" cy="746134"/>
+          </a:xfrm>
+          <a:prstGeom prst="straightConnector1">
+            <a:avLst/>
+          </a:prstGeom>
+          <a:ln>
+            <a:solidFill>
+              <a:schemeClr val="tx1"/>
+            </a:solidFill>
+            <a:headEnd type="oval"/>
+            <a:tailEnd type="triangle"/>
+          </a:ln>
+        </p:spPr>
+        <p:style>
+          <a:lnRef idx="1">
+            <a:schemeClr val="accent1"/>
+          </a:lnRef>
+          <a:fillRef idx="0">
+            <a:schemeClr val="accent1"/>
+          </a:fillRef>
+          <a:effectRef idx="0">
+            <a:schemeClr val="accent1"/>
+          </a:effectRef>
+          <a:fontRef idx="minor">
+            <a:schemeClr val="tx1"/>
+          </a:fontRef>
+        </p:style>
+      </p:cxnSp>
+      <p:sp>
+        <p:nvSpPr>
+          <p:cNvPr id="40" name="Rectangle 39"/>
+          <p:cNvSpPr/>
+          <p:nvPr/>
+        </p:nvSpPr>
+        <p:spPr>
+          <a:xfrm>
+            <a:off x="6996950" y="4946070"/>
+            <a:ext cx="606829" cy="365760"/>
+          </a:xfrm>
+          <a:prstGeom prst="rect">
+            <a:avLst/>
+          </a:prstGeom>
+          <a:noFill/>
+          <a:ln>
+            <a:solidFill>
+              <a:schemeClr val="tx1"/>
+            </a:solidFill>
+          </a:ln>
+        </p:spPr>
+        <p:style>
+          <a:lnRef idx="2">
+            <a:schemeClr val="accent1">
+              <a:shade val="50000"/>
+            </a:schemeClr>
+          </a:lnRef>
+          <a:fillRef idx="1">
+            <a:schemeClr val="accent1"/>
+          </a:fillRef>
+          <a:effectRef idx="0">
+            <a:schemeClr val="accent1"/>
+          </a:effectRef>
+          <a:fontRef idx="minor">
+            <a:schemeClr val="lt1"/>
+          </a:fontRef>
+        </p:style>
+        <p:txBody>
+          <a:bodyPr rtlCol="0" anchor="ctr"/>
+          <a:lstStyle/>
+          <a:p>
+            <a:pPr algn="ctr"/>
+            <a:r>
+              <a:rPr lang="en-IN" dirty="0" smtClean="0">
+                <a:solidFill>
+                  <a:schemeClr val="tx1"/>
+                </a:solidFill>
+              </a:rPr>
+              <a:t>2</a:t>
+            </a:r>
+            <a:endParaRPr lang="en-US" dirty="0">
+              <a:solidFill>
+                <a:schemeClr val="tx1"/>
+              </a:solidFill>
+            </a:endParaRPr>
+          </a:p>
+        </p:txBody>
+      </p:sp>
+      <p:sp>
+        <p:nvSpPr>
+          <p:cNvPr id="41" name="Rectangle 40"/>
+          <p:cNvSpPr/>
+          <p:nvPr/>
+        </p:nvSpPr>
+        <p:spPr>
+          <a:xfrm>
+            <a:off x="7606548" y="4946071"/>
+            <a:ext cx="296490" cy="368530"/>
+          </a:xfrm>
+          <a:prstGeom prst="rect">
+            <a:avLst/>
+          </a:prstGeom>
+          <a:noFill/>
+          <a:ln>
+            <a:solidFill>
+              <a:schemeClr val="tx1"/>
+            </a:solidFill>
+          </a:ln>
+        </p:spPr>
+        <p:style>
+          <a:lnRef idx="2">
+            <a:schemeClr val="accent1">
+              <a:shade val="50000"/>
+            </a:schemeClr>
+          </a:lnRef>
+          <a:fillRef idx="1">
+            <a:schemeClr val="accent1"/>
+          </a:fillRef>
+          <a:effectRef idx="0">
+            <a:schemeClr val="accent1"/>
+          </a:effectRef>
+          <a:fontRef idx="minor">
+            <a:schemeClr val="lt1"/>
+          </a:fontRef>
+        </p:style>
+        <p:txBody>
+          <a:bodyPr rtlCol="0" anchor="ctr"/>
+          <a:lstStyle/>
+          <a:p>
+            <a:pPr algn="ctr"/>
+            <a:endParaRPr lang="en-US"/>
+          </a:p>
+        </p:txBody>
+      </p:sp>
+      <p:cxnSp>
+        <p:nvCxnSpPr>
+          <p:cNvPr id="42" name="Straight Arrow Connector 41"/>
+          <p:cNvCxnSpPr/>
+          <p:nvPr/>
+        </p:nvCxnSpPr>
+        <p:spPr>
+          <a:xfrm flipH="1" flipV="1">
+            <a:off x="6775280" y="4393079"/>
+            <a:ext cx="963411" cy="746134"/>
+          </a:xfrm>
+          <a:prstGeom prst="straightConnector1">
+            <a:avLst/>
+          </a:prstGeom>
+          <a:ln>
+            <a:solidFill>
+              <a:schemeClr val="tx1"/>
+            </a:solidFill>
+            <a:headEnd type="oval"/>
+            <a:tailEnd type="triangle"/>
+          </a:ln>
+        </p:spPr>
+        <p:style>
+          <a:lnRef idx="1">
+            <a:schemeClr val="accent1"/>
+          </a:lnRef>
+          <a:fillRef idx="0">
+            <a:schemeClr val="accent1"/>
+          </a:fillRef>
+          <a:effectRef idx="0">
+            <a:schemeClr val="accent1"/>
+          </a:effectRef>
+          <a:fontRef idx="minor">
+            <a:schemeClr val="tx1"/>
+          </a:fontRef>
+        </p:style>
+      </p:cxnSp>
+      <p:grpSp>
+        <p:nvGrpSpPr>
+          <p:cNvPr id="43" name="Group 42"/>
+          <p:cNvGrpSpPr/>
+          <p:nvPr/>
+        </p:nvGrpSpPr>
+        <p:grpSpPr>
+          <a:xfrm>
+            <a:off x="3848802" y="4919944"/>
+            <a:ext cx="906088" cy="368531"/>
+            <a:chOff x="395841" y="4941717"/>
+            <a:chExt cx="906088" cy="368531"/>
+          </a:xfrm>
+        </p:grpSpPr>
+        <p:sp>
+          <p:nvSpPr>
+            <p:cNvPr id="44" name="Rectangle 43"/>
+            <p:cNvSpPr/>
+            <p:nvPr/>
+          </p:nvSpPr>
+          <p:spPr>
+            <a:xfrm>
+              <a:off x="395841" y="4941717"/>
+              <a:ext cx="606829" cy="365760"/>
+            </a:xfrm>
+            <a:prstGeom prst="rect">
+              <a:avLst/>
+            </a:prstGeom>
+            <a:noFill/>
+            <a:ln>
+              <a:solidFill>
+                <a:schemeClr val="tx1"/>
+              </a:solidFill>
+            </a:ln>
+          </p:spPr>
+          <p:style>
+            <a:lnRef idx="2">
+              <a:schemeClr val="accent1">
+                <a:shade val="50000"/>
+              </a:schemeClr>
+            </a:lnRef>
+            <a:fillRef idx="1">
+              <a:schemeClr val="accent1"/>
+            </a:fillRef>
+            <a:effectRef idx="0">
+              <a:schemeClr val="accent1"/>
+            </a:effectRef>
+            <a:fontRef idx="minor">
+              <a:schemeClr val="lt1"/>
+            </a:fontRef>
+          </p:style>
+          <p:txBody>
+            <a:bodyPr rtlCol="0" anchor="ctr"/>
+            <a:lstStyle/>
+            <a:p>
+              <a:pPr algn="ctr"/>
+              <a:r>
+                <a:rPr lang="en-IN" dirty="0" smtClean="0">
+                  <a:solidFill>
+                    <a:schemeClr val="tx1"/>
+                  </a:solidFill>
+                </a:rPr>
+                <a:t>3</a:t>
+              </a:r>
+              <a:endParaRPr lang="en-US" dirty="0">
+                <a:solidFill>
+                  <a:schemeClr val="tx1"/>
+                </a:solidFill>
+              </a:endParaRPr>
+            </a:p>
+          </p:txBody>
+        </p:sp>
+        <p:sp>
+          <p:nvSpPr>
+            <p:cNvPr id="45" name="Rectangle 44"/>
+            <p:cNvSpPr/>
+            <p:nvPr/>
+          </p:nvSpPr>
+          <p:spPr>
+            <a:xfrm>
+              <a:off x="1005439" y="4941718"/>
+              <a:ext cx="296490" cy="368530"/>
+            </a:xfrm>
+            <a:prstGeom prst="rect">
+              <a:avLst/>
+            </a:prstGeom>
+            <a:noFill/>
+            <a:ln>
+              <a:solidFill>
+                <a:schemeClr val="tx1"/>
+              </a:solidFill>
+            </a:ln>
+          </p:spPr>
+          <p:style>
+            <a:lnRef idx="2">
+              <a:schemeClr val="accent1">
+                <a:shade val="50000"/>
+              </a:schemeClr>
+            </a:lnRef>
+            <a:fillRef idx="1">
+              <a:schemeClr val="accent1"/>
+            </a:fillRef>
+            <a:effectRef idx="0">
+              <a:schemeClr val="accent1"/>
+            </a:effectRef>
+            <a:fontRef idx="minor">
+              <a:schemeClr val="lt1"/>
+            </a:fontRef>
+          </p:style>
+          <p:txBody>
+            <a:bodyPr rtlCol="0" anchor="ctr"/>
+            <a:lstStyle/>
+            <a:p>
+              <a:pPr algn="ctr"/>
+              <a:endParaRPr lang="en-US"/>
+            </a:p>
+          </p:txBody>
+        </p:sp>
+      </p:grpSp>
+    </p:spTree>
+    <p:extLst>
+      <p:ext uri="{BB962C8B-B14F-4D97-AF65-F5344CB8AC3E}">
+        <p14:creationId xmlns:p14="http://schemas.microsoft.com/office/powerpoint/2010/main" val="1617369830"/>
+      </p:ext>
+    </p:extLst>
+  </p:cSld>
+  <p:clrMapOvr>
+    <a:masterClrMapping/>
+  </p:clrMapOvr>
+</p:sld>
+</file>
+
 <file path=ppt/slides/slide2.xml><?xml version="1.0" encoding="utf-8"?>
 <p:sld xmlns:a="http://schemas.openxmlformats.org/drawingml/2006/main" xmlns:r="http://schemas.openxmlformats.org/officeDocument/2006/relationships" xmlns:p="http://schemas.openxmlformats.org/presentationml/2006/main">
   <p:cSld>

--- a/DSA.pptx
+++ b/DSA.pptx
@@ -19,6 +19,7 @@
     <p:sldId id="267" r:id="rId13"/>
     <p:sldId id="268" r:id="rId14"/>
     <p:sldId id="269" r:id="rId15"/>
+    <p:sldId id="270" r:id="rId16"/>
   </p:sldIdLst>
   <p:sldSz cx="12192000" cy="6858000"/>
   <p:notesSz cx="6858000" cy="9144000"/>
@@ -256,7 +257,7 @@
           <a:p>
             <a:fld id="{4035D5AE-06E2-4508-A51F-C81B6FDAA234}" type="datetimeFigureOut">
               <a:rPr lang="en-US" smtClean="0"/>
-              <a:t>10/11/2019</a:t>
+              <a:t>10/25/2019</a:t>
             </a:fld>
             <a:endParaRPr lang="en-US"/>
           </a:p>
@@ -426,7 +427,7 @@
           <a:p>
             <a:fld id="{4035D5AE-06E2-4508-A51F-C81B6FDAA234}" type="datetimeFigureOut">
               <a:rPr lang="en-US" smtClean="0"/>
-              <a:t>10/11/2019</a:t>
+              <a:t>10/25/2019</a:t>
             </a:fld>
             <a:endParaRPr lang="en-US"/>
           </a:p>
@@ -606,7 +607,7 @@
           <a:p>
             <a:fld id="{4035D5AE-06E2-4508-A51F-C81B6FDAA234}" type="datetimeFigureOut">
               <a:rPr lang="en-US" smtClean="0"/>
-              <a:t>10/11/2019</a:t>
+              <a:t>10/25/2019</a:t>
             </a:fld>
             <a:endParaRPr lang="en-US"/>
           </a:p>
@@ -776,7 +777,7 @@
           <a:p>
             <a:fld id="{4035D5AE-06E2-4508-A51F-C81B6FDAA234}" type="datetimeFigureOut">
               <a:rPr lang="en-US" smtClean="0"/>
-              <a:t>10/11/2019</a:t>
+              <a:t>10/25/2019</a:t>
             </a:fld>
             <a:endParaRPr lang="en-US"/>
           </a:p>
@@ -1022,7 +1023,7 @@
           <a:p>
             <a:fld id="{4035D5AE-06E2-4508-A51F-C81B6FDAA234}" type="datetimeFigureOut">
               <a:rPr lang="en-US" smtClean="0"/>
-              <a:t>10/11/2019</a:t>
+              <a:t>10/25/2019</a:t>
             </a:fld>
             <a:endParaRPr lang="en-US"/>
           </a:p>
@@ -1254,7 +1255,7 @@
           <a:p>
             <a:fld id="{4035D5AE-06E2-4508-A51F-C81B6FDAA234}" type="datetimeFigureOut">
               <a:rPr lang="en-US" smtClean="0"/>
-              <a:t>10/11/2019</a:t>
+              <a:t>10/25/2019</a:t>
             </a:fld>
             <a:endParaRPr lang="en-US"/>
           </a:p>
@@ -1621,7 +1622,7 @@
           <a:p>
             <a:fld id="{4035D5AE-06E2-4508-A51F-C81B6FDAA234}" type="datetimeFigureOut">
               <a:rPr lang="en-US" smtClean="0"/>
-              <a:t>10/11/2019</a:t>
+              <a:t>10/25/2019</a:t>
             </a:fld>
             <a:endParaRPr lang="en-US"/>
           </a:p>
@@ -1739,7 +1740,7 @@
           <a:p>
             <a:fld id="{4035D5AE-06E2-4508-A51F-C81B6FDAA234}" type="datetimeFigureOut">
               <a:rPr lang="en-US" smtClean="0"/>
-              <a:t>10/11/2019</a:t>
+              <a:t>10/25/2019</a:t>
             </a:fld>
             <a:endParaRPr lang="en-US"/>
           </a:p>
@@ -1834,7 +1835,7 @@
           <a:p>
             <a:fld id="{4035D5AE-06E2-4508-A51F-C81B6FDAA234}" type="datetimeFigureOut">
               <a:rPr lang="en-US" smtClean="0"/>
-              <a:t>10/11/2019</a:t>
+              <a:t>10/25/2019</a:t>
             </a:fld>
             <a:endParaRPr lang="en-US"/>
           </a:p>
@@ -2111,7 +2112,7 @@
           <a:p>
             <a:fld id="{4035D5AE-06E2-4508-A51F-C81B6FDAA234}" type="datetimeFigureOut">
               <a:rPr lang="en-US" smtClean="0"/>
-              <a:t>10/11/2019</a:t>
+              <a:t>10/25/2019</a:t>
             </a:fld>
             <a:endParaRPr lang="en-US"/>
           </a:p>
@@ -2364,7 +2365,7 @@
           <a:p>
             <a:fld id="{4035D5AE-06E2-4508-A51F-C81B6FDAA234}" type="datetimeFigureOut">
               <a:rPr lang="en-US" smtClean="0"/>
-              <a:t>10/11/2019</a:t>
+              <a:t>10/25/2019</a:t>
             </a:fld>
             <a:endParaRPr lang="en-US"/>
           </a:p>
@@ -2577,7 +2578,7 @@
           <a:p>
             <a:fld id="{4035D5AE-06E2-4508-A51F-C81B6FDAA234}" type="datetimeFigureOut">
               <a:rPr lang="en-US" smtClean="0"/>
-              <a:t>10/11/2019</a:t>
+              <a:t>10/25/2019</a:t>
             </a:fld>
             <a:endParaRPr lang="en-US"/>
           </a:p>
@@ -11278,6 +11279,3127 @@
 </p:sld>
 </file>
 
+<file path=ppt/slides/slide15.xml><?xml version="1.0" encoding="utf-8"?>
+<p:sld xmlns:a="http://schemas.openxmlformats.org/drawingml/2006/main" xmlns:r="http://schemas.openxmlformats.org/officeDocument/2006/relationships" xmlns:p="http://schemas.openxmlformats.org/presentationml/2006/main">
+  <p:cSld>
+    <p:spTree>
+      <p:nvGrpSpPr>
+        <p:cNvPr id="1" name=""/>
+        <p:cNvGrpSpPr/>
+        <p:nvPr/>
+      </p:nvGrpSpPr>
+      <p:grpSpPr>
+        <a:xfrm>
+          <a:off x="0" y="0"/>
+          <a:ext cx="0" cy="0"/>
+          <a:chOff x="0" y="0"/>
+          <a:chExt cx="0" cy="0"/>
+        </a:xfrm>
+      </p:grpSpPr>
+      <p:sp>
+        <p:nvSpPr>
+          <p:cNvPr id="2" name="Title 1"/>
+          <p:cNvSpPr>
+            <a:spLocks noGrp="1"/>
+          </p:cNvSpPr>
+          <p:nvPr>
+            <p:ph type="title"/>
+          </p:nvPr>
+        </p:nvSpPr>
+        <p:spPr>
+          <a:xfrm>
+            <a:off x="838200" y="79373"/>
+            <a:ext cx="10515600" cy="1325563"/>
+          </a:xfrm>
+        </p:spPr>
+        <p:txBody>
+          <a:bodyPr/>
+          <a:lstStyle/>
+          <a:p>
+            <a:r>
+              <a:rPr lang="en-IN" dirty="0" smtClean="0"/>
+              <a:t>Hash Table</a:t>
+            </a:r>
+            <a:endParaRPr lang="en-US" dirty="0"/>
+          </a:p>
+        </p:txBody>
+      </p:sp>
+      <p:graphicFrame>
+        <p:nvGraphicFramePr>
+          <p:cNvPr id="3" name="Table 2"/>
+          <p:cNvGraphicFramePr>
+            <a:graphicFrameLocks noGrp="1"/>
+          </p:cNvGraphicFramePr>
+          <p:nvPr>
+            <p:extLst>
+              <p:ext uri="{D42A27DB-BD31-4B8C-83A1-F6EECF244321}">
+                <p14:modId xmlns:p14="http://schemas.microsoft.com/office/powerpoint/2010/main" val="2853969747"/>
+              </p:ext>
+            </p:extLst>
+          </p:nvPr>
+        </p:nvGraphicFramePr>
+        <p:xfrm>
+          <a:off x="4946665" y="1976443"/>
+          <a:ext cx="1925638" cy="4023360"/>
+        </p:xfrm>
+        <a:graphic>
+          <a:graphicData uri="http://schemas.openxmlformats.org/drawingml/2006/table">
+            <a:tbl>
+              <a:tblPr firstRow="1" bandRow="1">
+                <a:tableStyleId>{5940675A-B579-460E-94D1-54222C63F5DA}</a:tableStyleId>
+              </a:tblPr>
+              <a:tblGrid>
+                <a:gridCol w="1925638">
+                  <a:extLst>
+                    <a:ext uri="{9D8B030D-6E8A-4147-A177-3AD203B41FA5}">
+                      <a16:colId xmlns:a16="http://schemas.microsoft.com/office/drawing/2014/main" val="2987286475"/>
+                    </a:ext>
+                  </a:extLst>
+                </a:gridCol>
+              </a:tblGrid>
+              <a:tr h="364460">
+                <a:tc>
+                  <a:txBody>
+                    <a:bodyPr/>
+                    <a:lstStyle/>
+                    <a:p>
+                      <a:endParaRPr lang="en-US" dirty="0"/>
+                    </a:p>
+                  </a:txBody>
+                  <a:tcPr/>
+                </a:tc>
+                <a:extLst>
+                  <a:ext uri="{0D108BD9-81ED-4DB2-BD59-A6C34878D82A}">
+                    <a16:rowId xmlns:a16="http://schemas.microsoft.com/office/drawing/2014/main" val="3176946757"/>
+                  </a:ext>
+                </a:extLst>
+              </a:tr>
+              <a:tr h="364460">
+                <a:tc>
+                  <a:txBody>
+                    <a:bodyPr/>
+                    <a:lstStyle/>
+                    <a:p>
+                      <a:endParaRPr lang="en-US"/>
+                    </a:p>
+                  </a:txBody>
+                  <a:tcPr/>
+                </a:tc>
+                <a:extLst>
+                  <a:ext uri="{0D108BD9-81ED-4DB2-BD59-A6C34878D82A}">
+                    <a16:rowId xmlns:a16="http://schemas.microsoft.com/office/drawing/2014/main" val="1483844776"/>
+                  </a:ext>
+                </a:extLst>
+              </a:tr>
+              <a:tr h="364460">
+                <a:tc>
+                  <a:txBody>
+                    <a:bodyPr/>
+                    <a:lstStyle/>
+                    <a:p>
+                      <a:endParaRPr lang="en-US"/>
+                    </a:p>
+                  </a:txBody>
+                  <a:tcPr/>
+                </a:tc>
+                <a:extLst>
+                  <a:ext uri="{0D108BD9-81ED-4DB2-BD59-A6C34878D82A}">
+                    <a16:rowId xmlns:a16="http://schemas.microsoft.com/office/drawing/2014/main" val="2172884372"/>
+                  </a:ext>
+                </a:extLst>
+              </a:tr>
+              <a:tr h="364460">
+                <a:tc>
+                  <a:txBody>
+                    <a:bodyPr/>
+                    <a:lstStyle/>
+                    <a:p>
+                      <a:endParaRPr lang="en-US" dirty="0"/>
+                    </a:p>
+                  </a:txBody>
+                  <a:tcPr/>
+                </a:tc>
+                <a:extLst>
+                  <a:ext uri="{0D108BD9-81ED-4DB2-BD59-A6C34878D82A}">
+                    <a16:rowId xmlns:a16="http://schemas.microsoft.com/office/drawing/2014/main" val="1581206954"/>
+                  </a:ext>
+                </a:extLst>
+              </a:tr>
+              <a:tr h="364460">
+                <a:tc>
+                  <a:txBody>
+                    <a:bodyPr/>
+                    <a:lstStyle/>
+                    <a:p>
+                      <a:endParaRPr lang="en-US" dirty="0"/>
+                    </a:p>
+                  </a:txBody>
+                  <a:tcPr/>
+                </a:tc>
+                <a:extLst>
+                  <a:ext uri="{0D108BD9-81ED-4DB2-BD59-A6C34878D82A}">
+                    <a16:rowId xmlns:a16="http://schemas.microsoft.com/office/drawing/2014/main" val="2189331091"/>
+                  </a:ext>
+                </a:extLst>
+              </a:tr>
+              <a:tr h="364460">
+                <a:tc>
+                  <a:txBody>
+                    <a:bodyPr/>
+                    <a:lstStyle/>
+                    <a:p>
+                      <a:endParaRPr lang="en-US"/>
+                    </a:p>
+                  </a:txBody>
+                  <a:tcPr/>
+                </a:tc>
+                <a:extLst>
+                  <a:ext uri="{0D108BD9-81ED-4DB2-BD59-A6C34878D82A}">
+                    <a16:rowId xmlns:a16="http://schemas.microsoft.com/office/drawing/2014/main" val="1066292492"/>
+                  </a:ext>
+                </a:extLst>
+              </a:tr>
+              <a:tr h="364460">
+                <a:tc>
+                  <a:txBody>
+                    <a:bodyPr/>
+                    <a:lstStyle/>
+                    <a:p>
+                      <a:endParaRPr lang="en-US"/>
+                    </a:p>
+                  </a:txBody>
+                  <a:tcPr/>
+                </a:tc>
+                <a:extLst>
+                  <a:ext uri="{0D108BD9-81ED-4DB2-BD59-A6C34878D82A}">
+                    <a16:rowId xmlns:a16="http://schemas.microsoft.com/office/drawing/2014/main" val="3569904767"/>
+                  </a:ext>
+                </a:extLst>
+              </a:tr>
+              <a:tr h="364460">
+                <a:tc>
+                  <a:txBody>
+                    <a:bodyPr/>
+                    <a:lstStyle/>
+                    <a:p>
+                      <a:endParaRPr lang="en-US" dirty="0"/>
+                    </a:p>
+                  </a:txBody>
+                  <a:tcPr/>
+                </a:tc>
+                <a:extLst>
+                  <a:ext uri="{0D108BD9-81ED-4DB2-BD59-A6C34878D82A}">
+                    <a16:rowId xmlns:a16="http://schemas.microsoft.com/office/drawing/2014/main" val="544716086"/>
+                  </a:ext>
+                </a:extLst>
+              </a:tr>
+              <a:tr h="364460">
+                <a:tc>
+                  <a:txBody>
+                    <a:bodyPr/>
+                    <a:lstStyle/>
+                    <a:p>
+                      <a:endParaRPr lang="en-US" dirty="0"/>
+                    </a:p>
+                  </a:txBody>
+                  <a:tcPr/>
+                </a:tc>
+                <a:extLst>
+                  <a:ext uri="{0D108BD9-81ED-4DB2-BD59-A6C34878D82A}">
+                    <a16:rowId xmlns:a16="http://schemas.microsoft.com/office/drawing/2014/main" val="2687689781"/>
+                  </a:ext>
+                </a:extLst>
+              </a:tr>
+              <a:tr h="364460">
+                <a:tc>
+                  <a:txBody>
+                    <a:bodyPr/>
+                    <a:lstStyle/>
+                    <a:p>
+                      <a:endParaRPr lang="en-US" dirty="0"/>
+                    </a:p>
+                  </a:txBody>
+                  <a:tcPr/>
+                </a:tc>
+                <a:extLst>
+                  <a:ext uri="{0D108BD9-81ED-4DB2-BD59-A6C34878D82A}">
+                    <a16:rowId xmlns:a16="http://schemas.microsoft.com/office/drawing/2014/main" val="2401117926"/>
+                  </a:ext>
+                </a:extLst>
+              </a:tr>
+              <a:tr h="364460">
+                <a:tc>
+                  <a:txBody>
+                    <a:bodyPr/>
+                    <a:lstStyle/>
+                    <a:p>
+                      <a:endParaRPr lang="en-US" dirty="0"/>
+                    </a:p>
+                  </a:txBody>
+                  <a:tcPr/>
+                </a:tc>
+                <a:extLst>
+                  <a:ext uri="{0D108BD9-81ED-4DB2-BD59-A6C34878D82A}">
+                    <a16:rowId xmlns:a16="http://schemas.microsoft.com/office/drawing/2014/main" val="621988629"/>
+                  </a:ext>
+                </a:extLst>
+              </a:tr>
+            </a:tbl>
+          </a:graphicData>
+        </a:graphic>
+      </p:graphicFrame>
+      <p:sp>
+        <p:nvSpPr>
+          <p:cNvPr id="4" name="TextBox 3"/>
+          <p:cNvSpPr txBox="1"/>
+          <p:nvPr/>
+        </p:nvSpPr>
+        <p:spPr>
+          <a:xfrm>
+            <a:off x="4586289" y="1976443"/>
+            <a:ext cx="328612" cy="366712"/>
+          </a:xfrm>
+          <a:prstGeom prst="rect">
+            <a:avLst/>
+          </a:prstGeom>
+          <a:noFill/>
+        </p:spPr>
+        <p:txBody>
+          <a:bodyPr wrap="square" rtlCol="0">
+            <a:spAutoFit/>
+          </a:bodyPr>
+          <a:lstStyle/>
+          <a:p>
+            <a:r>
+              <a:rPr lang="en-IN" dirty="0"/>
+              <a:t>0</a:t>
+            </a:r>
+            <a:endParaRPr lang="en-US" dirty="0"/>
+          </a:p>
+        </p:txBody>
+      </p:sp>
+      <p:sp>
+        <p:nvSpPr>
+          <p:cNvPr id="5" name="TextBox 4"/>
+          <p:cNvSpPr txBox="1"/>
+          <p:nvPr/>
+        </p:nvSpPr>
+        <p:spPr>
+          <a:xfrm>
+            <a:off x="4581537" y="2343159"/>
+            <a:ext cx="328612" cy="366712"/>
+          </a:xfrm>
+          <a:prstGeom prst="rect">
+            <a:avLst/>
+          </a:prstGeom>
+          <a:noFill/>
+        </p:spPr>
+        <p:txBody>
+          <a:bodyPr wrap="square" rtlCol="0">
+            <a:spAutoFit/>
+          </a:bodyPr>
+          <a:lstStyle/>
+          <a:p>
+            <a:r>
+              <a:rPr lang="en-IN" dirty="0" smtClean="0"/>
+              <a:t>1</a:t>
+            </a:r>
+            <a:endParaRPr lang="en-US" dirty="0"/>
+          </a:p>
+        </p:txBody>
+      </p:sp>
+      <p:sp>
+        <p:nvSpPr>
+          <p:cNvPr id="6" name="TextBox 5"/>
+          <p:cNvSpPr txBox="1"/>
+          <p:nvPr/>
+        </p:nvSpPr>
+        <p:spPr>
+          <a:xfrm>
+            <a:off x="4581522" y="2686065"/>
+            <a:ext cx="328612" cy="366712"/>
+          </a:xfrm>
+          <a:prstGeom prst="rect">
+            <a:avLst/>
+          </a:prstGeom>
+          <a:noFill/>
+        </p:spPr>
+        <p:txBody>
+          <a:bodyPr wrap="square" rtlCol="0">
+            <a:spAutoFit/>
+          </a:bodyPr>
+          <a:lstStyle/>
+          <a:p>
+            <a:r>
+              <a:rPr lang="en-IN" dirty="0" smtClean="0"/>
+              <a:t>2</a:t>
+            </a:r>
+            <a:endParaRPr lang="en-US" dirty="0"/>
+          </a:p>
+        </p:txBody>
+      </p:sp>
+      <p:sp>
+        <p:nvSpPr>
+          <p:cNvPr id="7" name="TextBox 6"/>
+          <p:cNvSpPr txBox="1"/>
+          <p:nvPr/>
+        </p:nvSpPr>
+        <p:spPr>
+          <a:xfrm>
+            <a:off x="4591058" y="3052781"/>
+            <a:ext cx="328612" cy="366712"/>
+          </a:xfrm>
+          <a:prstGeom prst="rect">
+            <a:avLst/>
+          </a:prstGeom>
+          <a:noFill/>
+        </p:spPr>
+        <p:txBody>
+          <a:bodyPr wrap="square" rtlCol="0">
+            <a:spAutoFit/>
+          </a:bodyPr>
+          <a:lstStyle/>
+          <a:p>
+            <a:r>
+              <a:rPr lang="en-IN" dirty="0" smtClean="0"/>
+              <a:t>3</a:t>
+            </a:r>
+            <a:endParaRPr lang="en-US" dirty="0"/>
+          </a:p>
+        </p:txBody>
+      </p:sp>
+      <p:sp>
+        <p:nvSpPr>
+          <p:cNvPr id="8" name="TextBox 7"/>
+          <p:cNvSpPr txBox="1"/>
+          <p:nvPr/>
+        </p:nvSpPr>
+        <p:spPr>
+          <a:xfrm>
+            <a:off x="4595809" y="3414730"/>
+            <a:ext cx="328612" cy="366712"/>
+          </a:xfrm>
+          <a:prstGeom prst="rect">
+            <a:avLst/>
+          </a:prstGeom>
+          <a:noFill/>
+        </p:spPr>
+        <p:txBody>
+          <a:bodyPr wrap="square" rtlCol="0">
+            <a:spAutoFit/>
+          </a:bodyPr>
+          <a:lstStyle/>
+          <a:p>
+            <a:r>
+              <a:rPr lang="en-IN" dirty="0" smtClean="0"/>
+              <a:t>4</a:t>
+            </a:r>
+            <a:endParaRPr lang="en-US" dirty="0"/>
+          </a:p>
+        </p:txBody>
+      </p:sp>
+      <p:sp>
+        <p:nvSpPr>
+          <p:cNvPr id="9" name="TextBox 8"/>
+          <p:cNvSpPr txBox="1"/>
+          <p:nvPr/>
+        </p:nvSpPr>
+        <p:spPr>
+          <a:xfrm>
+            <a:off x="4591057" y="3781446"/>
+            <a:ext cx="328612" cy="366712"/>
+          </a:xfrm>
+          <a:prstGeom prst="rect">
+            <a:avLst/>
+          </a:prstGeom>
+          <a:noFill/>
+        </p:spPr>
+        <p:txBody>
+          <a:bodyPr wrap="square" rtlCol="0">
+            <a:spAutoFit/>
+          </a:bodyPr>
+          <a:lstStyle/>
+          <a:p>
+            <a:r>
+              <a:rPr lang="en-IN" dirty="0" smtClean="0"/>
+              <a:t>5</a:t>
+            </a:r>
+            <a:endParaRPr lang="en-US" dirty="0"/>
+          </a:p>
+        </p:txBody>
+      </p:sp>
+      <p:sp>
+        <p:nvSpPr>
+          <p:cNvPr id="10" name="TextBox 9"/>
+          <p:cNvSpPr txBox="1"/>
+          <p:nvPr/>
+        </p:nvSpPr>
+        <p:spPr>
+          <a:xfrm>
+            <a:off x="4591042" y="4124352"/>
+            <a:ext cx="328612" cy="366712"/>
+          </a:xfrm>
+          <a:prstGeom prst="rect">
+            <a:avLst/>
+          </a:prstGeom>
+          <a:noFill/>
+        </p:spPr>
+        <p:txBody>
+          <a:bodyPr wrap="square" rtlCol="0">
+            <a:spAutoFit/>
+          </a:bodyPr>
+          <a:lstStyle/>
+          <a:p>
+            <a:r>
+              <a:rPr lang="en-IN" dirty="0" smtClean="0"/>
+              <a:t>6</a:t>
+            </a:r>
+            <a:endParaRPr lang="en-US" dirty="0"/>
+          </a:p>
+        </p:txBody>
+      </p:sp>
+      <p:sp>
+        <p:nvSpPr>
+          <p:cNvPr id="11" name="TextBox 10"/>
+          <p:cNvSpPr txBox="1"/>
+          <p:nvPr/>
+        </p:nvSpPr>
+        <p:spPr>
+          <a:xfrm>
+            <a:off x="4600578" y="4491068"/>
+            <a:ext cx="328612" cy="366712"/>
+          </a:xfrm>
+          <a:prstGeom prst="rect">
+            <a:avLst/>
+          </a:prstGeom>
+          <a:noFill/>
+        </p:spPr>
+        <p:txBody>
+          <a:bodyPr wrap="square" rtlCol="0">
+            <a:spAutoFit/>
+          </a:bodyPr>
+          <a:lstStyle/>
+          <a:p>
+            <a:r>
+              <a:rPr lang="en-IN" dirty="0" smtClean="0"/>
+              <a:t>7</a:t>
+            </a:r>
+            <a:endParaRPr lang="en-US" dirty="0"/>
+          </a:p>
+        </p:txBody>
+      </p:sp>
+      <p:sp>
+        <p:nvSpPr>
+          <p:cNvPr id="12" name="TextBox 11"/>
+          <p:cNvSpPr txBox="1"/>
+          <p:nvPr/>
+        </p:nvSpPr>
+        <p:spPr>
+          <a:xfrm>
+            <a:off x="4581524" y="4929201"/>
+            <a:ext cx="328612" cy="366712"/>
+          </a:xfrm>
+          <a:prstGeom prst="rect">
+            <a:avLst/>
+          </a:prstGeom>
+          <a:noFill/>
+        </p:spPr>
+        <p:txBody>
+          <a:bodyPr wrap="square" rtlCol="0">
+            <a:spAutoFit/>
+          </a:bodyPr>
+          <a:lstStyle/>
+          <a:p>
+            <a:r>
+              <a:rPr lang="en-IN" dirty="0" smtClean="0"/>
+              <a:t>8</a:t>
+            </a:r>
+            <a:endParaRPr lang="en-US" dirty="0"/>
+          </a:p>
+        </p:txBody>
+      </p:sp>
+      <p:sp>
+        <p:nvSpPr>
+          <p:cNvPr id="13" name="TextBox 12"/>
+          <p:cNvSpPr txBox="1"/>
+          <p:nvPr/>
+        </p:nvSpPr>
+        <p:spPr>
+          <a:xfrm>
+            <a:off x="4576772" y="5295917"/>
+            <a:ext cx="328612" cy="366712"/>
+          </a:xfrm>
+          <a:prstGeom prst="rect">
+            <a:avLst/>
+          </a:prstGeom>
+          <a:noFill/>
+        </p:spPr>
+        <p:txBody>
+          <a:bodyPr wrap="square" rtlCol="0">
+            <a:spAutoFit/>
+          </a:bodyPr>
+          <a:lstStyle/>
+          <a:p>
+            <a:r>
+              <a:rPr lang="en-IN" dirty="0" smtClean="0"/>
+              <a:t>9</a:t>
+            </a:r>
+            <a:endParaRPr lang="en-US" dirty="0"/>
+          </a:p>
+        </p:txBody>
+      </p:sp>
+      <p:sp>
+        <p:nvSpPr>
+          <p:cNvPr id="14" name="TextBox 13"/>
+          <p:cNvSpPr txBox="1"/>
+          <p:nvPr/>
+        </p:nvSpPr>
+        <p:spPr>
+          <a:xfrm>
+            <a:off x="4443429" y="5638823"/>
+            <a:ext cx="476228" cy="369332"/>
+          </a:xfrm>
+          <a:prstGeom prst="rect">
+            <a:avLst/>
+          </a:prstGeom>
+          <a:noFill/>
+        </p:spPr>
+        <p:txBody>
+          <a:bodyPr wrap="square" rtlCol="0">
+            <a:spAutoFit/>
+          </a:bodyPr>
+          <a:lstStyle/>
+          <a:p>
+            <a:r>
+              <a:rPr lang="en-IN" dirty="0" smtClean="0"/>
+              <a:t>10</a:t>
+            </a:r>
+            <a:endParaRPr lang="en-US" dirty="0"/>
+          </a:p>
+        </p:txBody>
+      </p:sp>
+      <p:grpSp>
+        <p:nvGrpSpPr>
+          <p:cNvPr id="16" name="Group 15"/>
+          <p:cNvGrpSpPr/>
+          <p:nvPr/>
+        </p:nvGrpSpPr>
+        <p:grpSpPr>
+          <a:xfrm>
+            <a:off x="7586148" y="3821003"/>
+            <a:ext cx="906088" cy="368869"/>
+            <a:chOff x="4862154" y="2252749"/>
+            <a:chExt cx="906088" cy="368869"/>
+          </a:xfrm>
+        </p:grpSpPr>
+        <p:sp>
+          <p:nvSpPr>
+            <p:cNvPr id="17" name="Rectangle 16"/>
+            <p:cNvSpPr/>
+            <p:nvPr/>
+          </p:nvSpPr>
+          <p:spPr>
+            <a:xfrm>
+              <a:off x="4862154" y="2252749"/>
+              <a:ext cx="606829" cy="368869"/>
+            </a:xfrm>
+            <a:prstGeom prst="rect">
+              <a:avLst/>
+            </a:prstGeom>
+            <a:noFill/>
+            <a:ln>
+              <a:solidFill>
+                <a:schemeClr val="tx1"/>
+              </a:solidFill>
+            </a:ln>
+          </p:spPr>
+          <p:style>
+            <a:lnRef idx="2">
+              <a:schemeClr val="accent1">
+                <a:shade val="50000"/>
+              </a:schemeClr>
+            </a:lnRef>
+            <a:fillRef idx="1">
+              <a:schemeClr val="accent1"/>
+            </a:fillRef>
+            <a:effectRef idx="0">
+              <a:schemeClr val="accent1"/>
+            </a:effectRef>
+            <a:fontRef idx="minor">
+              <a:schemeClr val="lt1"/>
+            </a:fontRef>
+          </p:style>
+          <p:txBody>
+            <a:bodyPr rtlCol="0" anchor="ctr"/>
+            <a:lstStyle/>
+            <a:p>
+              <a:pPr algn="ctr"/>
+              <a:endParaRPr lang="en-US"/>
+            </a:p>
+          </p:txBody>
+        </p:sp>
+        <p:sp>
+          <p:nvSpPr>
+            <p:cNvPr id="18" name="Rectangle 17"/>
+            <p:cNvSpPr/>
+            <p:nvPr/>
+          </p:nvSpPr>
+          <p:spPr>
+            <a:xfrm>
+              <a:off x="5471752" y="2252749"/>
+              <a:ext cx="296490" cy="365760"/>
+            </a:xfrm>
+            <a:prstGeom prst="rect">
+              <a:avLst/>
+            </a:prstGeom>
+            <a:noFill/>
+            <a:ln>
+              <a:solidFill>
+                <a:schemeClr val="tx1"/>
+              </a:solidFill>
+            </a:ln>
+          </p:spPr>
+          <p:style>
+            <a:lnRef idx="2">
+              <a:schemeClr val="accent1">
+                <a:shade val="50000"/>
+              </a:schemeClr>
+            </a:lnRef>
+            <a:fillRef idx="1">
+              <a:schemeClr val="accent1"/>
+            </a:fillRef>
+            <a:effectRef idx="0">
+              <a:schemeClr val="accent1"/>
+            </a:effectRef>
+            <a:fontRef idx="minor">
+              <a:schemeClr val="lt1"/>
+            </a:fontRef>
+          </p:style>
+          <p:txBody>
+            <a:bodyPr rtlCol="0" anchor="ctr"/>
+            <a:lstStyle/>
+            <a:p>
+              <a:pPr algn="ctr"/>
+              <a:endParaRPr lang="en-US"/>
+            </a:p>
+          </p:txBody>
+        </p:sp>
+      </p:grpSp>
+      <p:cxnSp>
+        <p:nvCxnSpPr>
+          <p:cNvPr id="19" name="Straight Arrow Connector 18"/>
+          <p:cNvCxnSpPr/>
+          <p:nvPr/>
+        </p:nvCxnSpPr>
+        <p:spPr>
+          <a:xfrm>
+            <a:off x="8361601" y="3998679"/>
+            <a:ext cx="1016922" cy="2772"/>
+          </a:xfrm>
+          <a:prstGeom prst="straightConnector1">
+            <a:avLst/>
+          </a:prstGeom>
+          <a:ln>
+            <a:solidFill>
+              <a:schemeClr val="tx1"/>
+            </a:solidFill>
+            <a:headEnd type="oval"/>
+            <a:tailEnd type="triangle"/>
+          </a:ln>
+        </p:spPr>
+        <p:style>
+          <a:lnRef idx="1">
+            <a:schemeClr val="accent1"/>
+          </a:lnRef>
+          <a:fillRef idx="0">
+            <a:schemeClr val="accent1"/>
+          </a:fillRef>
+          <a:effectRef idx="0">
+            <a:schemeClr val="accent1"/>
+          </a:effectRef>
+          <a:fontRef idx="minor">
+            <a:schemeClr val="tx1"/>
+          </a:fontRef>
+        </p:style>
+      </p:cxnSp>
+      <p:cxnSp>
+        <p:nvCxnSpPr>
+          <p:cNvPr id="20" name="Straight Arrow Connector 19"/>
+          <p:cNvCxnSpPr/>
+          <p:nvPr/>
+        </p:nvCxnSpPr>
+        <p:spPr>
+          <a:xfrm flipV="1">
+            <a:off x="5929328" y="3995226"/>
+            <a:ext cx="1651505" cy="3453"/>
+          </a:xfrm>
+          <a:prstGeom prst="straightConnector1">
+            <a:avLst/>
+          </a:prstGeom>
+          <a:ln>
+            <a:solidFill>
+              <a:schemeClr val="tx1"/>
+            </a:solidFill>
+            <a:headEnd type="oval"/>
+            <a:tailEnd type="triangle"/>
+          </a:ln>
+        </p:spPr>
+        <p:style>
+          <a:lnRef idx="1">
+            <a:schemeClr val="accent1"/>
+          </a:lnRef>
+          <a:fillRef idx="0">
+            <a:schemeClr val="accent1"/>
+          </a:fillRef>
+          <a:effectRef idx="0">
+            <a:schemeClr val="accent1"/>
+          </a:effectRef>
+          <a:fontRef idx="minor">
+            <a:schemeClr val="tx1"/>
+          </a:fontRef>
+        </p:style>
+      </p:cxnSp>
+      <p:grpSp>
+        <p:nvGrpSpPr>
+          <p:cNvPr id="21" name="Group 20"/>
+          <p:cNvGrpSpPr/>
+          <p:nvPr/>
+        </p:nvGrpSpPr>
+        <p:grpSpPr>
+          <a:xfrm>
+            <a:off x="9378523" y="3821002"/>
+            <a:ext cx="885270" cy="365761"/>
+            <a:chOff x="6654529" y="2252748"/>
+            <a:chExt cx="885270" cy="365761"/>
+          </a:xfrm>
+        </p:grpSpPr>
+        <p:sp>
+          <p:nvSpPr>
+            <p:cNvPr id="22" name="Rectangle 21"/>
+            <p:cNvSpPr/>
+            <p:nvPr/>
+          </p:nvSpPr>
+          <p:spPr>
+            <a:xfrm>
+              <a:off x="6654529" y="2252749"/>
+              <a:ext cx="606829" cy="363328"/>
+            </a:xfrm>
+            <a:prstGeom prst="rect">
+              <a:avLst/>
+            </a:prstGeom>
+            <a:noFill/>
+            <a:ln>
+              <a:solidFill>
+                <a:schemeClr val="tx1"/>
+              </a:solidFill>
+            </a:ln>
+          </p:spPr>
+          <p:style>
+            <a:lnRef idx="2">
+              <a:schemeClr val="accent1">
+                <a:shade val="50000"/>
+              </a:schemeClr>
+            </a:lnRef>
+            <a:fillRef idx="1">
+              <a:schemeClr val="accent1"/>
+            </a:fillRef>
+            <a:effectRef idx="0">
+              <a:schemeClr val="accent1"/>
+            </a:effectRef>
+            <a:fontRef idx="minor">
+              <a:schemeClr val="lt1"/>
+            </a:fontRef>
+          </p:style>
+          <p:txBody>
+            <a:bodyPr rtlCol="0" anchor="ctr"/>
+            <a:lstStyle/>
+            <a:p>
+              <a:pPr algn="ctr"/>
+              <a:endParaRPr lang="en-US"/>
+            </a:p>
+          </p:txBody>
+        </p:sp>
+        <p:sp>
+          <p:nvSpPr>
+            <p:cNvPr id="23" name="Rectangle 22"/>
+            <p:cNvSpPr/>
+            <p:nvPr/>
+          </p:nvSpPr>
+          <p:spPr>
+            <a:xfrm>
+              <a:off x="7264127" y="2252748"/>
+              <a:ext cx="275672" cy="365761"/>
+            </a:xfrm>
+            <a:prstGeom prst="rect">
+              <a:avLst/>
+            </a:prstGeom>
+            <a:noFill/>
+            <a:ln>
+              <a:solidFill>
+                <a:schemeClr val="tx1"/>
+              </a:solidFill>
+            </a:ln>
+          </p:spPr>
+          <p:style>
+            <a:lnRef idx="2">
+              <a:schemeClr val="accent1">
+                <a:shade val="50000"/>
+              </a:schemeClr>
+            </a:lnRef>
+            <a:fillRef idx="1">
+              <a:schemeClr val="accent1"/>
+            </a:fillRef>
+            <a:effectRef idx="0">
+              <a:schemeClr val="accent1"/>
+            </a:effectRef>
+            <a:fontRef idx="minor">
+              <a:schemeClr val="lt1"/>
+            </a:fontRef>
+          </p:style>
+          <p:txBody>
+            <a:bodyPr rtlCol="0" anchor="ctr"/>
+            <a:lstStyle/>
+            <a:p>
+              <a:pPr algn="ctr"/>
+              <a:endParaRPr lang="en-US"/>
+            </a:p>
+          </p:txBody>
+        </p:sp>
+        <p:sp>
+          <p:nvSpPr>
+            <p:cNvPr id="24" name="Oval 23"/>
+            <p:cNvSpPr/>
+            <p:nvPr/>
+          </p:nvSpPr>
+          <p:spPr>
+            <a:xfrm>
+              <a:off x="7369144" y="2406281"/>
+              <a:ext cx="64008" cy="64008"/>
+            </a:xfrm>
+            <a:prstGeom prst="ellipse">
+              <a:avLst/>
+            </a:prstGeom>
+            <a:solidFill>
+              <a:schemeClr val="tx1"/>
+            </a:solidFill>
+          </p:spPr>
+          <p:style>
+            <a:lnRef idx="2">
+              <a:schemeClr val="accent1">
+                <a:shade val="50000"/>
+              </a:schemeClr>
+            </a:lnRef>
+            <a:fillRef idx="1">
+              <a:schemeClr val="accent1"/>
+            </a:fillRef>
+            <a:effectRef idx="0">
+              <a:schemeClr val="accent1"/>
+            </a:effectRef>
+            <a:fontRef idx="minor">
+              <a:schemeClr val="lt1"/>
+            </a:fontRef>
+          </p:style>
+          <p:txBody>
+            <a:bodyPr rtlCol="0" anchor="ctr"/>
+            <a:lstStyle/>
+            <a:p>
+              <a:pPr algn="ctr"/>
+              <a:endParaRPr lang="en-US"/>
+            </a:p>
+          </p:txBody>
+        </p:sp>
+      </p:grpSp>
+      <p:grpSp>
+        <p:nvGrpSpPr>
+          <p:cNvPr id="30" name="Group 29"/>
+          <p:cNvGrpSpPr/>
+          <p:nvPr/>
+        </p:nvGrpSpPr>
+        <p:grpSpPr>
+          <a:xfrm>
+            <a:off x="7595668" y="4887818"/>
+            <a:ext cx="906088" cy="368869"/>
+            <a:chOff x="4862154" y="2252749"/>
+            <a:chExt cx="906088" cy="368869"/>
+          </a:xfrm>
+        </p:grpSpPr>
+        <p:sp>
+          <p:nvSpPr>
+            <p:cNvPr id="31" name="Rectangle 30"/>
+            <p:cNvSpPr/>
+            <p:nvPr/>
+          </p:nvSpPr>
+          <p:spPr>
+            <a:xfrm>
+              <a:off x="4862154" y="2252749"/>
+              <a:ext cx="606829" cy="368869"/>
+            </a:xfrm>
+            <a:prstGeom prst="rect">
+              <a:avLst/>
+            </a:prstGeom>
+            <a:noFill/>
+            <a:ln>
+              <a:solidFill>
+                <a:schemeClr val="tx1"/>
+              </a:solidFill>
+            </a:ln>
+          </p:spPr>
+          <p:style>
+            <a:lnRef idx="2">
+              <a:schemeClr val="accent1">
+                <a:shade val="50000"/>
+              </a:schemeClr>
+            </a:lnRef>
+            <a:fillRef idx="1">
+              <a:schemeClr val="accent1"/>
+            </a:fillRef>
+            <a:effectRef idx="0">
+              <a:schemeClr val="accent1"/>
+            </a:effectRef>
+            <a:fontRef idx="minor">
+              <a:schemeClr val="lt1"/>
+            </a:fontRef>
+          </p:style>
+          <p:txBody>
+            <a:bodyPr rtlCol="0" anchor="ctr"/>
+            <a:lstStyle/>
+            <a:p>
+              <a:pPr algn="ctr"/>
+              <a:endParaRPr lang="en-US"/>
+            </a:p>
+          </p:txBody>
+        </p:sp>
+        <p:sp>
+          <p:nvSpPr>
+            <p:cNvPr id="32" name="Rectangle 31"/>
+            <p:cNvSpPr/>
+            <p:nvPr/>
+          </p:nvSpPr>
+          <p:spPr>
+            <a:xfrm>
+              <a:off x="5471752" y="2252749"/>
+              <a:ext cx="296490" cy="365760"/>
+            </a:xfrm>
+            <a:prstGeom prst="rect">
+              <a:avLst/>
+            </a:prstGeom>
+            <a:noFill/>
+            <a:ln>
+              <a:solidFill>
+                <a:schemeClr val="tx1"/>
+              </a:solidFill>
+            </a:ln>
+          </p:spPr>
+          <p:style>
+            <a:lnRef idx="2">
+              <a:schemeClr val="accent1">
+                <a:shade val="50000"/>
+              </a:schemeClr>
+            </a:lnRef>
+            <a:fillRef idx="1">
+              <a:schemeClr val="accent1"/>
+            </a:fillRef>
+            <a:effectRef idx="0">
+              <a:schemeClr val="accent1"/>
+            </a:effectRef>
+            <a:fontRef idx="minor">
+              <a:schemeClr val="lt1"/>
+            </a:fontRef>
+          </p:style>
+          <p:txBody>
+            <a:bodyPr rtlCol="0" anchor="ctr"/>
+            <a:lstStyle/>
+            <a:p>
+              <a:pPr algn="ctr"/>
+              <a:endParaRPr lang="en-US"/>
+            </a:p>
+          </p:txBody>
+        </p:sp>
+      </p:grpSp>
+      <p:cxnSp>
+        <p:nvCxnSpPr>
+          <p:cNvPr id="33" name="Straight Arrow Connector 32"/>
+          <p:cNvCxnSpPr/>
+          <p:nvPr/>
+        </p:nvCxnSpPr>
+        <p:spPr>
+          <a:xfrm>
+            <a:off x="8371121" y="5065494"/>
+            <a:ext cx="1016922" cy="2772"/>
+          </a:xfrm>
+          <a:prstGeom prst="straightConnector1">
+            <a:avLst/>
+          </a:prstGeom>
+          <a:ln>
+            <a:solidFill>
+              <a:schemeClr val="tx1"/>
+            </a:solidFill>
+            <a:headEnd type="oval"/>
+            <a:tailEnd type="triangle"/>
+          </a:ln>
+        </p:spPr>
+        <p:style>
+          <a:lnRef idx="1">
+            <a:schemeClr val="accent1"/>
+          </a:lnRef>
+          <a:fillRef idx="0">
+            <a:schemeClr val="accent1"/>
+          </a:fillRef>
+          <a:effectRef idx="0">
+            <a:schemeClr val="accent1"/>
+          </a:effectRef>
+          <a:fontRef idx="minor">
+            <a:schemeClr val="tx1"/>
+          </a:fontRef>
+        </p:style>
+      </p:cxnSp>
+      <p:cxnSp>
+        <p:nvCxnSpPr>
+          <p:cNvPr id="34" name="Straight Arrow Connector 33"/>
+          <p:cNvCxnSpPr/>
+          <p:nvPr/>
+        </p:nvCxnSpPr>
+        <p:spPr>
+          <a:xfrm flipV="1">
+            <a:off x="5938848" y="5062041"/>
+            <a:ext cx="1651505" cy="3453"/>
+          </a:xfrm>
+          <a:prstGeom prst="straightConnector1">
+            <a:avLst/>
+          </a:prstGeom>
+          <a:ln>
+            <a:solidFill>
+              <a:schemeClr val="tx1"/>
+            </a:solidFill>
+            <a:headEnd type="oval"/>
+            <a:tailEnd type="triangle"/>
+          </a:ln>
+        </p:spPr>
+        <p:style>
+          <a:lnRef idx="1">
+            <a:schemeClr val="accent1"/>
+          </a:lnRef>
+          <a:fillRef idx="0">
+            <a:schemeClr val="accent1"/>
+          </a:fillRef>
+          <a:effectRef idx="0">
+            <a:schemeClr val="accent1"/>
+          </a:effectRef>
+          <a:fontRef idx="minor">
+            <a:schemeClr val="tx1"/>
+          </a:fontRef>
+        </p:style>
+      </p:cxnSp>
+      <p:grpSp>
+        <p:nvGrpSpPr>
+          <p:cNvPr id="35" name="Group 34"/>
+          <p:cNvGrpSpPr/>
+          <p:nvPr/>
+        </p:nvGrpSpPr>
+        <p:grpSpPr>
+          <a:xfrm>
+            <a:off x="9388043" y="4887817"/>
+            <a:ext cx="885270" cy="365761"/>
+            <a:chOff x="6654529" y="2252748"/>
+            <a:chExt cx="885270" cy="365761"/>
+          </a:xfrm>
+        </p:grpSpPr>
+        <p:sp>
+          <p:nvSpPr>
+            <p:cNvPr id="36" name="Rectangle 35"/>
+            <p:cNvSpPr/>
+            <p:nvPr/>
+          </p:nvSpPr>
+          <p:spPr>
+            <a:xfrm>
+              <a:off x="6654529" y="2252749"/>
+              <a:ext cx="606829" cy="363328"/>
+            </a:xfrm>
+            <a:prstGeom prst="rect">
+              <a:avLst/>
+            </a:prstGeom>
+            <a:noFill/>
+            <a:ln>
+              <a:solidFill>
+                <a:schemeClr val="tx1"/>
+              </a:solidFill>
+            </a:ln>
+          </p:spPr>
+          <p:style>
+            <a:lnRef idx="2">
+              <a:schemeClr val="accent1">
+                <a:shade val="50000"/>
+              </a:schemeClr>
+            </a:lnRef>
+            <a:fillRef idx="1">
+              <a:schemeClr val="accent1"/>
+            </a:fillRef>
+            <a:effectRef idx="0">
+              <a:schemeClr val="accent1"/>
+            </a:effectRef>
+            <a:fontRef idx="minor">
+              <a:schemeClr val="lt1"/>
+            </a:fontRef>
+          </p:style>
+          <p:txBody>
+            <a:bodyPr rtlCol="0" anchor="ctr"/>
+            <a:lstStyle/>
+            <a:p>
+              <a:pPr algn="ctr"/>
+              <a:endParaRPr lang="en-US"/>
+            </a:p>
+          </p:txBody>
+        </p:sp>
+        <p:sp>
+          <p:nvSpPr>
+            <p:cNvPr id="37" name="Rectangle 36"/>
+            <p:cNvSpPr/>
+            <p:nvPr/>
+          </p:nvSpPr>
+          <p:spPr>
+            <a:xfrm>
+              <a:off x="7264127" y="2252748"/>
+              <a:ext cx="275672" cy="365761"/>
+            </a:xfrm>
+            <a:prstGeom prst="rect">
+              <a:avLst/>
+            </a:prstGeom>
+            <a:noFill/>
+            <a:ln>
+              <a:solidFill>
+                <a:schemeClr val="tx1"/>
+              </a:solidFill>
+            </a:ln>
+          </p:spPr>
+          <p:style>
+            <a:lnRef idx="2">
+              <a:schemeClr val="accent1">
+                <a:shade val="50000"/>
+              </a:schemeClr>
+            </a:lnRef>
+            <a:fillRef idx="1">
+              <a:schemeClr val="accent1"/>
+            </a:fillRef>
+            <a:effectRef idx="0">
+              <a:schemeClr val="accent1"/>
+            </a:effectRef>
+            <a:fontRef idx="minor">
+              <a:schemeClr val="lt1"/>
+            </a:fontRef>
+          </p:style>
+          <p:txBody>
+            <a:bodyPr rtlCol="0" anchor="ctr"/>
+            <a:lstStyle/>
+            <a:p>
+              <a:pPr algn="ctr"/>
+              <a:endParaRPr lang="en-US"/>
+            </a:p>
+          </p:txBody>
+        </p:sp>
+        <p:sp>
+          <p:nvSpPr>
+            <p:cNvPr id="38" name="Oval 37"/>
+            <p:cNvSpPr/>
+            <p:nvPr/>
+          </p:nvSpPr>
+          <p:spPr>
+            <a:xfrm>
+              <a:off x="7369144" y="2406281"/>
+              <a:ext cx="64008" cy="64008"/>
+            </a:xfrm>
+            <a:prstGeom prst="ellipse">
+              <a:avLst/>
+            </a:prstGeom>
+            <a:solidFill>
+              <a:schemeClr val="tx1"/>
+            </a:solidFill>
+          </p:spPr>
+          <p:style>
+            <a:lnRef idx="2">
+              <a:schemeClr val="accent1">
+                <a:shade val="50000"/>
+              </a:schemeClr>
+            </a:lnRef>
+            <a:fillRef idx="1">
+              <a:schemeClr val="accent1"/>
+            </a:fillRef>
+            <a:effectRef idx="0">
+              <a:schemeClr val="accent1"/>
+            </a:effectRef>
+            <a:fontRef idx="minor">
+              <a:schemeClr val="lt1"/>
+            </a:fontRef>
+          </p:style>
+          <p:txBody>
+            <a:bodyPr rtlCol="0" anchor="ctr"/>
+            <a:lstStyle/>
+            <a:p>
+              <a:pPr algn="ctr"/>
+              <a:endParaRPr lang="en-US"/>
+            </a:p>
+          </p:txBody>
+        </p:sp>
+      </p:grpSp>
+      <p:cxnSp>
+        <p:nvCxnSpPr>
+          <p:cNvPr id="39" name="Straight Arrow Connector 38"/>
+          <p:cNvCxnSpPr/>
+          <p:nvPr/>
+        </p:nvCxnSpPr>
+        <p:spPr>
+          <a:xfrm>
+            <a:off x="10109447" y="4003444"/>
+            <a:ext cx="1016922" cy="2772"/>
+          </a:xfrm>
+          <a:prstGeom prst="straightConnector1">
+            <a:avLst/>
+          </a:prstGeom>
+          <a:ln>
+            <a:solidFill>
+              <a:schemeClr val="tx1"/>
+            </a:solidFill>
+            <a:headEnd type="oval"/>
+            <a:tailEnd type="triangle"/>
+          </a:ln>
+        </p:spPr>
+        <p:style>
+          <a:lnRef idx="1">
+            <a:schemeClr val="accent1"/>
+          </a:lnRef>
+          <a:fillRef idx="0">
+            <a:schemeClr val="accent1"/>
+          </a:fillRef>
+          <a:effectRef idx="0">
+            <a:schemeClr val="accent1"/>
+          </a:effectRef>
+          <a:fontRef idx="minor">
+            <a:schemeClr val="tx1"/>
+          </a:fontRef>
+        </p:style>
+      </p:cxnSp>
+      <p:grpSp>
+        <p:nvGrpSpPr>
+          <p:cNvPr id="40" name="Group 39"/>
+          <p:cNvGrpSpPr/>
+          <p:nvPr/>
+        </p:nvGrpSpPr>
+        <p:grpSpPr>
+          <a:xfrm>
+            <a:off x="11126369" y="3825767"/>
+            <a:ext cx="885270" cy="365761"/>
+            <a:chOff x="6654529" y="2252748"/>
+            <a:chExt cx="885270" cy="365761"/>
+          </a:xfrm>
+        </p:grpSpPr>
+        <p:sp>
+          <p:nvSpPr>
+            <p:cNvPr id="41" name="Rectangle 40"/>
+            <p:cNvSpPr/>
+            <p:nvPr/>
+          </p:nvSpPr>
+          <p:spPr>
+            <a:xfrm>
+              <a:off x="6654529" y="2252749"/>
+              <a:ext cx="606829" cy="363328"/>
+            </a:xfrm>
+            <a:prstGeom prst="rect">
+              <a:avLst/>
+            </a:prstGeom>
+            <a:noFill/>
+            <a:ln>
+              <a:solidFill>
+                <a:schemeClr val="tx1"/>
+              </a:solidFill>
+            </a:ln>
+          </p:spPr>
+          <p:style>
+            <a:lnRef idx="2">
+              <a:schemeClr val="accent1">
+                <a:shade val="50000"/>
+              </a:schemeClr>
+            </a:lnRef>
+            <a:fillRef idx="1">
+              <a:schemeClr val="accent1"/>
+            </a:fillRef>
+            <a:effectRef idx="0">
+              <a:schemeClr val="accent1"/>
+            </a:effectRef>
+            <a:fontRef idx="minor">
+              <a:schemeClr val="lt1"/>
+            </a:fontRef>
+          </p:style>
+          <p:txBody>
+            <a:bodyPr rtlCol="0" anchor="ctr"/>
+            <a:lstStyle/>
+            <a:p>
+              <a:pPr algn="ctr"/>
+              <a:endParaRPr lang="en-US"/>
+            </a:p>
+          </p:txBody>
+        </p:sp>
+        <p:sp>
+          <p:nvSpPr>
+            <p:cNvPr id="42" name="Rectangle 41"/>
+            <p:cNvSpPr/>
+            <p:nvPr/>
+          </p:nvSpPr>
+          <p:spPr>
+            <a:xfrm>
+              <a:off x="7264127" y="2252748"/>
+              <a:ext cx="275672" cy="365761"/>
+            </a:xfrm>
+            <a:prstGeom prst="rect">
+              <a:avLst/>
+            </a:prstGeom>
+            <a:noFill/>
+            <a:ln>
+              <a:solidFill>
+                <a:schemeClr val="tx1"/>
+              </a:solidFill>
+            </a:ln>
+          </p:spPr>
+          <p:style>
+            <a:lnRef idx="2">
+              <a:schemeClr val="accent1">
+                <a:shade val="50000"/>
+              </a:schemeClr>
+            </a:lnRef>
+            <a:fillRef idx="1">
+              <a:schemeClr val="accent1"/>
+            </a:fillRef>
+            <a:effectRef idx="0">
+              <a:schemeClr val="accent1"/>
+            </a:effectRef>
+            <a:fontRef idx="minor">
+              <a:schemeClr val="lt1"/>
+            </a:fontRef>
+          </p:style>
+          <p:txBody>
+            <a:bodyPr rtlCol="0" anchor="ctr"/>
+            <a:lstStyle/>
+            <a:p>
+              <a:pPr algn="ctr"/>
+              <a:endParaRPr lang="en-US"/>
+            </a:p>
+          </p:txBody>
+        </p:sp>
+        <p:sp>
+          <p:nvSpPr>
+            <p:cNvPr id="43" name="Oval 42"/>
+            <p:cNvSpPr/>
+            <p:nvPr/>
+          </p:nvSpPr>
+          <p:spPr>
+            <a:xfrm>
+              <a:off x="7369144" y="2406281"/>
+              <a:ext cx="64008" cy="64008"/>
+            </a:xfrm>
+            <a:prstGeom prst="ellipse">
+              <a:avLst/>
+            </a:prstGeom>
+            <a:solidFill>
+              <a:schemeClr val="tx1"/>
+            </a:solidFill>
+          </p:spPr>
+          <p:style>
+            <a:lnRef idx="2">
+              <a:schemeClr val="accent1">
+                <a:shade val="50000"/>
+              </a:schemeClr>
+            </a:lnRef>
+            <a:fillRef idx="1">
+              <a:schemeClr val="accent1"/>
+            </a:fillRef>
+            <a:effectRef idx="0">
+              <a:schemeClr val="accent1"/>
+            </a:effectRef>
+            <a:fontRef idx="minor">
+              <a:schemeClr val="lt1"/>
+            </a:fontRef>
+          </p:style>
+          <p:txBody>
+            <a:bodyPr rtlCol="0" anchor="ctr"/>
+            <a:lstStyle/>
+            <a:p>
+              <a:pPr algn="ctr"/>
+              <a:endParaRPr lang="en-US"/>
+            </a:p>
+          </p:txBody>
+        </p:sp>
+      </p:grpSp>
+      <p:cxnSp>
+        <p:nvCxnSpPr>
+          <p:cNvPr id="48" name="Straight Arrow Connector 47"/>
+          <p:cNvCxnSpPr/>
+          <p:nvPr/>
+        </p:nvCxnSpPr>
+        <p:spPr>
+          <a:xfrm flipV="1">
+            <a:off x="5948373" y="3271325"/>
+            <a:ext cx="1651505" cy="3453"/>
+          </a:xfrm>
+          <a:prstGeom prst="straightConnector1">
+            <a:avLst/>
+          </a:prstGeom>
+          <a:ln>
+            <a:solidFill>
+              <a:schemeClr val="tx1"/>
+            </a:solidFill>
+            <a:headEnd type="oval"/>
+            <a:tailEnd type="triangle"/>
+          </a:ln>
+        </p:spPr>
+        <p:style>
+          <a:lnRef idx="1">
+            <a:schemeClr val="accent1"/>
+          </a:lnRef>
+          <a:fillRef idx="0">
+            <a:schemeClr val="accent1"/>
+          </a:fillRef>
+          <a:effectRef idx="0">
+            <a:schemeClr val="accent1"/>
+          </a:effectRef>
+          <a:fontRef idx="minor">
+            <a:schemeClr val="tx1"/>
+          </a:fontRef>
+        </p:style>
+      </p:cxnSp>
+      <p:grpSp>
+        <p:nvGrpSpPr>
+          <p:cNvPr id="49" name="Group 48"/>
+          <p:cNvGrpSpPr/>
+          <p:nvPr/>
+        </p:nvGrpSpPr>
+        <p:grpSpPr>
+          <a:xfrm>
+            <a:off x="7625904" y="3097101"/>
+            <a:ext cx="885270" cy="365761"/>
+            <a:chOff x="6654529" y="2252748"/>
+            <a:chExt cx="885270" cy="365761"/>
+          </a:xfrm>
+        </p:grpSpPr>
+        <p:sp>
+          <p:nvSpPr>
+            <p:cNvPr id="50" name="Rectangle 49"/>
+            <p:cNvSpPr/>
+            <p:nvPr/>
+          </p:nvSpPr>
+          <p:spPr>
+            <a:xfrm>
+              <a:off x="6654529" y="2252749"/>
+              <a:ext cx="606829" cy="363328"/>
+            </a:xfrm>
+            <a:prstGeom prst="rect">
+              <a:avLst/>
+            </a:prstGeom>
+            <a:noFill/>
+            <a:ln>
+              <a:solidFill>
+                <a:schemeClr val="tx1"/>
+              </a:solidFill>
+            </a:ln>
+          </p:spPr>
+          <p:style>
+            <a:lnRef idx="2">
+              <a:schemeClr val="accent1">
+                <a:shade val="50000"/>
+              </a:schemeClr>
+            </a:lnRef>
+            <a:fillRef idx="1">
+              <a:schemeClr val="accent1"/>
+            </a:fillRef>
+            <a:effectRef idx="0">
+              <a:schemeClr val="accent1"/>
+            </a:effectRef>
+            <a:fontRef idx="minor">
+              <a:schemeClr val="lt1"/>
+            </a:fontRef>
+          </p:style>
+          <p:txBody>
+            <a:bodyPr rtlCol="0" anchor="ctr"/>
+            <a:lstStyle/>
+            <a:p>
+              <a:pPr algn="ctr"/>
+              <a:endParaRPr lang="en-US"/>
+            </a:p>
+          </p:txBody>
+        </p:sp>
+        <p:sp>
+          <p:nvSpPr>
+            <p:cNvPr id="51" name="Rectangle 50"/>
+            <p:cNvSpPr/>
+            <p:nvPr/>
+          </p:nvSpPr>
+          <p:spPr>
+            <a:xfrm>
+              <a:off x="7264127" y="2252748"/>
+              <a:ext cx="275672" cy="365761"/>
+            </a:xfrm>
+            <a:prstGeom prst="rect">
+              <a:avLst/>
+            </a:prstGeom>
+            <a:noFill/>
+            <a:ln>
+              <a:solidFill>
+                <a:schemeClr val="tx1"/>
+              </a:solidFill>
+            </a:ln>
+          </p:spPr>
+          <p:style>
+            <a:lnRef idx="2">
+              <a:schemeClr val="accent1">
+                <a:shade val="50000"/>
+              </a:schemeClr>
+            </a:lnRef>
+            <a:fillRef idx="1">
+              <a:schemeClr val="accent1"/>
+            </a:fillRef>
+            <a:effectRef idx="0">
+              <a:schemeClr val="accent1"/>
+            </a:effectRef>
+            <a:fontRef idx="minor">
+              <a:schemeClr val="lt1"/>
+            </a:fontRef>
+          </p:style>
+          <p:txBody>
+            <a:bodyPr rtlCol="0" anchor="ctr"/>
+            <a:lstStyle/>
+            <a:p>
+              <a:pPr algn="ctr"/>
+              <a:endParaRPr lang="en-US"/>
+            </a:p>
+          </p:txBody>
+        </p:sp>
+        <p:sp>
+          <p:nvSpPr>
+            <p:cNvPr id="52" name="Oval 51"/>
+            <p:cNvSpPr/>
+            <p:nvPr/>
+          </p:nvSpPr>
+          <p:spPr>
+            <a:xfrm>
+              <a:off x="7369144" y="2406281"/>
+              <a:ext cx="64008" cy="64008"/>
+            </a:xfrm>
+            <a:prstGeom prst="ellipse">
+              <a:avLst/>
+            </a:prstGeom>
+            <a:solidFill>
+              <a:schemeClr val="tx1"/>
+            </a:solidFill>
+          </p:spPr>
+          <p:style>
+            <a:lnRef idx="2">
+              <a:schemeClr val="accent1">
+                <a:shade val="50000"/>
+              </a:schemeClr>
+            </a:lnRef>
+            <a:fillRef idx="1">
+              <a:schemeClr val="accent1"/>
+            </a:fillRef>
+            <a:effectRef idx="0">
+              <a:schemeClr val="accent1"/>
+            </a:effectRef>
+            <a:fontRef idx="minor">
+              <a:schemeClr val="lt1"/>
+            </a:fontRef>
+          </p:style>
+          <p:txBody>
+            <a:bodyPr rtlCol="0" anchor="ctr"/>
+            <a:lstStyle/>
+            <a:p>
+              <a:pPr algn="ctr"/>
+              <a:endParaRPr lang="en-US"/>
+            </a:p>
+          </p:txBody>
+        </p:sp>
+      </p:grpSp>
+      <p:grpSp>
+        <p:nvGrpSpPr>
+          <p:cNvPr id="101" name="Group 100"/>
+          <p:cNvGrpSpPr/>
+          <p:nvPr/>
+        </p:nvGrpSpPr>
+        <p:grpSpPr>
+          <a:xfrm>
+            <a:off x="7619476" y="2011257"/>
+            <a:ext cx="906088" cy="368869"/>
+            <a:chOff x="7619476" y="2011257"/>
+            <a:chExt cx="906088" cy="368869"/>
+          </a:xfrm>
+        </p:grpSpPr>
+        <p:sp>
+          <p:nvSpPr>
+            <p:cNvPr id="54" name="Rectangle 53"/>
+            <p:cNvSpPr/>
+            <p:nvPr/>
+          </p:nvSpPr>
+          <p:spPr>
+            <a:xfrm>
+              <a:off x="7619476" y="2011257"/>
+              <a:ext cx="606829" cy="368869"/>
+            </a:xfrm>
+            <a:prstGeom prst="rect">
+              <a:avLst/>
+            </a:prstGeom>
+            <a:noFill/>
+            <a:ln>
+              <a:solidFill>
+                <a:schemeClr val="tx1"/>
+              </a:solidFill>
+            </a:ln>
+          </p:spPr>
+          <p:style>
+            <a:lnRef idx="2">
+              <a:schemeClr val="accent1">
+                <a:shade val="50000"/>
+              </a:schemeClr>
+            </a:lnRef>
+            <a:fillRef idx="1">
+              <a:schemeClr val="accent1"/>
+            </a:fillRef>
+            <a:effectRef idx="0">
+              <a:schemeClr val="accent1"/>
+            </a:effectRef>
+            <a:fontRef idx="minor">
+              <a:schemeClr val="lt1"/>
+            </a:fontRef>
+          </p:style>
+          <p:txBody>
+            <a:bodyPr rtlCol="0" anchor="ctr"/>
+            <a:lstStyle/>
+            <a:p>
+              <a:pPr algn="ctr"/>
+              <a:endParaRPr lang="en-US" dirty="0">
+                <a:solidFill>
+                  <a:srgbClr val="0000FF"/>
+                </a:solidFill>
+              </a:endParaRPr>
+            </a:p>
+          </p:txBody>
+        </p:sp>
+        <p:sp>
+          <p:nvSpPr>
+            <p:cNvPr id="55" name="Rectangle 54"/>
+            <p:cNvSpPr/>
+            <p:nvPr/>
+          </p:nvSpPr>
+          <p:spPr>
+            <a:xfrm>
+              <a:off x="8229074" y="2011257"/>
+              <a:ext cx="296490" cy="365760"/>
+            </a:xfrm>
+            <a:prstGeom prst="rect">
+              <a:avLst/>
+            </a:prstGeom>
+            <a:noFill/>
+            <a:ln>
+              <a:solidFill>
+                <a:schemeClr val="tx1"/>
+              </a:solidFill>
+            </a:ln>
+          </p:spPr>
+          <p:style>
+            <a:lnRef idx="2">
+              <a:schemeClr val="accent1">
+                <a:shade val="50000"/>
+              </a:schemeClr>
+            </a:lnRef>
+            <a:fillRef idx="1">
+              <a:schemeClr val="accent1"/>
+            </a:fillRef>
+            <a:effectRef idx="0">
+              <a:schemeClr val="accent1"/>
+            </a:effectRef>
+            <a:fontRef idx="minor">
+              <a:schemeClr val="lt1"/>
+            </a:fontRef>
+          </p:style>
+          <p:txBody>
+            <a:bodyPr rtlCol="0" anchor="ctr"/>
+            <a:lstStyle/>
+            <a:p>
+              <a:pPr algn="ctr"/>
+              <a:endParaRPr lang="en-US"/>
+            </a:p>
+          </p:txBody>
+        </p:sp>
+      </p:grpSp>
+      <p:cxnSp>
+        <p:nvCxnSpPr>
+          <p:cNvPr id="56" name="Straight Arrow Connector 55"/>
+          <p:cNvCxnSpPr/>
+          <p:nvPr/>
+        </p:nvCxnSpPr>
+        <p:spPr>
+          <a:xfrm>
+            <a:off x="8394929" y="2188933"/>
+            <a:ext cx="1016922" cy="2772"/>
+          </a:xfrm>
+          <a:prstGeom prst="straightConnector1">
+            <a:avLst/>
+          </a:prstGeom>
+          <a:ln>
+            <a:solidFill>
+              <a:schemeClr val="tx1"/>
+            </a:solidFill>
+            <a:headEnd type="oval"/>
+            <a:tailEnd type="triangle"/>
+          </a:ln>
+        </p:spPr>
+        <p:style>
+          <a:lnRef idx="1">
+            <a:schemeClr val="accent1"/>
+          </a:lnRef>
+          <a:fillRef idx="0">
+            <a:schemeClr val="accent1"/>
+          </a:fillRef>
+          <a:effectRef idx="0">
+            <a:schemeClr val="accent1"/>
+          </a:effectRef>
+          <a:fontRef idx="minor">
+            <a:schemeClr val="tx1"/>
+          </a:fontRef>
+        </p:style>
+      </p:cxnSp>
+      <p:cxnSp>
+        <p:nvCxnSpPr>
+          <p:cNvPr id="57" name="Straight Arrow Connector 56"/>
+          <p:cNvCxnSpPr/>
+          <p:nvPr/>
+        </p:nvCxnSpPr>
+        <p:spPr>
+          <a:xfrm flipV="1">
+            <a:off x="5962656" y="2185480"/>
+            <a:ext cx="1651505" cy="3453"/>
+          </a:xfrm>
+          <a:prstGeom prst="straightConnector1">
+            <a:avLst/>
+          </a:prstGeom>
+          <a:ln>
+            <a:solidFill>
+              <a:schemeClr val="tx1"/>
+            </a:solidFill>
+            <a:headEnd type="oval"/>
+            <a:tailEnd type="triangle"/>
+          </a:ln>
+        </p:spPr>
+        <p:style>
+          <a:lnRef idx="1">
+            <a:schemeClr val="accent1"/>
+          </a:lnRef>
+          <a:fillRef idx="0">
+            <a:schemeClr val="accent1"/>
+          </a:fillRef>
+          <a:effectRef idx="0">
+            <a:schemeClr val="accent1"/>
+          </a:effectRef>
+          <a:fontRef idx="minor">
+            <a:schemeClr val="tx1"/>
+          </a:fontRef>
+        </p:style>
+      </p:cxnSp>
+      <p:grpSp>
+        <p:nvGrpSpPr>
+          <p:cNvPr id="102" name="Group 101"/>
+          <p:cNvGrpSpPr/>
+          <p:nvPr/>
+        </p:nvGrpSpPr>
+        <p:grpSpPr>
+          <a:xfrm>
+            <a:off x="9411851" y="2011256"/>
+            <a:ext cx="885270" cy="365761"/>
+            <a:chOff x="9411851" y="2011256"/>
+            <a:chExt cx="885270" cy="365761"/>
+          </a:xfrm>
+        </p:grpSpPr>
+        <p:sp>
+          <p:nvSpPr>
+            <p:cNvPr id="59" name="Rectangle 58"/>
+            <p:cNvSpPr/>
+            <p:nvPr/>
+          </p:nvSpPr>
+          <p:spPr>
+            <a:xfrm>
+              <a:off x="9411851" y="2011257"/>
+              <a:ext cx="606829" cy="363328"/>
+            </a:xfrm>
+            <a:prstGeom prst="rect">
+              <a:avLst/>
+            </a:prstGeom>
+            <a:noFill/>
+            <a:ln>
+              <a:solidFill>
+                <a:schemeClr val="tx1"/>
+              </a:solidFill>
+            </a:ln>
+          </p:spPr>
+          <p:style>
+            <a:lnRef idx="2">
+              <a:schemeClr val="accent1">
+                <a:shade val="50000"/>
+              </a:schemeClr>
+            </a:lnRef>
+            <a:fillRef idx="1">
+              <a:schemeClr val="accent1"/>
+            </a:fillRef>
+            <a:effectRef idx="0">
+              <a:schemeClr val="accent1"/>
+            </a:effectRef>
+            <a:fontRef idx="minor">
+              <a:schemeClr val="lt1"/>
+            </a:fontRef>
+          </p:style>
+          <p:txBody>
+            <a:bodyPr rtlCol="0" anchor="ctr"/>
+            <a:lstStyle/>
+            <a:p>
+              <a:pPr algn="ctr"/>
+              <a:endParaRPr lang="en-US" dirty="0"/>
+            </a:p>
+          </p:txBody>
+        </p:sp>
+        <p:sp>
+          <p:nvSpPr>
+            <p:cNvPr id="60" name="Rectangle 59"/>
+            <p:cNvSpPr/>
+            <p:nvPr/>
+          </p:nvSpPr>
+          <p:spPr>
+            <a:xfrm>
+              <a:off x="10021449" y="2011256"/>
+              <a:ext cx="275672" cy="365761"/>
+            </a:xfrm>
+            <a:prstGeom prst="rect">
+              <a:avLst/>
+            </a:prstGeom>
+            <a:noFill/>
+            <a:ln>
+              <a:solidFill>
+                <a:schemeClr val="tx1"/>
+              </a:solidFill>
+            </a:ln>
+          </p:spPr>
+          <p:style>
+            <a:lnRef idx="2">
+              <a:schemeClr val="accent1">
+                <a:shade val="50000"/>
+              </a:schemeClr>
+            </a:lnRef>
+            <a:fillRef idx="1">
+              <a:schemeClr val="accent1"/>
+            </a:fillRef>
+            <a:effectRef idx="0">
+              <a:schemeClr val="accent1"/>
+            </a:effectRef>
+            <a:fontRef idx="minor">
+              <a:schemeClr val="lt1"/>
+            </a:fontRef>
+          </p:style>
+          <p:txBody>
+            <a:bodyPr rtlCol="0" anchor="ctr"/>
+            <a:lstStyle/>
+            <a:p>
+              <a:pPr algn="ctr"/>
+              <a:endParaRPr lang="en-US"/>
+            </a:p>
+          </p:txBody>
+        </p:sp>
+        <p:sp>
+          <p:nvSpPr>
+            <p:cNvPr id="61" name="Oval 60"/>
+            <p:cNvSpPr/>
+            <p:nvPr/>
+          </p:nvSpPr>
+          <p:spPr>
+            <a:xfrm>
+              <a:off x="10126466" y="2164789"/>
+              <a:ext cx="64008" cy="64008"/>
+            </a:xfrm>
+            <a:prstGeom prst="ellipse">
+              <a:avLst/>
+            </a:prstGeom>
+            <a:solidFill>
+              <a:schemeClr val="tx1"/>
+            </a:solidFill>
+          </p:spPr>
+          <p:style>
+            <a:lnRef idx="2">
+              <a:schemeClr val="accent1">
+                <a:shade val="50000"/>
+              </a:schemeClr>
+            </a:lnRef>
+            <a:fillRef idx="1">
+              <a:schemeClr val="accent1"/>
+            </a:fillRef>
+            <a:effectRef idx="0">
+              <a:schemeClr val="accent1"/>
+            </a:effectRef>
+            <a:fontRef idx="minor">
+              <a:schemeClr val="lt1"/>
+            </a:fontRef>
+          </p:style>
+          <p:txBody>
+            <a:bodyPr rtlCol="0" anchor="ctr"/>
+            <a:lstStyle/>
+            <a:p>
+              <a:pPr algn="ctr"/>
+              <a:endParaRPr lang="en-US"/>
+            </a:p>
+          </p:txBody>
+        </p:sp>
+      </p:grpSp>
+      <p:sp>
+        <p:nvSpPr>
+          <p:cNvPr id="62" name="TextBox 61"/>
+          <p:cNvSpPr txBox="1"/>
+          <p:nvPr/>
+        </p:nvSpPr>
+        <p:spPr>
+          <a:xfrm>
+            <a:off x="95215" y="1976437"/>
+            <a:ext cx="819174" cy="369332"/>
+          </a:xfrm>
+          <a:prstGeom prst="rect">
+            <a:avLst/>
+          </a:prstGeom>
+          <a:noFill/>
+        </p:spPr>
+        <p:txBody>
+          <a:bodyPr wrap="square" rtlCol="0">
+            <a:spAutoFit/>
+          </a:bodyPr>
+          <a:lstStyle/>
+          <a:p>
+            <a:r>
+              <a:rPr lang="en-IN" dirty="0" smtClean="0">
+                <a:solidFill>
+                  <a:srgbClr val="0000FF"/>
+                </a:solidFill>
+              </a:rPr>
+              <a:t>K1, V1 </a:t>
+            </a:r>
+            <a:endParaRPr lang="en-US" dirty="0">
+              <a:solidFill>
+                <a:srgbClr val="0000FF"/>
+              </a:solidFill>
+            </a:endParaRPr>
+          </a:p>
+        </p:txBody>
+      </p:sp>
+      <p:sp>
+        <p:nvSpPr>
+          <p:cNvPr id="63" name="Rectangle 62"/>
+          <p:cNvSpPr/>
+          <p:nvPr/>
+        </p:nvSpPr>
+        <p:spPr>
+          <a:xfrm>
+            <a:off x="2014534" y="3499930"/>
+            <a:ext cx="1085850" cy="510117"/>
+          </a:xfrm>
+          <a:prstGeom prst="rect">
+            <a:avLst/>
+          </a:prstGeom>
+          <a:solidFill>
+            <a:schemeClr val="bg1">
+              <a:lumMod val="75000"/>
+            </a:schemeClr>
+          </a:solidFill>
+          <a:ln>
+            <a:solidFill>
+              <a:schemeClr val="bg1">
+                <a:lumMod val="50000"/>
+              </a:schemeClr>
+            </a:solidFill>
+          </a:ln>
+        </p:spPr>
+        <p:style>
+          <a:lnRef idx="2">
+            <a:schemeClr val="accent1">
+              <a:shade val="50000"/>
+            </a:schemeClr>
+          </a:lnRef>
+          <a:fillRef idx="1">
+            <a:schemeClr val="accent1"/>
+          </a:fillRef>
+          <a:effectRef idx="0">
+            <a:schemeClr val="accent1"/>
+          </a:effectRef>
+          <a:fontRef idx="minor">
+            <a:schemeClr val="lt1"/>
+          </a:fontRef>
+        </p:style>
+        <p:txBody>
+          <a:bodyPr rtlCol="0" anchor="ctr"/>
+          <a:lstStyle/>
+          <a:p>
+            <a:pPr algn="ctr"/>
+            <a:r>
+              <a:rPr lang="en-IN" sz="2000" dirty="0" smtClean="0">
+                <a:solidFill>
+                  <a:srgbClr val="FF0000"/>
+                </a:solidFill>
+                <a:latin typeface="+mj-lt"/>
+              </a:rPr>
+              <a:t>hash(K*)</a:t>
+            </a:r>
+            <a:endParaRPr lang="en-US" sz="2000" dirty="0">
+              <a:solidFill>
+                <a:srgbClr val="FF0000"/>
+              </a:solidFill>
+              <a:latin typeface="+mj-lt"/>
+            </a:endParaRPr>
+          </a:p>
+        </p:txBody>
+      </p:sp>
+      <p:sp>
+        <p:nvSpPr>
+          <p:cNvPr id="64" name="TextBox 63"/>
+          <p:cNvSpPr txBox="1"/>
+          <p:nvPr/>
+        </p:nvSpPr>
+        <p:spPr>
+          <a:xfrm>
+            <a:off x="104737" y="2471744"/>
+            <a:ext cx="809652" cy="369332"/>
+          </a:xfrm>
+          <a:prstGeom prst="rect">
+            <a:avLst/>
+          </a:prstGeom>
+          <a:noFill/>
+        </p:spPr>
+        <p:txBody>
+          <a:bodyPr wrap="square" rtlCol="0">
+            <a:spAutoFit/>
+          </a:bodyPr>
+          <a:lstStyle/>
+          <a:p>
+            <a:r>
+              <a:rPr lang="en-IN" dirty="0" smtClean="0">
+                <a:solidFill>
+                  <a:srgbClr val="0000FF"/>
+                </a:solidFill>
+              </a:rPr>
+              <a:t>K2, V2 </a:t>
+            </a:r>
+            <a:endParaRPr lang="en-US" dirty="0">
+              <a:solidFill>
+                <a:srgbClr val="0000FF"/>
+              </a:solidFill>
+            </a:endParaRPr>
+          </a:p>
+        </p:txBody>
+      </p:sp>
+      <p:sp>
+        <p:nvSpPr>
+          <p:cNvPr id="65" name="TextBox 64"/>
+          <p:cNvSpPr txBox="1"/>
+          <p:nvPr/>
+        </p:nvSpPr>
+        <p:spPr>
+          <a:xfrm>
+            <a:off x="104737" y="2928944"/>
+            <a:ext cx="819174" cy="369332"/>
+          </a:xfrm>
+          <a:prstGeom prst="rect">
+            <a:avLst/>
+          </a:prstGeom>
+          <a:noFill/>
+        </p:spPr>
+        <p:txBody>
+          <a:bodyPr wrap="square" rtlCol="0">
+            <a:spAutoFit/>
+          </a:bodyPr>
+          <a:lstStyle/>
+          <a:p>
+            <a:r>
+              <a:rPr lang="en-IN" dirty="0" smtClean="0">
+                <a:solidFill>
+                  <a:srgbClr val="0000FF"/>
+                </a:solidFill>
+              </a:rPr>
+              <a:t>K3, V3 </a:t>
+            </a:r>
+            <a:endParaRPr lang="en-US" dirty="0">
+              <a:solidFill>
+                <a:srgbClr val="0000FF"/>
+              </a:solidFill>
+            </a:endParaRPr>
+          </a:p>
+        </p:txBody>
+      </p:sp>
+      <p:sp>
+        <p:nvSpPr>
+          <p:cNvPr id="66" name="TextBox 65"/>
+          <p:cNvSpPr txBox="1"/>
+          <p:nvPr/>
+        </p:nvSpPr>
+        <p:spPr>
+          <a:xfrm>
+            <a:off x="114259" y="3424251"/>
+            <a:ext cx="809652" cy="369332"/>
+          </a:xfrm>
+          <a:prstGeom prst="rect">
+            <a:avLst/>
+          </a:prstGeom>
+          <a:noFill/>
+        </p:spPr>
+        <p:txBody>
+          <a:bodyPr wrap="square" rtlCol="0">
+            <a:spAutoFit/>
+          </a:bodyPr>
+          <a:lstStyle/>
+          <a:p>
+            <a:r>
+              <a:rPr lang="en-IN" dirty="0" smtClean="0">
+                <a:solidFill>
+                  <a:srgbClr val="0000FF"/>
+                </a:solidFill>
+              </a:rPr>
+              <a:t>K4, V4 </a:t>
+            </a:r>
+            <a:endParaRPr lang="en-US" dirty="0">
+              <a:solidFill>
+                <a:srgbClr val="0000FF"/>
+              </a:solidFill>
+            </a:endParaRPr>
+          </a:p>
+        </p:txBody>
+      </p:sp>
+      <p:sp>
+        <p:nvSpPr>
+          <p:cNvPr id="67" name="TextBox 66"/>
+          <p:cNvSpPr txBox="1"/>
+          <p:nvPr/>
+        </p:nvSpPr>
+        <p:spPr>
+          <a:xfrm>
+            <a:off x="90449" y="3914781"/>
+            <a:ext cx="819174" cy="369332"/>
+          </a:xfrm>
+          <a:prstGeom prst="rect">
+            <a:avLst/>
+          </a:prstGeom>
+          <a:noFill/>
+        </p:spPr>
+        <p:txBody>
+          <a:bodyPr wrap="square" rtlCol="0">
+            <a:spAutoFit/>
+          </a:bodyPr>
+          <a:lstStyle/>
+          <a:p>
+            <a:r>
+              <a:rPr lang="en-IN" dirty="0" smtClean="0">
+                <a:solidFill>
+                  <a:srgbClr val="0000FF"/>
+                </a:solidFill>
+              </a:rPr>
+              <a:t>K5, V5 </a:t>
+            </a:r>
+            <a:endParaRPr lang="en-US" dirty="0">
+              <a:solidFill>
+                <a:srgbClr val="0000FF"/>
+              </a:solidFill>
+            </a:endParaRPr>
+          </a:p>
+        </p:txBody>
+      </p:sp>
+      <p:sp>
+        <p:nvSpPr>
+          <p:cNvPr id="68" name="TextBox 67"/>
+          <p:cNvSpPr txBox="1"/>
+          <p:nvPr/>
+        </p:nvSpPr>
+        <p:spPr>
+          <a:xfrm>
+            <a:off x="99971" y="4410088"/>
+            <a:ext cx="809652" cy="369332"/>
+          </a:xfrm>
+          <a:prstGeom prst="rect">
+            <a:avLst/>
+          </a:prstGeom>
+          <a:noFill/>
+        </p:spPr>
+        <p:txBody>
+          <a:bodyPr wrap="square" rtlCol="0">
+            <a:spAutoFit/>
+          </a:bodyPr>
+          <a:lstStyle/>
+          <a:p>
+            <a:r>
+              <a:rPr lang="en-IN" dirty="0" smtClean="0">
+                <a:solidFill>
+                  <a:srgbClr val="0000FF"/>
+                </a:solidFill>
+              </a:rPr>
+              <a:t>K6, V6 </a:t>
+            </a:r>
+            <a:endParaRPr lang="en-US" dirty="0">
+              <a:solidFill>
+                <a:srgbClr val="0000FF"/>
+              </a:solidFill>
+            </a:endParaRPr>
+          </a:p>
+        </p:txBody>
+      </p:sp>
+      <p:sp>
+        <p:nvSpPr>
+          <p:cNvPr id="69" name="TextBox 68"/>
+          <p:cNvSpPr txBox="1"/>
+          <p:nvPr/>
+        </p:nvSpPr>
+        <p:spPr>
+          <a:xfrm>
+            <a:off x="99971" y="4867288"/>
+            <a:ext cx="819174" cy="369332"/>
+          </a:xfrm>
+          <a:prstGeom prst="rect">
+            <a:avLst/>
+          </a:prstGeom>
+          <a:noFill/>
+        </p:spPr>
+        <p:txBody>
+          <a:bodyPr wrap="square" rtlCol="0">
+            <a:spAutoFit/>
+          </a:bodyPr>
+          <a:lstStyle/>
+          <a:p>
+            <a:r>
+              <a:rPr lang="en-IN" dirty="0" smtClean="0">
+                <a:solidFill>
+                  <a:srgbClr val="0000FF"/>
+                </a:solidFill>
+              </a:rPr>
+              <a:t>K7, V7 </a:t>
+            </a:r>
+            <a:endParaRPr lang="en-US" dirty="0">
+              <a:solidFill>
+                <a:srgbClr val="0000FF"/>
+              </a:solidFill>
+            </a:endParaRPr>
+          </a:p>
+        </p:txBody>
+      </p:sp>
+      <p:sp>
+        <p:nvSpPr>
+          <p:cNvPr id="70" name="TextBox 69"/>
+          <p:cNvSpPr txBox="1"/>
+          <p:nvPr/>
+        </p:nvSpPr>
+        <p:spPr>
+          <a:xfrm>
+            <a:off x="109493" y="5362595"/>
+            <a:ext cx="809652" cy="369332"/>
+          </a:xfrm>
+          <a:prstGeom prst="rect">
+            <a:avLst/>
+          </a:prstGeom>
+          <a:noFill/>
+        </p:spPr>
+        <p:txBody>
+          <a:bodyPr wrap="square" rtlCol="0">
+            <a:spAutoFit/>
+          </a:bodyPr>
+          <a:lstStyle/>
+          <a:p>
+            <a:r>
+              <a:rPr lang="en-IN" dirty="0" smtClean="0">
+                <a:solidFill>
+                  <a:srgbClr val="0000FF"/>
+                </a:solidFill>
+              </a:rPr>
+              <a:t>K8, V8 </a:t>
+            </a:r>
+            <a:endParaRPr lang="en-US" dirty="0">
+              <a:solidFill>
+                <a:srgbClr val="0000FF"/>
+              </a:solidFill>
+            </a:endParaRPr>
+          </a:p>
+        </p:txBody>
+      </p:sp>
+      <p:cxnSp>
+        <p:nvCxnSpPr>
+          <p:cNvPr id="74" name="Straight Arrow Connector 73"/>
+          <p:cNvCxnSpPr>
+            <a:stCxn id="62" idx="3"/>
+            <a:endCxn id="63" idx="0"/>
+          </p:cNvCxnSpPr>
+          <p:nvPr/>
+        </p:nvCxnSpPr>
+        <p:spPr>
+          <a:xfrm>
+            <a:off x="914389" y="2161103"/>
+            <a:ext cx="1643070" cy="1338827"/>
+          </a:xfrm>
+          <a:prstGeom prst="straightConnector1">
+            <a:avLst/>
+          </a:prstGeom>
+          <a:ln>
+            <a:solidFill>
+              <a:schemeClr val="tx1"/>
+            </a:solidFill>
+            <a:tailEnd type="triangle"/>
+          </a:ln>
+        </p:spPr>
+        <p:style>
+          <a:lnRef idx="1">
+            <a:schemeClr val="accent1"/>
+          </a:lnRef>
+          <a:fillRef idx="0">
+            <a:schemeClr val="accent1"/>
+          </a:fillRef>
+          <a:effectRef idx="0">
+            <a:schemeClr val="accent1"/>
+          </a:effectRef>
+          <a:fontRef idx="minor">
+            <a:schemeClr val="tx1"/>
+          </a:fontRef>
+        </p:style>
+      </p:cxnSp>
+      <p:cxnSp>
+        <p:nvCxnSpPr>
+          <p:cNvPr id="76" name="Straight Arrow Connector 75"/>
+          <p:cNvCxnSpPr>
+            <a:stCxn id="64" idx="3"/>
+          </p:cNvCxnSpPr>
+          <p:nvPr/>
+        </p:nvCxnSpPr>
+        <p:spPr>
+          <a:xfrm>
+            <a:off x="914389" y="2656410"/>
+            <a:ext cx="1363199" cy="843520"/>
+          </a:xfrm>
+          <a:prstGeom prst="straightConnector1">
+            <a:avLst/>
+          </a:prstGeom>
+          <a:ln>
+            <a:solidFill>
+              <a:schemeClr val="tx1"/>
+            </a:solidFill>
+            <a:tailEnd type="triangle"/>
+          </a:ln>
+        </p:spPr>
+        <p:style>
+          <a:lnRef idx="1">
+            <a:schemeClr val="accent1"/>
+          </a:lnRef>
+          <a:fillRef idx="0">
+            <a:schemeClr val="accent1"/>
+          </a:fillRef>
+          <a:effectRef idx="0">
+            <a:schemeClr val="accent1"/>
+          </a:effectRef>
+          <a:fontRef idx="minor">
+            <a:schemeClr val="tx1"/>
+          </a:fontRef>
+        </p:style>
+      </p:cxnSp>
+      <p:cxnSp>
+        <p:nvCxnSpPr>
+          <p:cNvPr id="78" name="Straight Arrow Connector 77"/>
+          <p:cNvCxnSpPr>
+            <a:stCxn id="65" idx="3"/>
+          </p:cNvCxnSpPr>
+          <p:nvPr/>
+        </p:nvCxnSpPr>
+        <p:spPr>
+          <a:xfrm>
+            <a:off x="923911" y="3113610"/>
+            <a:ext cx="1090623" cy="429688"/>
+          </a:xfrm>
+          <a:prstGeom prst="straightConnector1">
+            <a:avLst/>
+          </a:prstGeom>
+          <a:ln>
+            <a:solidFill>
+              <a:schemeClr val="tx1"/>
+            </a:solidFill>
+            <a:tailEnd type="triangle"/>
+          </a:ln>
+        </p:spPr>
+        <p:style>
+          <a:lnRef idx="1">
+            <a:schemeClr val="accent1"/>
+          </a:lnRef>
+          <a:fillRef idx="0">
+            <a:schemeClr val="accent1"/>
+          </a:fillRef>
+          <a:effectRef idx="0">
+            <a:schemeClr val="accent1"/>
+          </a:effectRef>
+          <a:fontRef idx="minor">
+            <a:schemeClr val="tx1"/>
+          </a:fontRef>
+        </p:style>
+      </p:cxnSp>
+      <p:cxnSp>
+        <p:nvCxnSpPr>
+          <p:cNvPr id="80" name="Straight Arrow Connector 79"/>
+          <p:cNvCxnSpPr>
+            <a:stCxn id="66" idx="3"/>
+            <a:endCxn id="63" idx="1"/>
+          </p:cNvCxnSpPr>
+          <p:nvPr/>
+        </p:nvCxnSpPr>
+        <p:spPr>
+          <a:xfrm>
+            <a:off x="923911" y="3608917"/>
+            <a:ext cx="1090623" cy="146072"/>
+          </a:xfrm>
+          <a:prstGeom prst="straightConnector1">
+            <a:avLst/>
+          </a:prstGeom>
+          <a:ln>
+            <a:solidFill>
+              <a:schemeClr val="tx1"/>
+            </a:solidFill>
+            <a:tailEnd type="triangle"/>
+          </a:ln>
+        </p:spPr>
+        <p:style>
+          <a:lnRef idx="1">
+            <a:schemeClr val="accent1"/>
+          </a:lnRef>
+          <a:fillRef idx="0">
+            <a:schemeClr val="accent1"/>
+          </a:fillRef>
+          <a:effectRef idx="0">
+            <a:schemeClr val="accent1"/>
+          </a:effectRef>
+          <a:fontRef idx="minor">
+            <a:schemeClr val="tx1"/>
+          </a:fontRef>
+        </p:style>
+      </p:cxnSp>
+      <p:cxnSp>
+        <p:nvCxnSpPr>
+          <p:cNvPr id="85" name="Straight Arrow Connector 84"/>
+          <p:cNvCxnSpPr>
+            <a:stCxn id="67" idx="3"/>
+            <a:endCxn id="63" idx="1"/>
+          </p:cNvCxnSpPr>
+          <p:nvPr/>
+        </p:nvCxnSpPr>
+        <p:spPr>
+          <a:xfrm flipV="1">
+            <a:off x="909623" y="3754989"/>
+            <a:ext cx="1104911" cy="344458"/>
+          </a:xfrm>
+          <a:prstGeom prst="straightConnector1">
+            <a:avLst/>
+          </a:prstGeom>
+          <a:ln>
+            <a:solidFill>
+              <a:schemeClr val="tx1"/>
+            </a:solidFill>
+            <a:tailEnd type="triangle"/>
+          </a:ln>
+        </p:spPr>
+        <p:style>
+          <a:lnRef idx="1">
+            <a:schemeClr val="accent1"/>
+          </a:lnRef>
+          <a:fillRef idx="0">
+            <a:schemeClr val="accent1"/>
+          </a:fillRef>
+          <a:effectRef idx="0">
+            <a:schemeClr val="accent1"/>
+          </a:effectRef>
+          <a:fontRef idx="minor">
+            <a:schemeClr val="tx1"/>
+          </a:fontRef>
+        </p:style>
+      </p:cxnSp>
+      <p:cxnSp>
+        <p:nvCxnSpPr>
+          <p:cNvPr id="88" name="Straight Arrow Connector 87"/>
+          <p:cNvCxnSpPr>
+            <a:stCxn id="68" idx="3"/>
+          </p:cNvCxnSpPr>
+          <p:nvPr/>
+        </p:nvCxnSpPr>
+        <p:spPr>
+          <a:xfrm flipV="1">
+            <a:off x="909623" y="3974535"/>
+            <a:ext cx="1104911" cy="620219"/>
+          </a:xfrm>
+          <a:prstGeom prst="straightConnector1">
+            <a:avLst/>
+          </a:prstGeom>
+          <a:ln>
+            <a:solidFill>
+              <a:schemeClr val="tx1"/>
+            </a:solidFill>
+            <a:tailEnd type="triangle"/>
+          </a:ln>
+        </p:spPr>
+        <p:style>
+          <a:lnRef idx="1">
+            <a:schemeClr val="accent1"/>
+          </a:lnRef>
+          <a:fillRef idx="0">
+            <a:schemeClr val="accent1"/>
+          </a:fillRef>
+          <a:effectRef idx="0">
+            <a:schemeClr val="accent1"/>
+          </a:effectRef>
+          <a:fontRef idx="minor">
+            <a:schemeClr val="tx1"/>
+          </a:fontRef>
+        </p:style>
+      </p:cxnSp>
+      <p:cxnSp>
+        <p:nvCxnSpPr>
+          <p:cNvPr id="90" name="Straight Arrow Connector 89"/>
+          <p:cNvCxnSpPr>
+            <a:stCxn id="69" idx="3"/>
+          </p:cNvCxnSpPr>
+          <p:nvPr/>
+        </p:nvCxnSpPr>
+        <p:spPr>
+          <a:xfrm flipV="1">
+            <a:off x="919145" y="4038543"/>
+            <a:ext cx="1358443" cy="1013411"/>
+          </a:xfrm>
+          <a:prstGeom prst="straightConnector1">
+            <a:avLst/>
+          </a:prstGeom>
+          <a:ln>
+            <a:solidFill>
+              <a:schemeClr val="tx1"/>
+            </a:solidFill>
+            <a:tailEnd type="triangle"/>
+          </a:ln>
+        </p:spPr>
+        <p:style>
+          <a:lnRef idx="1">
+            <a:schemeClr val="accent1"/>
+          </a:lnRef>
+          <a:fillRef idx="0">
+            <a:schemeClr val="accent1"/>
+          </a:fillRef>
+          <a:effectRef idx="0">
+            <a:schemeClr val="accent1"/>
+          </a:effectRef>
+          <a:fontRef idx="minor">
+            <a:schemeClr val="tx1"/>
+          </a:fontRef>
+        </p:style>
+      </p:cxnSp>
+      <p:cxnSp>
+        <p:nvCxnSpPr>
+          <p:cNvPr id="92" name="Straight Arrow Connector 91"/>
+          <p:cNvCxnSpPr>
+            <a:stCxn id="70" idx="3"/>
+            <a:endCxn id="63" idx="2"/>
+          </p:cNvCxnSpPr>
+          <p:nvPr/>
+        </p:nvCxnSpPr>
+        <p:spPr>
+          <a:xfrm flipV="1">
+            <a:off x="919145" y="4010047"/>
+            <a:ext cx="1638314" cy="1537214"/>
+          </a:xfrm>
+          <a:prstGeom prst="straightConnector1">
+            <a:avLst/>
+          </a:prstGeom>
+          <a:ln>
+            <a:solidFill>
+              <a:schemeClr val="tx1"/>
+            </a:solidFill>
+            <a:tailEnd type="triangle"/>
+          </a:ln>
+        </p:spPr>
+        <p:style>
+          <a:lnRef idx="1">
+            <a:schemeClr val="accent1"/>
+          </a:lnRef>
+          <a:fillRef idx="0">
+            <a:schemeClr val="accent1"/>
+          </a:fillRef>
+          <a:effectRef idx="0">
+            <a:schemeClr val="accent1"/>
+          </a:effectRef>
+          <a:fontRef idx="minor">
+            <a:schemeClr val="tx1"/>
+          </a:fontRef>
+        </p:style>
+      </p:cxnSp>
+      <p:cxnSp>
+        <p:nvCxnSpPr>
+          <p:cNvPr id="94" name="Straight Arrow Connector 93"/>
+          <p:cNvCxnSpPr>
+            <a:stCxn id="63" idx="3"/>
+            <a:endCxn id="4" idx="1"/>
+          </p:cNvCxnSpPr>
+          <p:nvPr/>
+        </p:nvCxnSpPr>
+        <p:spPr>
+          <a:xfrm flipV="1">
+            <a:off x="3100384" y="2159799"/>
+            <a:ext cx="1485905" cy="1595190"/>
+          </a:xfrm>
+          <a:prstGeom prst="straightConnector1">
+            <a:avLst/>
+          </a:prstGeom>
+          <a:ln>
+            <a:solidFill>
+              <a:schemeClr val="tx1"/>
+            </a:solidFill>
+            <a:tailEnd type="triangle"/>
+          </a:ln>
+        </p:spPr>
+        <p:style>
+          <a:lnRef idx="1">
+            <a:schemeClr val="accent1"/>
+          </a:lnRef>
+          <a:fillRef idx="0">
+            <a:schemeClr val="accent1"/>
+          </a:fillRef>
+          <a:effectRef idx="0">
+            <a:schemeClr val="accent1"/>
+          </a:effectRef>
+          <a:fontRef idx="minor">
+            <a:schemeClr val="tx1"/>
+          </a:fontRef>
+        </p:style>
+      </p:cxnSp>
+      <p:cxnSp>
+        <p:nvCxnSpPr>
+          <p:cNvPr id="96" name="Straight Arrow Connector 95"/>
+          <p:cNvCxnSpPr>
+            <a:stCxn id="63" idx="3"/>
+            <a:endCxn id="7" idx="1"/>
+          </p:cNvCxnSpPr>
+          <p:nvPr/>
+        </p:nvCxnSpPr>
+        <p:spPr>
+          <a:xfrm flipV="1">
+            <a:off x="3100384" y="3236137"/>
+            <a:ext cx="1490674" cy="518852"/>
+          </a:xfrm>
+          <a:prstGeom prst="straightConnector1">
+            <a:avLst/>
+          </a:prstGeom>
+          <a:ln>
+            <a:solidFill>
+              <a:schemeClr val="tx1"/>
+            </a:solidFill>
+            <a:tailEnd type="triangle"/>
+          </a:ln>
+        </p:spPr>
+        <p:style>
+          <a:lnRef idx="1">
+            <a:schemeClr val="accent1"/>
+          </a:lnRef>
+          <a:fillRef idx="0">
+            <a:schemeClr val="accent1"/>
+          </a:fillRef>
+          <a:effectRef idx="0">
+            <a:schemeClr val="accent1"/>
+          </a:effectRef>
+          <a:fontRef idx="minor">
+            <a:schemeClr val="tx1"/>
+          </a:fontRef>
+        </p:style>
+      </p:cxnSp>
+      <p:cxnSp>
+        <p:nvCxnSpPr>
+          <p:cNvPr id="98" name="Straight Arrow Connector 97"/>
+          <p:cNvCxnSpPr>
+            <a:stCxn id="63" idx="3"/>
+            <a:endCxn id="9" idx="1"/>
+          </p:cNvCxnSpPr>
+          <p:nvPr/>
+        </p:nvCxnSpPr>
+        <p:spPr>
+          <a:xfrm>
+            <a:off x="3100384" y="3754989"/>
+            <a:ext cx="1490673" cy="209813"/>
+          </a:xfrm>
+          <a:prstGeom prst="straightConnector1">
+            <a:avLst/>
+          </a:prstGeom>
+          <a:ln>
+            <a:solidFill>
+              <a:schemeClr val="tx1"/>
+            </a:solidFill>
+            <a:tailEnd type="triangle"/>
+          </a:ln>
+        </p:spPr>
+        <p:style>
+          <a:lnRef idx="1">
+            <a:schemeClr val="accent1"/>
+          </a:lnRef>
+          <a:fillRef idx="0">
+            <a:schemeClr val="accent1"/>
+          </a:fillRef>
+          <a:effectRef idx="0">
+            <a:schemeClr val="accent1"/>
+          </a:effectRef>
+          <a:fontRef idx="minor">
+            <a:schemeClr val="tx1"/>
+          </a:fontRef>
+        </p:style>
+      </p:cxnSp>
+      <p:cxnSp>
+        <p:nvCxnSpPr>
+          <p:cNvPr id="100" name="Straight Arrow Connector 99"/>
+          <p:cNvCxnSpPr>
+            <a:stCxn id="63" idx="3"/>
+            <a:endCxn id="12" idx="1"/>
+          </p:cNvCxnSpPr>
+          <p:nvPr/>
+        </p:nvCxnSpPr>
+        <p:spPr>
+          <a:xfrm>
+            <a:off x="3100384" y="3754989"/>
+            <a:ext cx="1481140" cy="1357568"/>
+          </a:xfrm>
+          <a:prstGeom prst="straightConnector1">
+            <a:avLst/>
+          </a:prstGeom>
+          <a:ln>
+            <a:solidFill>
+              <a:schemeClr val="tx1"/>
+            </a:solidFill>
+            <a:tailEnd type="triangle"/>
+          </a:ln>
+        </p:spPr>
+        <p:style>
+          <a:lnRef idx="1">
+            <a:schemeClr val="accent1"/>
+          </a:lnRef>
+          <a:fillRef idx="0">
+            <a:schemeClr val="accent1"/>
+          </a:fillRef>
+          <a:effectRef idx="0">
+            <a:schemeClr val="accent1"/>
+          </a:effectRef>
+          <a:fontRef idx="minor">
+            <a:schemeClr val="tx1"/>
+          </a:fontRef>
+        </p:style>
+      </p:cxnSp>
+      <p:sp>
+        <p:nvSpPr>
+          <p:cNvPr id="103" name="Rectangle 102"/>
+          <p:cNvSpPr/>
+          <p:nvPr/>
+        </p:nvSpPr>
+        <p:spPr>
+          <a:xfrm>
+            <a:off x="7582872" y="2029896"/>
+            <a:ext cx="712439" cy="369332"/>
+          </a:xfrm>
+          <a:prstGeom prst="rect">
+            <a:avLst/>
+          </a:prstGeom>
+        </p:spPr>
+        <p:txBody>
+          <a:bodyPr wrap="none">
+            <a:spAutoFit/>
+          </a:bodyPr>
+          <a:lstStyle/>
+          <a:p>
+            <a:pPr algn="ctr"/>
+            <a:r>
+              <a:rPr lang="en-IN" dirty="0">
+                <a:solidFill>
+                  <a:srgbClr val="0000FF"/>
+                </a:solidFill>
+              </a:rPr>
+              <a:t>K7,V7</a:t>
+            </a:r>
+            <a:endParaRPr lang="en-US" dirty="0">
+              <a:solidFill>
+                <a:srgbClr val="0000FF"/>
+              </a:solidFill>
+            </a:endParaRPr>
+          </a:p>
+        </p:txBody>
+      </p:sp>
+      <p:sp>
+        <p:nvSpPr>
+          <p:cNvPr id="104" name="Rectangle 103"/>
+          <p:cNvSpPr/>
+          <p:nvPr/>
+        </p:nvSpPr>
+        <p:spPr>
+          <a:xfrm>
+            <a:off x="9364066" y="2010842"/>
+            <a:ext cx="712439" cy="369332"/>
+          </a:xfrm>
+          <a:prstGeom prst="rect">
+            <a:avLst/>
+          </a:prstGeom>
+        </p:spPr>
+        <p:txBody>
+          <a:bodyPr wrap="none">
+            <a:spAutoFit/>
+          </a:bodyPr>
+          <a:lstStyle/>
+          <a:p>
+            <a:pPr algn="ctr"/>
+            <a:r>
+              <a:rPr lang="en-IN" dirty="0" smtClean="0">
+                <a:solidFill>
+                  <a:srgbClr val="0000FF"/>
+                </a:solidFill>
+              </a:rPr>
+              <a:t>K3,V3</a:t>
+            </a:r>
+            <a:endParaRPr lang="en-US" dirty="0">
+              <a:solidFill>
+                <a:srgbClr val="0000FF"/>
+              </a:solidFill>
+            </a:endParaRPr>
+          </a:p>
+        </p:txBody>
+      </p:sp>
+      <p:sp>
+        <p:nvSpPr>
+          <p:cNvPr id="105" name="Rectangle 104"/>
+          <p:cNvSpPr/>
+          <p:nvPr/>
+        </p:nvSpPr>
+        <p:spPr>
+          <a:xfrm>
+            <a:off x="7578106" y="3082420"/>
+            <a:ext cx="712439" cy="369332"/>
+          </a:xfrm>
+          <a:prstGeom prst="rect">
+            <a:avLst/>
+          </a:prstGeom>
+        </p:spPr>
+        <p:txBody>
+          <a:bodyPr wrap="none">
+            <a:spAutoFit/>
+          </a:bodyPr>
+          <a:lstStyle/>
+          <a:p>
+            <a:pPr algn="ctr"/>
+            <a:r>
+              <a:rPr lang="en-IN" dirty="0" smtClean="0">
+                <a:solidFill>
+                  <a:srgbClr val="0000FF"/>
+                </a:solidFill>
+              </a:rPr>
+              <a:t>K4,V4</a:t>
+            </a:r>
+            <a:endParaRPr lang="en-US" dirty="0">
+              <a:solidFill>
+                <a:srgbClr val="0000FF"/>
+              </a:solidFill>
+            </a:endParaRPr>
+          </a:p>
+        </p:txBody>
+      </p:sp>
+      <p:sp>
+        <p:nvSpPr>
+          <p:cNvPr id="106" name="Rectangle 105"/>
+          <p:cNvSpPr/>
+          <p:nvPr/>
+        </p:nvSpPr>
+        <p:spPr>
+          <a:xfrm>
+            <a:off x="11088104" y="3792032"/>
+            <a:ext cx="712439" cy="369332"/>
+          </a:xfrm>
+          <a:prstGeom prst="rect">
+            <a:avLst/>
+          </a:prstGeom>
+        </p:spPr>
+        <p:txBody>
+          <a:bodyPr wrap="none">
+            <a:spAutoFit/>
+          </a:bodyPr>
+          <a:lstStyle/>
+          <a:p>
+            <a:pPr algn="ctr"/>
+            <a:r>
+              <a:rPr lang="en-IN" dirty="0" smtClean="0">
+                <a:solidFill>
+                  <a:srgbClr val="0000FF"/>
+                </a:solidFill>
+              </a:rPr>
+              <a:t>K8,V8</a:t>
+            </a:r>
+            <a:endParaRPr lang="en-US" dirty="0">
+              <a:solidFill>
+                <a:srgbClr val="0000FF"/>
+              </a:solidFill>
+            </a:endParaRPr>
+          </a:p>
+        </p:txBody>
+      </p:sp>
+      <p:sp>
+        <p:nvSpPr>
+          <p:cNvPr id="107" name="Rectangle 106"/>
+          <p:cNvSpPr/>
+          <p:nvPr/>
+        </p:nvSpPr>
+        <p:spPr>
+          <a:xfrm>
+            <a:off x="7549532" y="3811084"/>
+            <a:ext cx="712439" cy="369332"/>
+          </a:xfrm>
+          <a:prstGeom prst="rect">
+            <a:avLst/>
+          </a:prstGeom>
+        </p:spPr>
+        <p:txBody>
+          <a:bodyPr wrap="none">
+            <a:spAutoFit/>
+          </a:bodyPr>
+          <a:lstStyle/>
+          <a:p>
+            <a:pPr algn="ctr"/>
+            <a:r>
+              <a:rPr lang="en-IN" dirty="0" smtClean="0">
+                <a:solidFill>
+                  <a:srgbClr val="0000FF"/>
+                </a:solidFill>
+              </a:rPr>
+              <a:t>K6,V6</a:t>
+            </a:r>
+            <a:endParaRPr lang="en-US" dirty="0">
+              <a:solidFill>
+                <a:srgbClr val="0000FF"/>
+              </a:solidFill>
+            </a:endParaRPr>
+          </a:p>
+        </p:txBody>
+      </p:sp>
+      <p:sp>
+        <p:nvSpPr>
+          <p:cNvPr id="108" name="Rectangle 107"/>
+          <p:cNvSpPr/>
+          <p:nvPr/>
+        </p:nvSpPr>
+        <p:spPr>
+          <a:xfrm>
+            <a:off x="9330726" y="3792030"/>
+            <a:ext cx="712439" cy="369332"/>
+          </a:xfrm>
+          <a:prstGeom prst="rect">
+            <a:avLst/>
+          </a:prstGeom>
+        </p:spPr>
+        <p:txBody>
+          <a:bodyPr wrap="none">
+            <a:spAutoFit/>
+          </a:bodyPr>
+          <a:lstStyle/>
+          <a:p>
+            <a:pPr algn="ctr"/>
+            <a:r>
+              <a:rPr lang="en-IN" dirty="0" smtClean="0">
+                <a:solidFill>
+                  <a:srgbClr val="0000FF"/>
+                </a:solidFill>
+              </a:rPr>
+              <a:t>K1,V1</a:t>
+            </a:r>
+            <a:endParaRPr lang="en-US" dirty="0">
+              <a:solidFill>
+                <a:srgbClr val="0000FF"/>
+              </a:solidFill>
+            </a:endParaRPr>
+          </a:p>
+        </p:txBody>
+      </p:sp>
+      <p:sp>
+        <p:nvSpPr>
+          <p:cNvPr id="109" name="Rectangle 108"/>
+          <p:cNvSpPr/>
+          <p:nvPr/>
+        </p:nvSpPr>
+        <p:spPr>
+          <a:xfrm>
+            <a:off x="7563817" y="4911223"/>
+            <a:ext cx="712439" cy="369332"/>
+          </a:xfrm>
+          <a:prstGeom prst="rect">
+            <a:avLst/>
+          </a:prstGeom>
+        </p:spPr>
+        <p:txBody>
+          <a:bodyPr wrap="none">
+            <a:spAutoFit/>
+          </a:bodyPr>
+          <a:lstStyle/>
+          <a:p>
+            <a:pPr algn="ctr"/>
+            <a:r>
+              <a:rPr lang="en-IN" dirty="0" smtClean="0">
+                <a:solidFill>
+                  <a:srgbClr val="0000FF"/>
+                </a:solidFill>
+              </a:rPr>
+              <a:t>K2,V2</a:t>
+            </a:r>
+            <a:endParaRPr lang="en-US" dirty="0">
+              <a:solidFill>
+                <a:srgbClr val="0000FF"/>
+              </a:solidFill>
+            </a:endParaRPr>
+          </a:p>
+        </p:txBody>
+      </p:sp>
+      <p:sp>
+        <p:nvSpPr>
+          <p:cNvPr id="110" name="Rectangle 109"/>
+          <p:cNvSpPr/>
+          <p:nvPr/>
+        </p:nvSpPr>
+        <p:spPr>
+          <a:xfrm>
+            <a:off x="9345011" y="4892169"/>
+            <a:ext cx="712439" cy="369332"/>
+          </a:xfrm>
+          <a:prstGeom prst="rect">
+            <a:avLst/>
+          </a:prstGeom>
+        </p:spPr>
+        <p:txBody>
+          <a:bodyPr wrap="none">
+            <a:spAutoFit/>
+          </a:bodyPr>
+          <a:lstStyle/>
+          <a:p>
+            <a:pPr algn="ctr"/>
+            <a:r>
+              <a:rPr lang="en-IN" dirty="0" smtClean="0">
+                <a:solidFill>
+                  <a:srgbClr val="0000FF"/>
+                </a:solidFill>
+              </a:rPr>
+              <a:t>K5,V5</a:t>
+            </a:r>
+            <a:endParaRPr lang="en-US" dirty="0">
+              <a:solidFill>
+                <a:srgbClr val="0000FF"/>
+              </a:solidFill>
+            </a:endParaRPr>
+          </a:p>
+        </p:txBody>
+      </p:sp>
+    </p:spTree>
+    <p:extLst>
+      <p:ext uri="{BB962C8B-B14F-4D97-AF65-F5344CB8AC3E}">
+        <p14:creationId xmlns:p14="http://schemas.microsoft.com/office/powerpoint/2010/main" val="1085525093"/>
+      </p:ext>
+    </p:extLst>
+  </p:cSld>
+  <p:clrMapOvr>
+    <a:masterClrMapping/>
+  </p:clrMapOvr>
+</p:sld>
+</file>
+
 <file path=ppt/slides/slide2.xml><?xml version="1.0" encoding="utf-8"?>
 <p:sld xmlns:a="http://schemas.openxmlformats.org/drawingml/2006/main" xmlns:r="http://schemas.openxmlformats.org/officeDocument/2006/relationships" xmlns:p="http://schemas.openxmlformats.org/presentationml/2006/main">
   <p:cSld>
